--- a/topic11/talk-01/react integration.pptx
+++ b/topic11/talk-01/react integration.pptx
@@ -4,14 +4,23 @@
   <p:sldMasterIdLst>
     <p:sldMasterId id="2147483762" r:id="rId1"/>
   </p:sldMasterIdLst>
+  <p:notesMasterIdLst>
+    <p:notesMasterId r:id="rId15"/>
+  </p:notesMasterIdLst>
   <p:sldIdLst>
-    <p:sldId id="256" r:id="rId2"/>
-    <p:sldId id="257" r:id="rId3"/>
-    <p:sldId id="258" r:id="rId4"/>
-    <p:sldId id="260" r:id="rId5"/>
-    <p:sldId id="259" r:id="rId6"/>
-    <p:sldId id="261" r:id="rId7"/>
-    <p:sldId id="262" r:id="rId8"/>
+    <p:sldId id="277" r:id="rId2"/>
+    <p:sldId id="278" r:id="rId3"/>
+    <p:sldId id="280" r:id="rId4"/>
+    <p:sldId id="281" r:id="rId5"/>
+    <p:sldId id="282" r:id="rId6"/>
+    <p:sldId id="514" r:id="rId7"/>
+    <p:sldId id="283" r:id="rId8"/>
+    <p:sldId id="515" r:id="rId9"/>
+    <p:sldId id="257" r:id="rId10"/>
+    <p:sldId id="258" r:id="rId11"/>
+    <p:sldId id="260" r:id="rId12"/>
+    <p:sldId id="259" r:id="rId13"/>
+    <p:sldId id="262" r:id="rId14"/>
   </p:sldIdLst>
   <p:sldSz cx="12192000" cy="6858000"/>
   <p:notesSz cx="6858000" cy="9144000"/>
@@ -110,7 +119,530 @@
       </a:defRPr>
     </a:lvl9pPr>
   </p:defaultTextStyle>
+  <p:extLst>
+    <p:ext uri="{EFAFB233-063F-42B5-8137-9DF3F51BA10A}">
+      <p15:sldGuideLst xmlns:p15="http://schemas.microsoft.com/office/powerpoint/2012/main"/>
+    </p:ext>
+  </p:extLst>
 </p:presentation>
+</file>
+
+<file path=ppt/notesMasters/notesMaster1.xml><?xml version="1.0" encoding="utf-8"?>
+<p:notesMaster xmlns:a="http://schemas.openxmlformats.org/drawingml/2006/main" xmlns:r="http://schemas.openxmlformats.org/officeDocument/2006/relationships" xmlns:p="http://schemas.openxmlformats.org/presentationml/2006/main">
+  <p:cSld>
+    <p:bg>
+      <p:bgRef idx="1001">
+        <a:schemeClr val="bg1"/>
+      </p:bgRef>
+    </p:bg>
+    <p:spTree>
+      <p:nvGrpSpPr>
+        <p:cNvPr id="1" name=""/>
+        <p:cNvGrpSpPr/>
+        <p:nvPr/>
+      </p:nvGrpSpPr>
+      <p:grpSpPr>
+        <a:xfrm>
+          <a:off x="0" y="0"/>
+          <a:ext cx="0" cy="0"/>
+          <a:chOff x="0" y="0"/>
+          <a:chExt cx="0" cy="0"/>
+        </a:xfrm>
+      </p:grpSpPr>
+      <p:sp>
+        <p:nvSpPr>
+          <p:cNvPr id="2" name="Header Placeholder 1"/>
+          <p:cNvSpPr>
+            <a:spLocks noGrp="1"/>
+          </p:cNvSpPr>
+          <p:nvPr>
+            <p:ph type="hdr" sz="quarter"/>
+          </p:nvPr>
+        </p:nvSpPr>
+        <p:spPr>
+          <a:xfrm>
+            <a:off x="0" y="0"/>
+            <a:ext cx="2971800" cy="458788"/>
+          </a:xfrm>
+          <a:prstGeom prst="rect">
+            <a:avLst/>
+          </a:prstGeom>
+        </p:spPr>
+        <p:txBody>
+          <a:bodyPr vert="horz" lIns="91440" tIns="45720" rIns="91440" bIns="45720" rtlCol="0"/>
+          <a:lstStyle>
+            <a:lvl1pPr algn="l">
+              <a:defRPr sz="1200"/>
+            </a:lvl1pPr>
+          </a:lstStyle>
+          <a:p>
+            <a:endParaRPr lang="en-IE"/>
+          </a:p>
+        </p:txBody>
+      </p:sp>
+      <p:sp>
+        <p:nvSpPr>
+          <p:cNvPr id="3" name="Date Placeholder 2"/>
+          <p:cNvSpPr>
+            <a:spLocks noGrp="1"/>
+          </p:cNvSpPr>
+          <p:nvPr>
+            <p:ph type="dt" idx="1"/>
+          </p:nvPr>
+        </p:nvSpPr>
+        <p:spPr>
+          <a:xfrm>
+            <a:off x="3884613" y="0"/>
+            <a:ext cx="2971800" cy="458788"/>
+          </a:xfrm>
+          <a:prstGeom prst="rect">
+            <a:avLst/>
+          </a:prstGeom>
+        </p:spPr>
+        <p:txBody>
+          <a:bodyPr vert="horz" lIns="91440" tIns="45720" rIns="91440" bIns="45720" rtlCol="0"/>
+          <a:lstStyle>
+            <a:lvl1pPr algn="r">
+              <a:defRPr sz="1200"/>
+            </a:lvl1pPr>
+          </a:lstStyle>
+          <a:p>
+            <a:fld id="{5A5064DF-05C4-46F4-BCB8-E175C121AC4F}" type="datetimeFigureOut">
+              <a:rPr lang="en-IE" smtClean="0"/>
+              <a:t>29/11/2021</a:t>
+            </a:fld>
+            <a:endParaRPr lang="en-IE"/>
+          </a:p>
+        </p:txBody>
+      </p:sp>
+      <p:sp>
+        <p:nvSpPr>
+          <p:cNvPr id="4" name="Slide Image Placeholder 3"/>
+          <p:cNvSpPr>
+            <a:spLocks noGrp="1" noRot="1" noChangeAspect="1"/>
+          </p:cNvSpPr>
+          <p:nvPr>
+            <p:ph type="sldImg" idx="2"/>
+          </p:nvPr>
+        </p:nvSpPr>
+        <p:spPr>
+          <a:xfrm>
+            <a:off x="685800" y="1143000"/>
+            <a:ext cx="5486400" cy="3086100"/>
+          </a:xfrm>
+          <a:prstGeom prst="rect">
+            <a:avLst/>
+          </a:prstGeom>
+          <a:noFill/>
+          <a:ln w="12700">
+            <a:solidFill>
+              <a:prstClr val="black"/>
+            </a:solidFill>
+          </a:ln>
+        </p:spPr>
+        <p:txBody>
+          <a:bodyPr vert="horz" lIns="91440" tIns="45720" rIns="91440" bIns="45720" rtlCol="0" anchor="ctr"/>
+          <a:lstStyle/>
+          <a:p>
+            <a:endParaRPr lang="en-IE"/>
+          </a:p>
+        </p:txBody>
+      </p:sp>
+      <p:sp>
+        <p:nvSpPr>
+          <p:cNvPr id="5" name="Notes Placeholder 4"/>
+          <p:cNvSpPr>
+            <a:spLocks noGrp="1"/>
+          </p:cNvSpPr>
+          <p:nvPr>
+            <p:ph type="body" sz="quarter" idx="3"/>
+          </p:nvPr>
+        </p:nvSpPr>
+        <p:spPr>
+          <a:xfrm>
+            <a:off x="685800" y="4400550"/>
+            <a:ext cx="5486400" cy="3600450"/>
+          </a:xfrm>
+          <a:prstGeom prst="rect">
+            <a:avLst/>
+          </a:prstGeom>
+        </p:spPr>
+        <p:txBody>
+          <a:bodyPr vert="horz" lIns="91440" tIns="45720" rIns="91440" bIns="45720" rtlCol="0"/>
+          <a:lstStyle/>
+          <a:p>
+            <a:pPr lvl="0"/>
+            <a:r>
+              <a:rPr lang="en-US"/>
+              <a:t>Click to edit Master text styles</a:t>
+            </a:r>
+          </a:p>
+          <a:p>
+            <a:pPr lvl="1"/>
+            <a:r>
+              <a:rPr lang="en-US"/>
+              <a:t>Second level</a:t>
+            </a:r>
+          </a:p>
+          <a:p>
+            <a:pPr lvl="2"/>
+            <a:r>
+              <a:rPr lang="en-US"/>
+              <a:t>Third level</a:t>
+            </a:r>
+          </a:p>
+          <a:p>
+            <a:pPr lvl="3"/>
+            <a:r>
+              <a:rPr lang="en-US"/>
+              <a:t>Fourth level</a:t>
+            </a:r>
+          </a:p>
+          <a:p>
+            <a:pPr lvl="4"/>
+            <a:r>
+              <a:rPr lang="en-US"/>
+              <a:t>Fifth level</a:t>
+            </a:r>
+            <a:endParaRPr lang="en-IE"/>
+          </a:p>
+        </p:txBody>
+      </p:sp>
+      <p:sp>
+        <p:nvSpPr>
+          <p:cNvPr id="6" name="Footer Placeholder 5"/>
+          <p:cNvSpPr>
+            <a:spLocks noGrp="1"/>
+          </p:cNvSpPr>
+          <p:nvPr>
+            <p:ph type="ftr" sz="quarter" idx="4"/>
+          </p:nvPr>
+        </p:nvSpPr>
+        <p:spPr>
+          <a:xfrm>
+            <a:off x="0" y="8685213"/>
+            <a:ext cx="2971800" cy="458787"/>
+          </a:xfrm>
+          <a:prstGeom prst="rect">
+            <a:avLst/>
+          </a:prstGeom>
+        </p:spPr>
+        <p:txBody>
+          <a:bodyPr vert="horz" lIns="91440" tIns="45720" rIns="91440" bIns="45720" rtlCol="0" anchor="b"/>
+          <a:lstStyle>
+            <a:lvl1pPr algn="l">
+              <a:defRPr sz="1200"/>
+            </a:lvl1pPr>
+          </a:lstStyle>
+          <a:p>
+            <a:endParaRPr lang="en-IE"/>
+          </a:p>
+        </p:txBody>
+      </p:sp>
+      <p:sp>
+        <p:nvSpPr>
+          <p:cNvPr id="7" name="Slide Number Placeholder 6"/>
+          <p:cNvSpPr>
+            <a:spLocks noGrp="1"/>
+          </p:cNvSpPr>
+          <p:nvPr>
+            <p:ph type="sldNum" sz="quarter" idx="5"/>
+          </p:nvPr>
+        </p:nvSpPr>
+        <p:spPr>
+          <a:xfrm>
+            <a:off x="3884613" y="8685213"/>
+            <a:ext cx="2971800" cy="458787"/>
+          </a:xfrm>
+          <a:prstGeom prst="rect">
+            <a:avLst/>
+          </a:prstGeom>
+        </p:spPr>
+        <p:txBody>
+          <a:bodyPr vert="horz" lIns="91440" tIns="45720" rIns="91440" bIns="45720" rtlCol="0" anchor="b"/>
+          <a:lstStyle>
+            <a:lvl1pPr algn="r">
+              <a:defRPr sz="1200"/>
+            </a:lvl1pPr>
+          </a:lstStyle>
+          <a:p>
+            <a:fld id="{89B185BA-FB74-4495-B515-DF60C6DB7F15}" type="slidenum">
+              <a:rPr lang="en-IE" smtClean="0"/>
+              <a:t>‹#›</a:t>
+            </a:fld>
+            <a:endParaRPr lang="en-IE"/>
+          </a:p>
+        </p:txBody>
+      </p:sp>
+    </p:spTree>
+    <p:extLst>
+      <p:ext uri="{BB962C8B-B14F-4D97-AF65-F5344CB8AC3E}">
+        <p14:creationId xmlns:p14="http://schemas.microsoft.com/office/powerpoint/2010/main" val="2610735496"/>
+      </p:ext>
+    </p:extLst>
+  </p:cSld>
+  <p:clrMap bg1="lt1" tx1="dk1" bg2="lt2" tx2="dk2" accent1="accent1" accent2="accent2" accent3="accent3" accent4="accent4" accent5="accent5" accent6="accent6" hlink="hlink" folHlink="folHlink"/>
+  <p:notesStyle>
+    <a:lvl1pPr marL="0" algn="l" defTabSz="914400" rtl="0" eaLnBrk="1" latinLnBrk="0" hangingPunct="1">
+      <a:defRPr sz="1200" kern="1200">
+        <a:solidFill>
+          <a:schemeClr val="tx1"/>
+        </a:solidFill>
+        <a:latin typeface="+mn-lt"/>
+        <a:ea typeface="+mn-ea"/>
+        <a:cs typeface="+mn-cs"/>
+      </a:defRPr>
+    </a:lvl1pPr>
+    <a:lvl2pPr marL="457200" algn="l" defTabSz="914400" rtl="0" eaLnBrk="1" latinLnBrk="0" hangingPunct="1">
+      <a:defRPr sz="1200" kern="1200">
+        <a:solidFill>
+          <a:schemeClr val="tx1"/>
+        </a:solidFill>
+        <a:latin typeface="+mn-lt"/>
+        <a:ea typeface="+mn-ea"/>
+        <a:cs typeface="+mn-cs"/>
+      </a:defRPr>
+    </a:lvl2pPr>
+    <a:lvl3pPr marL="914400" algn="l" defTabSz="914400" rtl="0" eaLnBrk="1" latinLnBrk="0" hangingPunct="1">
+      <a:defRPr sz="1200" kern="1200">
+        <a:solidFill>
+          <a:schemeClr val="tx1"/>
+        </a:solidFill>
+        <a:latin typeface="+mn-lt"/>
+        <a:ea typeface="+mn-ea"/>
+        <a:cs typeface="+mn-cs"/>
+      </a:defRPr>
+    </a:lvl3pPr>
+    <a:lvl4pPr marL="1371600" algn="l" defTabSz="914400" rtl="0" eaLnBrk="1" latinLnBrk="0" hangingPunct="1">
+      <a:defRPr sz="1200" kern="1200">
+        <a:solidFill>
+          <a:schemeClr val="tx1"/>
+        </a:solidFill>
+        <a:latin typeface="+mn-lt"/>
+        <a:ea typeface="+mn-ea"/>
+        <a:cs typeface="+mn-cs"/>
+      </a:defRPr>
+    </a:lvl4pPr>
+    <a:lvl5pPr marL="1828800" algn="l" defTabSz="914400" rtl="0" eaLnBrk="1" latinLnBrk="0" hangingPunct="1">
+      <a:defRPr sz="1200" kern="1200">
+        <a:solidFill>
+          <a:schemeClr val="tx1"/>
+        </a:solidFill>
+        <a:latin typeface="+mn-lt"/>
+        <a:ea typeface="+mn-ea"/>
+        <a:cs typeface="+mn-cs"/>
+      </a:defRPr>
+    </a:lvl5pPr>
+    <a:lvl6pPr marL="2286000" algn="l" defTabSz="914400" rtl="0" eaLnBrk="1" latinLnBrk="0" hangingPunct="1">
+      <a:defRPr sz="1200" kern="1200">
+        <a:solidFill>
+          <a:schemeClr val="tx1"/>
+        </a:solidFill>
+        <a:latin typeface="+mn-lt"/>
+        <a:ea typeface="+mn-ea"/>
+        <a:cs typeface="+mn-cs"/>
+      </a:defRPr>
+    </a:lvl6pPr>
+    <a:lvl7pPr marL="2743200" algn="l" defTabSz="914400" rtl="0" eaLnBrk="1" latinLnBrk="0" hangingPunct="1">
+      <a:defRPr sz="1200" kern="1200">
+        <a:solidFill>
+          <a:schemeClr val="tx1"/>
+        </a:solidFill>
+        <a:latin typeface="+mn-lt"/>
+        <a:ea typeface="+mn-ea"/>
+        <a:cs typeface="+mn-cs"/>
+      </a:defRPr>
+    </a:lvl7pPr>
+    <a:lvl8pPr marL="3200400" algn="l" defTabSz="914400" rtl="0" eaLnBrk="1" latinLnBrk="0" hangingPunct="1">
+      <a:defRPr sz="1200" kern="1200">
+        <a:solidFill>
+          <a:schemeClr val="tx1"/>
+        </a:solidFill>
+        <a:latin typeface="+mn-lt"/>
+        <a:ea typeface="+mn-ea"/>
+        <a:cs typeface="+mn-cs"/>
+      </a:defRPr>
+    </a:lvl8pPr>
+    <a:lvl9pPr marL="3657600" algn="l" defTabSz="914400" rtl="0" eaLnBrk="1" latinLnBrk="0" hangingPunct="1">
+      <a:defRPr sz="1200" kern="1200">
+        <a:solidFill>
+          <a:schemeClr val="tx1"/>
+        </a:solidFill>
+        <a:latin typeface="+mn-lt"/>
+        <a:ea typeface="+mn-ea"/>
+        <a:cs typeface="+mn-cs"/>
+      </a:defRPr>
+    </a:lvl9pPr>
+  </p:notesStyle>
+</p:notesMaster>
+</file>
+
+<file path=ppt/notesSlides/notesSlide1.xml><?xml version="1.0" encoding="utf-8"?>
+<p:notes xmlns:a="http://schemas.openxmlformats.org/drawingml/2006/main" xmlns:r="http://schemas.openxmlformats.org/officeDocument/2006/relationships" xmlns:p="http://schemas.openxmlformats.org/presentationml/2006/main">
+  <p:cSld>
+    <p:spTree>
+      <p:nvGrpSpPr>
+        <p:cNvPr id="1" name=""/>
+        <p:cNvGrpSpPr/>
+        <p:nvPr/>
+      </p:nvGrpSpPr>
+      <p:grpSpPr>
+        <a:xfrm>
+          <a:off x="0" y="0"/>
+          <a:ext cx="0" cy="0"/>
+          <a:chOff x="0" y="0"/>
+          <a:chExt cx="0" cy="0"/>
+        </a:xfrm>
+      </p:grpSpPr>
+      <p:sp>
+        <p:nvSpPr>
+          <p:cNvPr id="2" name="Slide Image Placeholder 1"/>
+          <p:cNvSpPr>
+            <a:spLocks noGrp="1" noRot="1" noChangeAspect="1"/>
+          </p:cNvSpPr>
+          <p:nvPr>
+            <p:ph type="sldImg"/>
+          </p:nvPr>
+        </p:nvSpPr>
+        <p:spPr/>
+      </p:sp>
+      <p:sp>
+        <p:nvSpPr>
+          <p:cNvPr id="3" name="Notes Placeholder 2"/>
+          <p:cNvSpPr>
+            <a:spLocks noGrp="1"/>
+          </p:cNvSpPr>
+          <p:nvPr>
+            <p:ph type="body" idx="1"/>
+          </p:nvPr>
+        </p:nvSpPr>
+        <p:spPr/>
+        <p:txBody>
+          <a:bodyPr/>
+          <a:lstStyle/>
+          <a:p>
+            <a:endParaRPr lang="en-IE" dirty="0"/>
+          </a:p>
+        </p:txBody>
+      </p:sp>
+      <p:sp>
+        <p:nvSpPr>
+          <p:cNvPr id="4" name="Slide Number Placeholder 3"/>
+          <p:cNvSpPr>
+            <a:spLocks noGrp="1"/>
+          </p:cNvSpPr>
+          <p:nvPr>
+            <p:ph type="sldNum" sz="quarter" idx="5"/>
+          </p:nvPr>
+        </p:nvSpPr>
+        <p:spPr/>
+        <p:txBody>
+          <a:bodyPr/>
+          <a:lstStyle/>
+          <a:p>
+            <a:fld id="{2F2E01AB-F487-4477-818E-7219F7E83442}" type="slidenum">
+              <a:rPr lang="en-IE" smtClean="0"/>
+              <a:t>2</a:t>
+            </a:fld>
+            <a:endParaRPr lang="en-IE"/>
+          </a:p>
+        </p:txBody>
+      </p:sp>
+    </p:spTree>
+    <p:extLst>
+      <p:ext uri="{BB962C8B-B14F-4D97-AF65-F5344CB8AC3E}">
+        <p14:creationId xmlns:p14="http://schemas.microsoft.com/office/powerpoint/2010/main" val="1693321476"/>
+      </p:ext>
+    </p:extLst>
+  </p:cSld>
+  <p:clrMapOvr>
+    <a:masterClrMapping/>
+  </p:clrMapOvr>
+</p:notes>
+</file>
+
+<file path=ppt/notesSlides/notesSlide2.xml><?xml version="1.0" encoding="utf-8"?>
+<p:notes xmlns:a="http://schemas.openxmlformats.org/drawingml/2006/main" xmlns:r="http://schemas.openxmlformats.org/officeDocument/2006/relationships" xmlns:p="http://schemas.openxmlformats.org/presentationml/2006/main">
+  <p:cSld>
+    <p:spTree>
+      <p:nvGrpSpPr>
+        <p:cNvPr id="1" name=""/>
+        <p:cNvGrpSpPr/>
+        <p:nvPr/>
+      </p:nvGrpSpPr>
+      <p:grpSpPr>
+        <a:xfrm>
+          <a:off x="0" y="0"/>
+          <a:ext cx="0" cy="0"/>
+          <a:chOff x="0" y="0"/>
+          <a:chExt cx="0" cy="0"/>
+        </a:xfrm>
+      </p:grpSpPr>
+      <p:sp>
+        <p:nvSpPr>
+          <p:cNvPr id="2" name="Slide Image Placeholder 1"/>
+          <p:cNvSpPr>
+            <a:spLocks noGrp="1" noRot="1" noChangeAspect="1"/>
+          </p:cNvSpPr>
+          <p:nvPr>
+            <p:ph type="sldImg"/>
+          </p:nvPr>
+        </p:nvSpPr>
+        <p:spPr/>
+      </p:sp>
+      <p:sp>
+        <p:nvSpPr>
+          <p:cNvPr id="3" name="Notes Placeholder 2"/>
+          <p:cNvSpPr>
+            <a:spLocks noGrp="1"/>
+          </p:cNvSpPr>
+          <p:nvPr>
+            <p:ph type="body" idx="1"/>
+          </p:nvPr>
+        </p:nvSpPr>
+        <p:spPr/>
+        <p:txBody>
+          <a:bodyPr/>
+          <a:lstStyle/>
+          <a:p>
+            <a:endParaRPr lang="en-IE" dirty="0"/>
+          </a:p>
+        </p:txBody>
+      </p:sp>
+      <p:sp>
+        <p:nvSpPr>
+          <p:cNvPr id="4" name="Slide Number Placeholder 3"/>
+          <p:cNvSpPr>
+            <a:spLocks noGrp="1"/>
+          </p:cNvSpPr>
+          <p:nvPr>
+            <p:ph type="sldNum" sz="quarter" idx="5"/>
+          </p:nvPr>
+        </p:nvSpPr>
+        <p:spPr/>
+        <p:txBody>
+          <a:bodyPr/>
+          <a:lstStyle/>
+          <a:p>
+            <a:fld id="{2F2E01AB-F487-4477-818E-7219F7E83442}" type="slidenum">
+              <a:rPr lang="en-IE" smtClean="0"/>
+              <a:t>7</a:t>
+            </a:fld>
+            <a:endParaRPr lang="en-IE"/>
+          </a:p>
+        </p:txBody>
+      </p:sp>
+    </p:spTree>
+    <p:extLst>
+      <p:ext uri="{BB962C8B-B14F-4D97-AF65-F5344CB8AC3E}">
+        <p14:creationId xmlns:p14="http://schemas.microsoft.com/office/powerpoint/2010/main" val="505788355"/>
+      </p:ext>
+    </p:extLst>
+  </p:cSld>
+  <p:clrMapOvr>
+    <a:masterClrMapping/>
+  </p:clrMapOvr>
+</p:notes>
 </file>
 
 <file path=ppt/slideLayouts/slideLayout1.xml><?xml version="1.0" encoding="utf-8"?>
@@ -260,7 +792,7 @@
           <a:p>
             <a:fld id="{6A4B53A7-3209-46A6-9454-F38EAC8F11E7}" type="datetimeFigureOut">
               <a:rPr lang="en-US" smtClean="0"/>
-              <a:t>12/14/2020</a:t>
+              <a:t>11/29/2021</a:t>
             </a:fld>
             <a:endParaRPr lang="en-US"/>
           </a:p>
@@ -511,7 +1043,7 @@
           <a:p>
             <a:fld id="{6A4B53A7-3209-46A6-9454-F38EAC8F11E7}" type="datetimeFigureOut">
               <a:rPr lang="en-US" smtClean="0"/>
-              <a:t>12/14/2020</a:t>
+              <a:t>11/29/2021</a:t>
             </a:fld>
             <a:endParaRPr lang="en-US"/>
           </a:p>
@@ -772,7 +1304,7 @@
           <a:p>
             <a:fld id="{6A4B53A7-3209-46A6-9454-F38EAC8F11E7}" type="datetimeFigureOut">
               <a:rPr lang="en-US" smtClean="0"/>
-              <a:t>12/14/2020</a:t>
+              <a:t>11/29/2021</a:t>
             </a:fld>
             <a:endParaRPr lang="en-US"/>
           </a:p>
@@ -1023,7 +1555,7 @@
           <a:p>
             <a:fld id="{6A4B53A7-3209-46A6-9454-F38EAC8F11E7}" type="datetimeFigureOut">
               <a:rPr lang="en-US" smtClean="0"/>
-              <a:t>12/14/2020</a:t>
+              <a:t>11/29/2021</a:t>
             </a:fld>
             <a:endParaRPr lang="en-US"/>
           </a:p>
@@ -1351,7 +1883,7 @@
           <a:p>
             <a:fld id="{6A4B53A7-3209-46A6-9454-F38EAC8F11E7}" type="datetimeFigureOut">
               <a:rPr lang="en-US" smtClean="0"/>
-              <a:t>12/14/2020</a:t>
+              <a:t>11/29/2021</a:t>
             </a:fld>
             <a:endParaRPr lang="en-US"/>
           </a:p>
@@ -1669,7 +2201,7 @@
           <a:p>
             <a:fld id="{6A4B53A7-3209-46A6-9454-F38EAC8F11E7}" type="datetimeFigureOut">
               <a:rPr lang="en-US" smtClean="0"/>
-              <a:t>12/14/2020</a:t>
+              <a:t>11/29/2021</a:t>
             </a:fld>
             <a:endParaRPr lang="en-US"/>
           </a:p>
@@ -2134,7 +2666,7 @@
           <a:p>
             <a:fld id="{6A4B53A7-3209-46A6-9454-F38EAC8F11E7}" type="datetimeFigureOut">
               <a:rPr lang="en-US" smtClean="0"/>
-              <a:t>12/14/2020</a:t>
+              <a:t>11/29/2021</a:t>
             </a:fld>
             <a:endParaRPr lang="en-US"/>
           </a:p>
@@ -2328,7 +2860,7 @@
           <a:p>
             <a:fld id="{6A4B53A7-3209-46A6-9454-F38EAC8F11E7}" type="datetimeFigureOut">
               <a:rPr lang="en-US" smtClean="0"/>
-              <a:t>12/14/2020</a:t>
+              <a:t>11/29/2021</a:t>
             </a:fld>
             <a:endParaRPr lang="en-US"/>
           </a:p>
@@ -2494,7 +3026,7 @@
           <a:p>
             <a:fld id="{6A4B53A7-3209-46A6-9454-F38EAC8F11E7}" type="datetimeFigureOut">
               <a:rPr lang="en-US" smtClean="0"/>
-              <a:t>12/14/2020</a:t>
+              <a:t>11/29/2021</a:t>
             </a:fld>
             <a:endParaRPr lang="en-US"/>
           </a:p>
@@ -2858,7 +3390,7 @@
           <a:p>
             <a:fld id="{6A4B53A7-3209-46A6-9454-F38EAC8F11E7}" type="datetimeFigureOut">
               <a:rPr lang="en-US" smtClean="0"/>
-              <a:t>12/14/2020</a:t>
+              <a:t>11/29/2021</a:t>
             </a:fld>
             <a:endParaRPr lang="en-US"/>
           </a:p>
@@ -3202,7 +3734,7 @@
           <a:p>
             <a:fld id="{6A4B53A7-3209-46A6-9454-F38EAC8F11E7}" type="datetimeFigureOut">
               <a:rPr lang="en-US" smtClean="0"/>
-              <a:t>12/14/2020</a:t>
+              <a:t>11/29/2021</a:t>
             </a:fld>
             <a:endParaRPr lang="en-US"/>
           </a:p>
@@ -3497,7 +4029,7 @@
             <a:fld id="{6A4B53A7-3209-46A6-9454-F38EAC8F11E7}" type="datetimeFigureOut">
               <a:rPr lang="en-US" smtClean="0"/>
               <a:pPr/>
-              <a:t>12/14/2020</a:t>
+              <a:t>11/29/2021</a:t>
             </a:fld>
             <a:endParaRPr lang="en-US" dirty="0"/>
           </a:p>
@@ -3901,14 +4433,6 @@
 <file path=ppt/slides/slide1.xml><?xml version="1.0" encoding="utf-8"?>
 <p:sld xmlns:a="http://schemas.openxmlformats.org/drawingml/2006/main" xmlns:r="http://schemas.openxmlformats.org/officeDocument/2006/relationships" xmlns:p="http://schemas.openxmlformats.org/presentationml/2006/main">
   <p:cSld>
-    <p:bg>
-      <p:bgPr>
-        <a:solidFill>
-          <a:schemeClr val="bg1"/>
-        </a:solidFill>
-        <a:effectLst/>
-      </p:bgPr>
-    </p:bg>
     <p:spTree>
       <p:nvGrpSpPr>
         <p:cNvPr id="1" name=""/>
@@ -3925,158 +4449,219 @@
       </p:grpSpPr>
       <p:sp>
         <p:nvSpPr>
-          <p:cNvPr id="16" name="Rectangle 15">
-            <a:extLst>
-              <a:ext uri="{FF2B5EF4-FFF2-40B4-BE49-F238E27FC236}">
-                <a16:creationId xmlns:a16="http://schemas.microsoft.com/office/drawing/2014/main" id="{158B3569-73B2-4D05-8E95-886A6EE17F1F}"/>
-              </a:ext>
-              <a:ext uri="{C183D7F6-B498-43B3-948B-1728B52AA6E4}">
-                <adec:decorative xmlns:adec="http://schemas.microsoft.com/office/drawing/2017/decorative" val="1"/>
-              </a:ext>
-            </a:extLst>
-          </p:cNvPr>
-          <p:cNvSpPr>
-            <a:spLocks noGrp="1" noRot="1" noChangeAspect="1" noMove="1" noResize="1" noEditPoints="1" noAdjustHandles="1" noChangeArrowheads="1" noChangeShapeType="1" noTextEdit="1"/>
-          </p:cNvSpPr>
-          <p:nvPr>
-            <p:extLst>
-              <p:ext uri="{386F3935-93C4-4BCD-93E2-E3B085C9AB24}">
-                <p16:designElem xmlns:p16="http://schemas.microsoft.com/office/powerpoint/2015/main" val="1"/>
-              </p:ext>
-            </p:extLst>
-          </p:nvPr>
-        </p:nvSpPr>
-        <p:spPr>
-          <a:xfrm>
-            <a:off x="0" y="0"/>
-            <a:ext cx="12192000" cy="6858000"/>
-          </a:xfrm>
-          <a:prstGeom prst="rect">
-            <a:avLst/>
-          </a:prstGeom>
-          <a:gradFill flip="none" rotWithShape="1">
-            <a:gsLst>
-              <a:gs pos="100000">
-                <a:schemeClr val="accent4"/>
-              </a:gs>
-              <a:gs pos="0">
-                <a:schemeClr val="accent2"/>
-              </a:gs>
-            </a:gsLst>
-            <a:lin ang="2700000" scaled="1"/>
-            <a:tileRect/>
-          </a:gradFill>
-          <a:ln>
-            <a:noFill/>
-          </a:ln>
-        </p:spPr>
-        <p:style>
-          <a:lnRef idx="2">
-            <a:schemeClr val="accent1">
-              <a:shade val="50000"/>
-            </a:schemeClr>
-          </a:lnRef>
-          <a:fillRef idx="1">
-            <a:schemeClr val="accent1"/>
-          </a:fillRef>
-          <a:effectRef idx="0">
-            <a:schemeClr val="accent1"/>
-          </a:effectRef>
-          <a:fontRef idx="minor">
-            <a:schemeClr val="lt1"/>
-          </a:fontRef>
-        </p:style>
-        <p:txBody>
-          <a:bodyPr rtlCol="0" anchor="ctr"/>
-          <a:lstStyle/>
-          <a:p>
-            <a:pPr algn="ctr"/>
+          <p:cNvPr id="2" name="Title 1">
+            <a:extLst>
+              <a:ext uri="{FF2B5EF4-FFF2-40B4-BE49-F238E27FC236}">
+                <a16:creationId xmlns:a16="http://schemas.microsoft.com/office/drawing/2014/main" id="{6D34AA12-6932-4CE3-A038-FB32F3745835}"/>
+              </a:ext>
+            </a:extLst>
+          </p:cNvPr>
+          <p:cNvSpPr>
+            <a:spLocks noGrp="1"/>
+          </p:cNvSpPr>
+          <p:nvPr>
+            <p:ph type="title"/>
+          </p:nvPr>
+        </p:nvSpPr>
+        <p:spPr/>
+        <p:txBody>
+          <a:bodyPr/>
+          <a:lstStyle/>
+          <a:p>
+            <a:r>
+              <a:rPr lang="en-US" dirty="0">
+                <a:cs typeface="Calibri Light"/>
+              </a:rPr>
+              <a:t>React Apps and JWT</a:t>
+            </a:r>
+            <a:endParaRPr lang="en-US" dirty="0"/>
+          </a:p>
+        </p:txBody>
+      </p:sp>
+      <p:sp>
+        <p:nvSpPr>
+          <p:cNvPr id="3" name="Text Placeholder 2">
+            <a:extLst>
+              <a:ext uri="{FF2B5EF4-FFF2-40B4-BE49-F238E27FC236}">
+                <a16:creationId xmlns:a16="http://schemas.microsoft.com/office/drawing/2014/main" id="{16F928F7-7464-4680-9447-DAEDCAE2BB29}"/>
+              </a:ext>
+            </a:extLst>
+          </p:cNvPr>
+          <p:cNvSpPr>
+            <a:spLocks noGrp="1"/>
+          </p:cNvSpPr>
+          <p:nvPr>
+            <p:ph type="body" idx="1"/>
+          </p:nvPr>
+        </p:nvSpPr>
+        <p:spPr/>
+        <p:txBody>
+          <a:bodyPr/>
+          <a:lstStyle/>
+          <a:p>
             <a:endParaRPr lang="en-US"/>
           </a:p>
         </p:txBody>
       </p:sp>
+    </p:spTree>
+    <p:extLst>
+      <p:ext uri="{BB962C8B-B14F-4D97-AF65-F5344CB8AC3E}">
+        <p14:creationId xmlns:p14="http://schemas.microsoft.com/office/powerpoint/2010/main" val="1822919630"/>
+      </p:ext>
+    </p:extLst>
+  </p:cSld>
+  <p:clrMapOvr>
+    <a:masterClrMapping/>
+  </p:clrMapOvr>
+</p:sld>
+</file>
+
+<file path=ppt/slides/slide10.xml><?xml version="1.0" encoding="utf-8"?>
+<p:sld xmlns:a="http://schemas.openxmlformats.org/drawingml/2006/main" xmlns:r="http://schemas.openxmlformats.org/officeDocument/2006/relationships" xmlns:p="http://schemas.openxmlformats.org/presentationml/2006/main">
+  <p:cSld>
+    <p:spTree>
+      <p:nvGrpSpPr>
+        <p:cNvPr id="1" name=""/>
+        <p:cNvGrpSpPr/>
+        <p:nvPr/>
+      </p:nvGrpSpPr>
+      <p:grpSpPr>
+        <a:xfrm>
+          <a:off x="0" y="0"/>
+          <a:ext cx="0" cy="0"/>
+          <a:chOff x="0" y="0"/>
+          <a:chExt cx="0" cy="0"/>
+        </a:xfrm>
+      </p:grpSpPr>
       <p:sp>
         <p:nvSpPr>
           <p:cNvPr id="2" name="Title 1">
             <a:extLst>
               <a:ext uri="{FF2B5EF4-FFF2-40B4-BE49-F238E27FC236}">
-                <a16:creationId xmlns:a16="http://schemas.microsoft.com/office/drawing/2014/main" id="{79EECBE7-2B47-4A84-BB12-6FB9BDBD654F}"/>
-              </a:ext>
-            </a:extLst>
-          </p:cNvPr>
-          <p:cNvSpPr>
-            <a:spLocks noGrp="1"/>
-          </p:cNvSpPr>
-          <p:nvPr>
-            <p:ph type="ctrTitle"/>
-          </p:nvPr>
-        </p:nvSpPr>
-        <p:spPr>
-          <a:xfrm>
-            <a:off x="793159" y="1377146"/>
-            <a:ext cx="4076460" cy="3626217"/>
-          </a:xfrm>
-        </p:spPr>
-        <p:txBody>
-          <a:bodyPr anchor="b"/>
-          <a:lstStyle/>
-          <a:p>
-            <a:pPr algn="r"/>
-            <a:r>
-              <a:rPr lang="en-IE" sz="4000" dirty="0">
-                <a:solidFill>
-                  <a:schemeClr val="bg1"/>
-                </a:solidFill>
-              </a:rPr>
-              <a:t>Integrating React with Web API</a:t>
-            </a:r>
-          </a:p>
-        </p:txBody>
-      </p:sp>
-      <p:sp>
-        <p:nvSpPr>
-          <p:cNvPr id="3" name="Subtitle 2">
-            <a:extLst>
-              <a:ext uri="{FF2B5EF4-FFF2-40B4-BE49-F238E27FC236}">
-                <a16:creationId xmlns:a16="http://schemas.microsoft.com/office/drawing/2014/main" id="{3301C7CD-8A35-428B-8F75-355B49CE471A}"/>
-              </a:ext>
-            </a:extLst>
-          </p:cNvPr>
-          <p:cNvSpPr>
-            <a:spLocks noGrp="1"/>
-          </p:cNvSpPr>
-          <p:nvPr>
-            <p:ph type="subTitle" idx="1"/>
-          </p:nvPr>
-        </p:nvSpPr>
-        <p:spPr>
-          <a:xfrm>
-            <a:off x="793159" y="5170453"/>
-            <a:ext cx="4076458" cy="990197"/>
-          </a:xfrm>
-        </p:spPr>
+                <a16:creationId xmlns:a16="http://schemas.microsoft.com/office/drawing/2014/main" id="{36995E73-C48C-428E-8948-24164961F95F}"/>
+              </a:ext>
+            </a:extLst>
+          </p:cNvPr>
+          <p:cNvSpPr>
+            <a:spLocks noGrp="1"/>
+          </p:cNvSpPr>
+          <p:nvPr>
+            <p:ph type="title"/>
+          </p:nvPr>
+        </p:nvSpPr>
+        <p:spPr/>
         <p:txBody>
           <a:bodyPr/>
           <a:lstStyle/>
           <a:p>
-            <a:pPr algn="r"/>
-            <a:r>
-              <a:rPr lang="en-IE" dirty="0">
-                <a:solidFill>
-                  <a:schemeClr val="bg1"/>
-                </a:solidFill>
-              </a:rPr>
-              <a:t>Tutorial</a:t>
-            </a:r>
+            <a:r>
+              <a:rPr lang="en-IE" dirty="0"/>
+              <a:t>Review API Design</a:t>
+            </a:r>
+          </a:p>
+        </p:txBody>
+      </p:sp>
+      <p:sp>
+        <p:nvSpPr>
+          <p:cNvPr id="3" name="Content Placeholder 2">
+            <a:extLst>
+              <a:ext uri="{FF2B5EF4-FFF2-40B4-BE49-F238E27FC236}">
+                <a16:creationId xmlns:a16="http://schemas.microsoft.com/office/drawing/2014/main" id="{1DA79C82-84E7-4C17-BFE9-D8C0FA065ECC}"/>
+              </a:ext>
+            </a:extLst>
+          </p:cNvPr>
+          <p:cNvSpPr>
+            <a:spLocks noGrp="1"/>
+          </p:cNvSpPr>
+          <p:nvPr>
+            <p:ph idx="1"/>
+          </p:nvPr>
+        </p:nvSpPr>
+        <p:spPr/>
+        <p:txBody>
+          <a:bodyPr>
+            <a:normAutofit lnSpcReduction="10000"/>
+          </a:bodyPr>
+          <a:lstStyle/>
+          <a:p>
+            <a:pPr marL="0" indent="0">
+              <a:buNone/>
+            </a:pPr>
+            <a:r>
+              <a:rPr lang="en-IE" dirty="0"/>
+              <a:t>Fully understand the API</a:t>
+            </a:r>
+          </a:p>
+          <a:p>
+            <a:r>
+              <a:rPr lang="en-IE" dirty="0"/>
+              <a:t>Examine Routes</a:t>
+            </a:r>
+          </a:p>
+          <a:p>
+            <a:r>
+              <a:rPr lang="en-IE" dirty="0"/>
+              <a:t>Examine Request &amp; Response</a:t>
+            </a:r>
+            <a:br>
+              <a:rPr lang="en-IE" dirty="0"/>
+            </a:br>
+            <a:r>
+              <a:rPr lang="en-IE" dirty="0"/>
+              <a:t>Requirements</a:t>
+            </a:r>
+          </a:p>
+          <a:p>
+            <a:pPr lvl="1"/>
+            <a:r>
+              <a:rPr lang="en-IE" dirty="0"/>
+              <a:t>Body (e.g. properties)</a:t>
+            </a:r>
+          </a:p>
+          <a:p>
+            <a:pPr lvl="1"/>
+            <a:r>
+              <a:rPr lang="en-IE" dirty="0"/>
+              <a:t>Format (e.g. json)</a:t>
+            </a:r>
+          </a:p>
+          <a:p>
+            <a:r>
+              <a:rPr lang="en-IE" dirty="0"/>
+              <a:t>Examine Authentication</a:t>
+            </a:r>
+          </a:p>
+          <a:p>
+            <a:pPr lvl="1"/>
+            <a:r>
+              <a:rPr lang="en-IE" dirty="0"/>
+              <a:t>JWT/Sessions</a:t>
+            </a:r>
+          </a:p>
+          <a:p>
+            <a:r>
+              <a:rPr lang="en-IE" b="1" dirty="0"/>
+              <a:t>TEST WITH POSTMAN</a:t>
+            </a:r>
+          </a:p>
+          <a:p>
+            <a:pPr lvl="1"/>
+            <a:r>
+              <a:rPr lang="en-IE" dirty="0"/>
+              <a:t>Even better, write unit tests!</a:t>
+            </a:r>
+          </a:p>
+          <a:p>
+            <a:endParaRPr lang="en-IE" dirty="0"/>
           </a:p>
         </p:txBody>
       </p:sp>
       <p:pic>
         <p:nvPicPr>
-          <p:cNvPr id="4" name="Picture 3">
-            <a:extLst>
-              <a:ext uri="{FF2B5EF4-FFF2-40B4-BE49-F238E27FC236}">
-                <a16:creationId xmlns:a16="http://schemas.microsoft.com/office/drawing/2014/main" id="{D90F11A6-7CC7-4344-8465-3DC4EFA209B4}"/>
+          <p:cNvPr id="5" name="Picture 4">
+            <a:extLst>
+              <a:ext uri="{FF2B5EF4-FFF2-40B4-BE49-F238E27FC236}">
+                <a16:creationId xmlns:a16="http://schemas.microsoft.com/office/drawing/2014/main" id="{78B16BFC-20C4-4B66-A5EE-A048F6E7522D}"/>
               </a:ext>
             </a:extLst>
           </p:cNvPr>
@@ -4085,405 +4670,455 @@
           </p:cNvPicPr>
           <p:nvPr/>
         </p:nvPicPr>
-        <p:blipFill rotWithShape="1">
-          <a:blip r:embed="rId2">
-            <a:duotone>
-              <a:schemeClr val="accent2">
-                <a:shade val="45000"/>
-                <a:satMod val="135000"/>
-              </a:schemeClr>
-              <a:prstClr val="white"/>
-            </a:duotone>
-            <a:alphaModFix amt="51000"/>
-          </a:blip>
-          <a:srcRect l="26345"/>
-          <a:stretch/>
+        <p:blipFill>
+          <a:blip r:embed="rId2"/>
+          <a:stretch>
+            <a:fillRect/>
+          </a:stretch>
         </p:blipFill>
         <p:spPr>
           <a:xfrm>
-            <a:off x="5457027" y="10"/>
-            <a:ext cx="6734973" cy="6857990"/>
+            <a:off x="6438900" y="729343"/>
+            <a:ext cx="4914900" cy="1219200"/>
           </a:xfrm>
           <a:prstGeom prst="rect">
             <a:avLst/>
           </a:prstGeom>
         </p:spPr>
       </p:pic>
-      <p:sp>
-        <p:nvSpPr>
-          <p:cNvPr id="18" name="Graphic 17">
-            <a:extLst>
-              <a:ext uri="{FF2B5EF4-FFF2-40B4-BE49-F238E27FC236}">
-                <a16:creationId xmlns:a16="http://schemas.microsoft.com/office/drawing/2014/main" id="{B71758F4-3F46-45DA-8AC5-4E508DA080BA}"/>
-              </a:ext>
-              <a:ext uri="{C183D7F6-B498-43B3-948B-1728B52AA6E4}">
-                <adec:decorative xmlns:adec="http://schemas.microsoft.com/office/drawing/2017/decorative" val="1"/>
-              </a:ext>
-            </a:extLst>
-          </p:cNvPr>
-          <p:cNvSpPr>
-            <a:spLocks noGrp="1" noRot="1" noChangeAspect="1" noMove="1" noResize="1" noEditPoints="1" noAdjustHandles="1" noChangeArrowheads="1" noChangeShapeType="1" noTextEdit="1"/>
-          </p:cNvSpPr>
-          <p:nvPr>
-            <p:extLst>
-              <p:ext uri="{386F3935-93C4-4BCD-93E2-E3B085C9AB24}">
-                <p16:designElem xmlns:p16="http://schemas.microsoft.com/office/powerpoint/2015/main" val="1"/>
-              </p:ext>
-            </p:extLst>
-          </p:nvPr>
-        </p:nvSpPr>
+      <p:pic>
+        <p:nvPicPr>
+          <p:cNvPr id="7" name="Picture 6">
+            <a:extLst>
+              <a:ext uri="{FF2B5EF4-FFF2-40B4-BE49-F238E27FC236}">
+                <a16:creationId xmlns:a16="http://schemas.microsoft.com/office/drawing/2014/main" id="{3B66AABF-3DEC-4A0F-A538-7BFC196CEA93}"/>
+              </a:ext>
+            </a:extLst>
+          </p:cNvPr>
+          <p:cNvPicPr>
+            <a:picLocks noChangeAspect="1"/>
+          </p:cNvPicPr>
+          <p:nvPr/>
+        </p:nvPicPr>
+        <p:blipFill>
+          <a:blip r:embed="rId3"/>
+          <a:stretch>
+            <a:fillRect/>
+          </a:stretch>
+        </p:blipFill>
         <p:spPr>
           <a:xfrm>
-            <a:off x="10957736" y="815001"/>
-            <a:ext cx="139039" cy="139039"/>
+            <a:off x="6438900" y="1948543"/>
+            <a:ext cx="4676775" cy="2286000"/>
           </a:xfrm>
-          <a:custGeom>
+          <a:prstGeom prst="rect">
             <a:avLst/>
-            <a:gdLst>
-              <a:gd name="connsiteX0" fmla="*/ 129602 w 139039"/>
-              <a:gd name="connsiteY0" fmla="*/ 60082 h 139039"/>
-              <a:gd name="connsiteX1" fmla="*/ 78957 w 139039"/>
-              <a:gd name="connsiteY1" fmla="*/ 60082 h 139039"/>
-              <a:gd name="connsiteX2" fmla="*/ 78957 w 139039"/>
-              <a:gd name="connsiteY2" fmla="*/ 9437 h 139039"/>
-              <a:gd name="connsiteX3" fmla="*/ 69520 w 139039"/>
-              <a:gd name="connsiteY3" fmla="*/ 0 h 139039"/>
-              <a:gd name="connsiteX4" fmla="*/ 60082 w 139039"/>
-              <a:gd name="connsiteY4" fmla="*/ 9437 h 139039"/>
-              <a:gd name="connsiteX5" fmla="*/ 60082 w 139039"/>
-              <a:gd name="connsiteY5" fmla="*/ 60082 h 139039"/>
-              <a:gd name="connsiteX6" fmla="*/ 9437 w 139039"/>
-              <a:gd name="connsiteY6" fmla="*/ 60082 h 139039"/>
-              <a:gd name="connsiteX7" fmla="*/ 0 w 139039"/>
-              <a:gd name="connsiteY7" fmla="*/ 69520 h 139039"/>
-              <a:gd name="connsiteX8" fmla="*/ 9437 w 139039"/>
-              <a:gd name="connsiteY8" fmla="*/ 78957 h 139039"/>
-              <a:gd name="connsiteX9" fmla="*/ 60082 w 139039"/>
-              <a:gd name="connsiteY9" fmla="*/ 78957 h 139039"/>
-              <a:gd name="connsiteX10" fmla="*/ 60082 w 139039"/>
-              <a:gd name="connsiteY10" fmla="*/ 129602 h 139039"/>
-              <a:gd name="connsiteX11" fmla="*/ 69520 w 139039"/>
-              <a:gd name="connsiteY11" fmla="*/ 139039 h 139039"/>
-              <a:gd name="connsiteX12" fmla="*/ 78957 w 139039"/>
-              <a:gd name="connsiteY12" fmla="*/ 129602 h 139039"/>
-              <a:gd name="connsiteX13" fmla="*/ 78957 w 139039"/>
-              <a:gd name="connsiteY13" fmla="*/ 78957 h 139039"/>
-              <a:gd name="connsiteX14" fmla="*/ 129602 w 139039"/>
-              <a:gd name="connsiteY14" fmla="*/ 78957 h 139039"/>
-              <a:gd name="connsiteX15" fmla="*/ 139039 w 139039"/>
-              <a:gd name="connsiteY15" fmla="*/ 69520 h 139039"/>
-              <a:gd name="connsiteX16" fmla="*/ 129602 w 139039"/>
-              <a:gd name="connsiteY16" fmla="*/ 60082 h 139039"/>
-            </a:gdLst>
-            <a:ahLst/>
-            <a:cxnLst>
-              <a:cxn ang="0">
-                <a:pos x="connsiteX0" y="connsiteY0"/>
-              </a:cxn>
-              <a:cxn ang="0">
-                <a:pos x="connsiteX1" y="connsiteY1"/>
-              </a:cxn>
-              <a:cxn ang="0">
-                <a:pos x="connsiteX2" y="connsiteY2"/>
-              </a:cxn>
-              <a:cxn ang="0">
-                <a:pos x="connsiteX3" y="connsiteY3"/>
-              </a:cxn>
-              <a:cxn ang="0">
-                <a:pos x="connsiteX4" y="connsiteY4"/>
-              </a:cxn>
-              <a:cxn ang="0">
-                <a:pos x="connsiteX5" y="connsiteY5"/>
-              </a:cxn>
-              <a:cxn ang="0">
-                <a:pos x="connsiteX6" y="connsiteY6"/>
-              </a:cxn>
-              <a:cxn ang="0">
-                <a:pos x="connsiteX7" y="connsiteY7"/>
-              </a:cxn>
-              <a:cxn ang="0">
-                <a:pos x="connsiteX8" y="connsiteY8"/>
-              </a:cxn>
-              <a:cxn ang="0">
-                <a:pos x="connsiteX9" y="connsiteY9"/>
-              </a:cxn>
-              <a:cxn ang="0">
-                <a:pos x="connsiteX10" y="connsiteY10"/>
-              </a:cxn>
-              <a:cxn ang="0">
-                <a:pos x="connsiteX11" y="connsiteY11"/>
-              </a:cxn>
-              <a:cxn ang="0">
-                <a:pos x="connsiteX12" y="connsiteY12"/>
-              </a:cxn>
-              <a:cxn ang="0">
-                <a:pos x="connsiteX13" y="connsiteY13"/>
-              </a:cxn>
-              <a:cxn ang="0">
-                <a:pos x="connsiteX14" y="connsiteY14"/>
-              </a:cxn>
-              <a:cxn ang="0">
-                <a:pos x="connsiteX15" y="connsiteY15"/>
-              </a:cxn>
-              <a:cxn ang="0">
-                <a:pos x="connsiteX16" y="connsiteY16"/>
-              </a:cxn>
-            </a:cxnLst>
-            <a:rect l="l" t="t" r="r" b="b"/>
-            <a:pathLst>
-              <a:path w="139039" h="139039">
-                <a:moveTo>
-                  <a:pt x="129602" y="60082"/>
-                </a:moveTo>
-                <a:lnTo>
-                  <a:pt x="78957" y="60082"/>
-                </a:lnTo>
-                <a:lnTo>
-                  <a:pt x="78957" y="9437"/>
-                </a:lnTo>
-                <a:cubicBezTo>
-                  <a:pt x="78957" y="4225"/>
-                  <a:pt x="74731" y="0"/>
-                  <a:pt x="69520" y="0"/>
-                </a:cubicBezTo>
-                <a:cubicBezTo>
-                  <a:pt x="64308" y="0"/>
-                  <a:pt x="60082" y="4225"/>
-                  <a:pt x="60082" y="9437"/>
-                </a:cubicBezTo>
-                <a:lnTo>
-                  <a:pt x="60082" y="60082"/>
-                </a:lnTo>
-                <a:lnTo>
-                  <a:pt x="9437" y="60082"/>
-                </a:lnTo>
-                <a:cubicBezTo>
-                  <a:pt x="4225" y="60082"/>
-                  <a:pt x="0" y="64308"/>
-                  <a:pt x="0" y="69520"/>
-                </a:cubicBezTo>
-                <a:cubicBezTo>
-                  <a:pt x="0" y="74731"/>
-                  <a:pt x="4225" y="78957"/>
-                  <a:pt x="9437" y="78957"/>
-                </a:cubicBezTo>
-                <a:lnTo>
-                  <a:pt x="60082" y="78957"/>
-                </a:lnTo>
-                <a:lnTo>
-                  <a:pt x="60082" y="129602"/>
-                </a:lnTo>
-                <a:cubicBezTo>
-                  <a:pt x="60082" y="134814"/>
-                  <a:pt x="64308" y="139039"/>
-                  <a:pt x="69520" y="139039"/>
-                </a:cubicBezTo>
-                <a:cubicBezTo>
-                  <a:pt x="74731" y="139039"/>
-                  <a:pt x="78957" y="134814"/>
-                  <a:pt x="78957" y="129602"/>
-                </a:cubicBezTo>
-                <a:lnTo>
-                  <a:pt x="78957" y="78957"/>
-                </a:lnTo>
-                <a:lnTo>
-                  <a:pt x="129602" y="78957"/>
-                </a:lnTo>
-                <a:cubicBezTo>
-                  <a:pt x="134814" y="78957"/>
-                  <a:pt x="139039" y="74731"/>
-                  <a:pt x="139039" y="69520"/>
-                </a:cubicBezTo>
-                <a:cubicBezTo>
-                  <a:pt x="139039" y="64308"/>
-                  <a:pt x="134814" y="60082"/>
-                  <a:pt x="129602" y="60082"/>
-                </a:cubicBezTo>
-                <a:close/>
-              </a:path>
-            </a:pathLst>
-          </a:custGeom>
-          <a:solidFill>
-            <a:schemeClr val="bg1"/>
-          </a:solidFill>
-          <a:ln w="603" cap="flat">
-            <a:noFill/>
-            <a:prstDash val="solid"/>
-            <a:miter/>
-          </a:ln>
+          </a:prstGeom>
         </p:spPr>
-        <p:txBody>
-          <a:bodyPr rtlCol="0" anchor="ctr"/>
-          <a:lstStyle/>
-          <a:p>
-            <a:endParaRPr lang="en-US"/>
-          </a:p>
-        </p:txBody>
-      </p:sp>
-      <p:sp>
-        <p:nvSpPr>
-          <p:cNvPr id="20" name="Graphic 15">
-            <a:extLst>
-              <a:ext uri="{FF2B5EF4-FFF2-40B4-BE49-F238E27FC236}">
-                <a16:creationId xmlns:a16="http://schemas.microsoft.com/office/drawing/2014/main" id="{8550FED7-7C32-42BB-98DB-30272A6331A9}"/>
-              </a:ext>
-              <a:ext uri="{C183D7F6-B498-43B3-948B-1728B52AA6E4}">
-                <adec:decorative xmlns:adec="http://schemas.microsoft.com/office/drawing/2017/decorative" val="1"/>
-              </a:ext>
-            </a:extLst>
-          </p:cNvPr>
-          <p:cNvSpPr>
-            <a:spLocks noGrp="1" noRot="1" noChangeAspect="1" noMove="1" noResize="1" noEditPoints="1" noAdjustHandles="1" noChangeArrowheads="1" noChangeShapeType="1" noTextEdit="1"/>
-          </p:cNvSpPr>
-          <p:nvPr>
-            <p:extLst>
-              <p:ext uri="{386F3935-93C4-4BCD-93E2-E3B085C9AB24}">
-                <p16:designElem xmlns:p16="http://schemas.microsoft.com/office/powerpoint/2015/main" val="1"/>
-              </p:ext>
-            </p:extLst>
-          </p:nvPr>
-        </p:nvSpPr>
+      </p:pic>
+      <p:pic>
+        <p:nvPicPr>
+          <p:cNvPr id="9" name="Picture 8">
+            <a:extLst>
+              <a:ext uri="{FF2B5EF4-FFF2-40B4-BE49-F238E27FC236}">
+                <a16:creationId xmlns:a16="http://schemas.microsoft.com/office/drawing/2014/main" id="{1CAFAF0F-D968-4599-81DD-057FB8C78B91}"/>
+              </a:ext>
+            </a:extLst>
+          </p:cNvPr>
+          <p:cNvPicPr>
+            <a:picLocks noChangeAspect="1"/>
+          </p:cNvPicPr>
+          <p:nvPr/>
+        </p:nvPicPr>
+        <p:blipFill>
+          <a:blip r:embed="rId4"/>
+          <a:stretch>
+            <a:fillRect/>
+          </a:stretch>
+        </p:blipFill>
         <p:spPr>
           <a:xfrm>
-            <a:off x="11316516" y="1044297"/>
-            <a:ext cx="91138" cy="91138"/>
+            <a:off x="6742119" y="4357461"/>
+            <a:ext cx="3385034" cy="2177400"/>
           </a:xfrm>
-          <a:custGeom>
-            <a:avLst/>
-            <a:gdLst>
-              <a:gd name="connsiteX0" fmla="*/ 91138 w 91138"/>
-              <a:gd name="connsiteY0" fmla="*/ 45569 h 91138"/>
-              <a:gd name="connsiteX1" fmla="*/ 45569 w 91138"/>
-              <a:gd name="connsiteY1" fmla="*/ 91138 h 91138"/>
-              <a:gd name="connsiteX2" fmla="*/ 0 w 91138"/>
-              <a:gd name="connsiteY2" fmla="*/ 45569 h 91138"/>
-              <a:gd name="connsiteX3" fmla="*/ 45569 w 91138"/>
-              <a:gd name="connsiteY3" fmla="*/ 0 h 91138"/>
-              <a:gd name="connsiteX4" fmla="*/ 91138 w 91138"/>
-              <a:gd name="connsiteY4" fmla="*/ 45569 h 91138"/>
-            </a:gdLst>
-            <a:ahLst/>
-            <a:cxnLst>
-              <a:cxn ang="0">
-                <a:pos x="connsiteX0" y="connsiteY0"/>
-              </a:cxn>
-              <a:cxn ang="0">
-                <a:pos x="connsiteX1" y="connsiteY1"/>
-              </a:cxn>
-              <a:cxn ang="0">
-                <a:pos x="connsiteX2" y="connsiteY2"/>
-              </a:cxn>
-              <a:cxn ang="0">
-                <a:pos x="connsiteX3" y="connsiteY3"/>
-              </a:cxn>
-              <a:cxn ang="0">
-                <a:pos x="connsiteX4" y="connsiteY4"/>
-              </a:cxn>
-            </a:cxnLst>
-            <a:rect l="l" t="t" r="r" b="b"/>
-            <a:pathLst>
-              <a:path w="91138" h="91138">
-                <a:moveTo>
-                  <a:pt x="91138" y="45569"/>
-                </a:moveTo>
-                <a:cubicBezTo>
-                  <a:pt x="91138" y="70736"/>
-                  <a:pt x="70736" y="91138"/>
-                  <a:pt x="45569" y="91138"/>
-                </a:cubicBezTo>
-                <a:cubicBezTo>
-                  <a:pt x="20402" y="91138"/>
-                  <a:pt x="0" y="70736"/>
-                  <a:pt x="0" y="45569"/>
-                </a:cubicBezTo>
-                <a:cubicBezTo>
-                  <a:pt x="0" y="20402"/>
-                  <a:pt x="20402" y="0"/>
-                  <a:pt x="45569" y="0"/>
-                </a:cubicBezTo>
-                <a:cubicBezTo>
-                  <a:pt x="70736" y="0"/>
-                  <a:pt x="91138" y="20402"/>
-                  <a:pt x="91138" y="45569"/>
-                </a:cubicBezTo>
-                <a:close/>
-              </a:path>
-            </a:pathLst>
-          </a:custGeom>
-          <a:solidFill>
-            <a:schemeClr val="bg1"/>
-          </a:solidFill>
-          <a:ln w="422" cap="flat">
-            <a:noFill/>
-            <a:prstDash val="solid"/>
-            <a:miter/>
-          </a:ln>
-        </p:spPr>
-        <p:txBody>
-          <a:bodyPr rtlCol="0" anchor="ctr"/>
-          <a:lstStyle/>
-          <a:p>
-            <a:endParaRPr lang="en-US"/>
-          </a:p>
-        </p:txBody>
-      </p:sp>
-      <p:cxnSp>
-        <p:nvCxnSpPr>
-          <p:cNvPr id="22" name="Straight Connector 21">
-            <a:extLst>
-              <a:ext uri="{FF2B5EF4-FFF2-40B4-BE49-F238E27FC236}">
-                <a16:creationId xmlns:a16="http://schemas.microsoft.com/office/drawing/2014/main" id="{56020367-4FD5-4596-8E10-C5F095CD8DBF}"/>
-              </a:ext>
-              <a:ext uri="{C183D7F6-B498-43B3-948B-1728B52AA6E4}">
-                <adec:decorative xmlns:adec="http://schemas.microsoft.com/office/drawing/2017/decorative" val="1"/>
-              </a:ext>
-            </a:extLst>
-          </p:cNvPr>
-          <p:cNvCxnSpPr>
-            <a:cxnSpLocks noGrp="1" noRot="1" noChangeAspect="1" noMove="1" noResize="1" noEditPoints="1" noAdjustHandles="1" noChangeArrowheads="1" noChangeShapeType="1"/>
-          </p:cNvCxnSpPr>
-          <p:nvPr>
-            <p:extLst>
-              <p:ext uri="{386F3935-93C4-4BCD-93E2-E3B085C9AB24}">
-                <p16:designElem xmlns:p16="http://schemas.microsoft.com/office/powerpoint/2015/main" val="1"/>
-              </p:ext>
-            </p:extLst>
-          </p:nvPr>
-        </p:nvCxnSpPr>
-        <p:spPr>
-          <a:xfrm flipH="1">
-            <a:off x="838200" y="6274341"/>
-            <a:ext cx="11353800" cy="0"/>
-          </a:xfrm>
-          <a:prstGeom prst="line">
+          <a:prstGeom prst="rect">
             <a:avLst/>
           </a:prstGeom>
-          <a:ln w="25400" cap="sq">
-            <a:solidFill>
-              <a:schemeClr val="bg1"/>
-            </a:solidFill>
-            <a:bevel/>
-          </a:ln>
         </p:spPr>
-        <p:style>
-          <a:lnRef idx="1">
-            <a:schemeClr val="accent1"/>
-          </a:lnRef>
-          <a:fillRef idx="0">
-            <a:schemeClr val="accent1"/>
-          </a:fillRef>
-          <a:effectRef idx="0">
-            <a:schemeClr val="accent1"/>
-          </a:effectRef>
-          <a:fontRef idx="minor">
-            <a:schemeClr val="tx1"/>
-          </a:fontRef>
-        </p:style>
-      </p:cxnSp>
+      </p:pic>
     </p:spTree>
     <p:extLst>
       <p:ext uri="{BB962C8B-B14F-4D97-AF65-F5344CB8AC3E}">
-        <p14:creationId xmlns:p14="http://schemas.microsoft.com/office/powerpoint/2010/main" val="234765559"/>
+        <p14:creationId xmlns:p14="http://schemas.microsoft.com/office/powerpoint/2010/main" val="2565491903"/>
+      </p:ext>
+    </p:extLst>
+  </p:cSld>
+  <p:clrMapOvr>
+    <a:masterClrMapping/>
+  </p:clrMapOvr>
+</p:sld>
+</file>
+
+<file path=ppt/slides/slide11.xml><?xml version="1.0" encoding="utf-8"?>
+<p:sld xmlns:a="http://schemas.openxmlformats.org/drawingml/2006/main" xmlns:r="http://schemas.openxmlformats.org/officeDocument/2006/relationships" xmlns:p="http://schemas.openxmlformats.org/presentationml/2006/main">
+  <p:cSld>
+    <p:spTree>
+      <p:nvGrpSpPr>
+        <p:cNvPr id="1" name=""/>
+        <p:cNvGrpSpPr/>
+        <p:nvPr/>
+      </p:nvGrpSpPr>
+      <p:grpSpPr>
+        <a:xfrm>
+          <a:off x="0" y="0"/>
+          <a:ext cx="0" cy="0"/>
+          <a:chOff x="0" y="0"/>
+          <a:chExt cx="0" cy="0"/>
+        </a:xfrm>
+      </p:grpSpPr>
+      <p:sp>
+        <p:nvSpPr>
+          <p:cNvPr id="2" name="Title 1">
+            <a:extLst>
+              <a:ext uri="{FF2B5EF4-FFF2-40B4-BE49-F238E27FC236}">
+                <a16:creationId xmlns:a16="http://schemas.microsoft.com/office/drawing/2014/main" id="{B1ADD1F1-DA33-4987-A608-616F16BEDEF6}"/>
+              </a:ext>
+            </a:extLst>
+          </p:cNvPr>
+          <p:cNvSpPr>
+            <a:spLocks noGrp="1"/>
+          </p:cNvSpPr>
+          <p:nvPr>
+            <p:ph type="title"/>
+          </p:nvPr>
+        </p:nvSpPr>
+        <p:spPr/>
+        <p:txBody>
+          <a:bodyPr/>
+          <a:lstStyle/>
+          <a:p>
+            <a:r>
+              <a:rPr lang="en-IE" dirty="0"/>
+              <a:t>Design React App</a:t>
+            </a:r>
+          </a:p>
+        </p:txBody>
+      </p:sp>
+      <p:sp>
+        <p:nvSpPr>
+          <p:cNvPr id="3" name="Content Placeholder 2">
+            <a:extLst>
+              <a:ext uri="{FF2B5EF4-FFF2-40B4-BE49-F238E27FC236}">
+                <a16:creationId xmlns:a16="http://schemas.microsoft.com/office/drawing/2014/main" id="{698689C2-E3AE-48CE-A8C0-016EAE535682}"/>
+              </a:ext>
+            </a:extLst>
+          </p:cNvPr>
+          <p:cNvSpPr>
+            <a:spLocks noGrp="1"/>
+          </p:cNvSpPr>
+          <p:nvPr>
+            <p:ph idx="1"/>
+          </p:nvPr>
+        </p:nvSpPr>
+        <p:spPr/>
+        <p:txBody>
+          <a:bodyPr/>
+          <a:lstStyle/>
+          <a:p>
+            <a:r>
+              <a:rPr lang="en-IE" dirty="0"/>
+              <a:t>This can be your Movies App from assignment 1</a:t>
+            </a:r>
+          </a:p>
+          <a:p>
+            <a:r>
+              <a:rPr lang="en-IE" dirty="0"/>
+              <a:t>Use stub API/TMDB up to now</a:t>
+            </a:r>
+          </a:p>
+          <a:p>
+            <a:r>
+              <a:rPr lang="en-IE" dirty="0"/>
+              <a:t>Can update to include authentication(login/register) pages and routes</a:t>
+            </a:r>
+          </a:p>
+        </p:txBody>
+      </p:sp>
+      <p:pic>
+        <p:nvPicPr>
+          <p:cNvPr id="5" name="Picture 4">
+            <a:extLst>
+              <a:ext uri="{FF2B5EF4-FFF2-40B4-BE49-F238E27FC236}">
+                <a16:creationId xmlns:a16="http://schemas.microsoft.com/office/drawing/2014/main" id="{AAFDAA89-11A1-4723-A31C-F2BC8DE98DC6}"/>
+              </a:ext>
+            </a:extLst>
+          </p:cNvPr>
+          <p:cNvPicPr>
+            <a:picLocks noChangeAspect="1"/>
+          </p:cNvPicPr>
+          <p:nvPr/>
+        </p:nvPicPr>
+        <p:blipFill>
+          <a:blip r:embed="rId2"/>
+          <a:stretch>
+            <a:fillRect/>
+          </a:stretch>
+        </p:blipFill>
+        <p:spPr>
+          <a:xfrm>
+            <a:off x="3221337" y="3779898"/>
+            <a:ext cx="6048375" cy="2381250"/>
+          </a:xfrm>
+          <a:prstGeom prst="rect">
+            <a:avLst/>
+          </a:prstGeom>
+        </p:spPr>
+      </p:pic>
+    </p:spTree>
+    <p:extLst>
+      <p:ext uri="{BB962C8B-B14F-4D97-AF65-F5344CB8AC3E}">
+        <p14:creationId xmlns:p14="http://schemas.microsoft.com/office/powerpoint/2010/main" val="1348972553"/>
+      </p:ext>
+    </p:extLst>
+  </p:cSld>
+  <p:clrMapOvr>
+    <a:masterClrMapping/>
+  </p:clrMapOvr>
+</p:sld>
+</file>
+
+<file path=ppt/slides/slide12.xml><?xml version="1.0" encoding="utf-8"?>
+<p:sld xmlns:a="http://schemas.openxmlformats.org/drawingml/2006/main" xmlns:r="http://schemas.openxmlformats.org/officeDocument/2006/relationships" xmlns:p="http://schemas.openxmlformats.org/presentationml/2006/main">
+  <p:cSld>
+    <p:spTree>
+      <p:nvGrpSpPr>
+        <p:cNvPr id="1" name=""/>
+        <p:cNvGrpSpPr/>
+        <p:nvPr/>
+      </p:nvGrpSpPr>
+      <p:grpSpPr>
+        <a:xfrm>
+          <a:off x="0" y="0"/>
+          <a:ext cx="0" cy="0"/>
+          <a:chOff x="0" y="0"/>
+          <a:chExt cx="0" cy="0"/>
+        </a:xfrm>
+      </p:grpSpPr>
+      <p:sp>
+        <p:nvSpPr>
+          <p:cNvPr id="2" name="Title 1">
+            <a:extLst>
+              <a:ext uri="{FF2B5EF4-FFF2-40B4-BE49-F238E27FC236}">
+                <a16:creationId xmlns:a16="http://schemas.microsoft.com/office/drawing/2014/main" id="{99942584-8BF9-4C8E-A0CC-BC0935D0663B}"/>
+              </a:ext>
+            </a:extLst>
+          </p:cNvPr>
+          <p:cNvSpPr>
+            <a:spLocks noGrp="1"/>
+          </p:cNvSpPr>
+          <p:nvPr>
+            <p:ph type="title"/>
+          </p:nvPr>
+        </p:nvSpPr>
+        <p:spPr/>
+        <p:txBody>
+          <a:bodyPr/>
+          <a:lstStyle/>
+          <a:p>
+            <a:r>
+              <a:rPr lang="en-IE" dirty="0"/>
+              <a:t>Write/Update API Module</a:t>
+            </a:r>
+          </a:p>
+        </p:txBody>
+      </p:sp>
+      <p:sp>
+        <p:nvSpPr>
+          <p:cNvPr id="3" name="Content Placeholder 2">
+            <a:extLst>
+              <a:ext uri="{FF2B5EF4-FFF2-40B4-BE49-F238E27FC236}">
+                <a16:creationId xmlns:a16="http://schemas.microsoft.com/office/drawing/2014/main" id="{144F4D29-61EF-415C-8D58-7270ACAF1DF3}"/>
+              </a:ext>
+            </a:extLst>
+          </p:cNvPr>
+          <p:cNvSpPr>
+            <a:spLocks noGrp="1"/>
+          </p:cNvSpPr>
+          <p:nvPr>
+            <p:ph idx="1"/>
+          </p:nvPr>
+        </p:nvSpPr>
+        <p:spPr/>
+        <p:txBody>
+          <a:bodyPr/>
+          <a:lstStyle/>
+          <a:p>
+            <a:r>
+              <a:rPr lang="en-IE" dirty="0"/>
+              <a:t>Abstract API calls to exported functions.</a:t>
+            </a:r>
+          </a:p>
+          <a:p>
+            <a:pPr marL="0" indent="0">
+              <a:buNone/>
+            </a:pPr>
+            <a:r>
+              <a:rPr lang="en-IE" dirty="0"/>
+              <a:t> </a:t>
+            </a:r>
+          </a:p>
+        </p:txBody>
+      </p:sp>
+      <p:pic>
+        <p:nvPicPr>
+          <p:cNvPr id="5" name="Picture 4">
+            <a:extLst>
+              <a:ext uri="{FF2B5EF4-FFF2-40B4-BE49-F238E27FC236}">
+                <a16:creationId xmlns:a16="http://schemas.microsoft.com/office/drawing/2014/main" id="{309718EB-FDCF-4AA1-B28A-800F6EBD98C3}"/>
+              </a:ext>
+            </a:extLst>
+          </p:cNvPr>
+          <p:cNvPicPr>
+            <a:picLocks noChangeAspect="1"/>
+          </p:cNvPicPr>
+          <p:nvPr/>
+        </p:nvPicPr>
+        <p:blipFill>
+          <a:blip r:embed="rId2"/>
+          <a:stretch>
+            <a:fillRect/>
+          </a:stretch>
+        </p:blipFill>
+        <p:spPr>
+          <a:xfrm>
+            <a:off x="2199021" y="2495156"/>
+            <a:ext cx="5685710" cy="3816744"/>
+          </a:xfrm>
+          <a:prstGeom prst="rect">
+            <a:avLst/>
+          </a:prstGeom>
+        </p:spPr>
+      </p:pic>
+    </p:spTree>
+    <p:extLst>
+      <p:ext uri="{BB962C8B-B14F-4D97-AF65-F5344CB8AC3E}">
+        <p14:creationId xmlns:p14="http://schemas.microsoft.com/office/powerpoint/2010/main" val="758656100"/>
+      </p:ext>
+    </p:extLst>
+  </p:cSld>
+  <p:clrMapOvr>
+    <a:masterClrMapping/>
+  </p:clrMapOvr>
+</p:sld>
+</file>
+
+<file path=ppt/slides/slide13.xml><?xml version="1.0" encoding="utf-8"?>
+<p:sld xmlns:a="http://schemas.openxmlformats.org/drawingml/2006/main" xmlns:r="http://schemas.openxmlformats.org/officeDocument/2006/relationships" xmlns:p="http://schemas.openxmlformats.org/presentationml/2006/main">
+  <p:cSld>
+    <p:spTree>
+      <p:nvGrpSpPr>
+        <p:cNvPr id="1" name=""/>
+        <p:cNvGrpSpPr/>
+        <p:nvPr/>
+      </p:nvGrpSpPr>
+      <p:grpSpPr>
+        <a:xfrm>
+          <a:off x="0" y="0"/>
+          <a:ext cx="0" cy="0"/>
+          <a:chOff x="0" y="0"/>
+          <a:chExt cx="0" cy="0"/>
+        </a:xfrm>
+      </p:grpSpPr>
+      <p:sp>
+        <p:nvSpPr>
+          <p:cNvPr id="2" name="Title 1">
+            <a:extLst>
+              <a:ext uri="{FF2B5EF4-FFF2-40B4-BE49-F238E27FC236}">
+                <a16:creationId xmlns:a16="http://schemas.microsoft.com/office/drawing/2014/main" id="{4C628302-DA4A-4ED6-9820-5E77240A2098}"/>
+              </a:ext>
+            </a:extLst>
+          </p:cNvPr>
+          <p:cNvSpPr>
+            <a:spLocks noGrp="1"/>
+          </p:cNvSpPr>
+          <p:nvPr>
+            <p:ph type="title"/>
+          </p:nvPr>
+        </p:nvSpPr>
+        <p:spPr/>
+        <p:txBody>
+          <a:bodyPr/>
+          <a:lstStyle/>
+          <a:p>
+            <a:r>
+              <a:rPr lang="en-IE" dirty="0"/>
+              <a:t>Update pages to use Contexts</a:t>
+            </a:r>
+          </a:p>
+        </p:txBody>
+      </p:sp>
+      <p:sp>
+        <p:nvSpPr>
+          <p:cNvPr id="3" name="Content Placeholder 2">
+            <a:extLst>
+              <a:ext uri="{FF2B5EF4-FFF2-40B4-BE49-F238E27FC236}">
+                <a16:creationId xmlns:a16="http://schemas.microsoft.com/office/drawing/2014/main" id="{B62C73BB-3294-4D06-A1C1-78D2213271B8}"/>
+              </a:ext>
+            </a:extLst>
+          </p:cNvPr>
+          <p:cNvSpPr>
+            <a:spLocks noGrp="1"/>
+          </p:cNvSpPr>
+          <p:nvPr>
+            <p:ph idx="1"/>
+          </p:nvPr>
+        </p:nvSpPr>
+        <p:spPr/>
+        <p:txBody>
+          <a:bodyPr/>
+          <a:lstStyle/>
+          <a:p>
+            <a:r>
+              <a:rPr lang="en-IE" dirty="0"/>
+              <a:t>Login Page:</a:t>
+            </a:r>
+          </a:p>
+        </p:txBody>
+      </p:sp>
+      <p:pic>
+        <p:nvPicPr>
+          <p:cNvPr id="7" name="Picture 6">
+            <a:extLst>
+              <a:ext uri="{FF2B5EF4-FFF2-40B4-BE49-F238E27FC236}">
+                <a16:creationId xmlns:a16="http://schemas.microsoft.com/office/drawing/2014/main" id="{8AFD8F00-BEED-47FF-9F6D-0A0F4A57D4CC}"/>
+              </a:ext>
+            </a:extLst>
+          </p:cNvPr>
+          <p:cNvPicPr>
+            <a:picLocks noChangeAspect="1"/>
+          </p:cNvPicPr>
+          <p:nvPr/>
+        </p:nvPicPr>
+        <p:blipFill>
+          <a:blip r:embed="rId2"/>
+          <a:stretch>
+            <a:fillRect/>
+          </a:stretch>
+        </p:blipFill>
+        <p:spPr>
+          <a:xfrm>
+            <a:off x="1018136" y="2491581"/>
+            <a:ext cx="7387112" cy="3469207"/>
+          </a:xfrm>
+          <a:prstGeom prst="rect">
+            <a:avLst/>
+          </a:prstGeom>
+        </p:spPr>
+      </p:pic>
+    </p:spTree>
+    <p:extLst>
+      <p:ext uri="{BB962C8B-B14F-4D97-AF65-F5344CB8AC3E}">
+        <p14:creationId xmlns:p14="http://schemas.microsoft.com/office/powerpoint/2010/main" val="2284642787"/>
       </p:ext>
     </p:extLst>
   </p:cSld>
@@ -4515,7 +5150,7 @@
           <p:cNvPr id="2" name="Title 1">
             <a:extLst>
               <a:ext uri="{FF2B5EF4-FFF2-40B4-BE49-F238E27FC236}">
-                <a16:creationId xmlns:a16="http://schemas.microsoft.com/office/drawing/2014/main" id="{24D248DB-9DCF-472D-B6CE-1FD6D16BB204}"/>
+                <a16:creationId xmlns:a16="http://schemas.microsoft.com/office/drawing/2014/main" id="{11FA812C-2D00-4BE0-8C48-79D8C06EE0F4}"/>
               </a:ext>
             </a:extLst>
           </p:cNvPr>
@@ -4526,15 +5161,38 @@
             <p:ph type="title"/>
           </p:nvPr>
         </p:nvSpPr>
-        <p:spPr/>
-        <p:txBody>
-          <a:bodyPr/>
-          <a:lstStyle/>
-          <a:p>
-            <a:r>
-              <a:rPr lang="en-IE" dirty="0"/>
-              <a:t>Agenda</a:t>
-            </a:r>
+        <p:spPr>
+          <a:xfrm>
+            <a:off x="535353" y="716817"/>
+            <a:ext cx="3363974" cy="1597315"/>
+          </a:xfrm>
+          <a:noFill/>
+          <a:ln w="19050">
+            <a:solidFill>
+              <a:schemeClr val="bg1"/>
+            </a:solidFill>
+          </a:ln>
+        </p:spPr>
+        <p:txBody>
+          <a:bodyPr wrap="square">
+            <a:normAutofit/>
+          </a:bodyPr>
+          <a:lstStyle/>
+          <a:p>
+            <a:pPr algn="ctr"/>
+            <a:r>
+              <a:rPr lang="en-US" sz="2800" dirty="0" err="1">
+                <a:cs typeface="Calibri Light"/>
+              </a:rPr>
+              <a:t>MovieDB</a:t>
+            </a:r>
+            <a:r>
+              <a:rPr lang="en-US" sz="2800" dirty="0">
+                <a:cs typeface="Calibri Light"/>
+              </a:rPr>
+              <a:t> App</a:t>
+            </a:r>
+            <a:endParaRPr lang="en-US" sz="2800" dirty="0"/>
           </a:p>
         </p:txBody>
       </p:sp>
@@ -4543,7 +5201,7 @@
           <p:cNvPr id="3" name="Content Placeholder 2">
             <a:extLst>
               <a:ext uri="{FF2B5EF4-FFF2-40B4-BE49-F238E27FC236}">
-                <a16:creationId xmlns:a16="http://schemas.microsoft.com/office/drawing/2014/main" id="{09F7A63A-C699-4D39-9865-A5BBF8733C3E}"/>
+                <a16:creationId xmlns:a16="http://schemas.microsoft.com/office/drawing/2014/main" id="{67A0CE4F-60D7-42D3-8C83-69223CB3270D}"/>
               </a:ext>
             </a:extLst>
           </p:cNvPr>
@@ -4554,66 +5212,379 @@
             <p:ph idx="1"/>
           </p:nvPr>
         </p:nvSpPr>
-        <p:spPr/>
-        <p:txBody>
-          <a:bodyPr/>
-          <a:lstStyle/>
-          <a:p>
-            <a:r>
-              <a:rPr lang="en-IE" dirty="0"/>
-              <a:t>Review API Design</a:t>
-            </a:r>
-          </a:p>
-          <a:p>
-            <a:r>
-              <a:rPr lang="en-IE" dirty="0"/>
-              <a:t>Develop front end API Module</a:t>
+        <p:spPr>
+          <a:xfrm>
+            <a:off x="643468" y="2638044"/>
+            <a:ext cx="3363974" cy="3415622"/>
+          </a:xfrm>
+        </p:spPr>
+        <p:txBody>
+          <a:bodyPr vert="horz" lIns="91440" tIns="45720" rIns="91440" bIns="45720" rtlCol="0">
+            <a:normAutofit/>
+          </a:bodyPr>
+          <a:lstStyle/>
+          <a:p>
+            <a:r>
+              <a:rPr lang="en-US" sz="2000" dirty="0">
+                <a:cs typeface="Calibri"/>
+              </a:rPr>
+              <a:t>We want to:</a:t>
             </a:r>
           </a:p>
           <a:p>
             <a:pPr lvl="1"/>
             <a:r>
-              <a:rPr lang="en-IE" dirty="0"/>
-              <a:t>Endpoint</a:t>
+              <a:rPr lang="en-US" sz="2000" dirty="0">
+                <a:cs typeface="Calibri"/>
+              </a:rPr>
+              <a:t>Replace with calls to Movie API</a:t>
             </a:r>
           </a:p>
           <a:p>
             <a:pPr lvl="1"/>
             <a:r>
-              <a:rPr lang="en-IE" dirty="0"/>
-              <a:t>Routes</a:t>
-            </a:r>
-          </a:p>
-          <a:p>
-            <a:r>
-              <a:rPr lang="en-IE" dirty="0"/>
-              <a:t>React Authentication Context</a:t>
-            </a:r>
-          </a:p>
-          <a:p>
-            <a:r>
-              <a:rPr lang="en-IE" dirty="0"/>
-              <a:t>React Login/Registration Page</a:t>
-            </a:r>
-          </a:p>
-          <a:p>
-            <a:endParaRPr lang="en-IE" dirty="0"/>
-          </a:p>
-          <a:p>
-            <a:endParaRPr lang="en-IE" dirty="0"/>
-          </a:p>
-        </p:txBody>
-      </p:sp>
+              <a:rPr lang="en-US" sz="2000" dirty="0">
+                <a:cs typeface="Calibri"/>
+              </a:rPr>
+              <a:t>Provide login/</a:t>
+            </a:r>
+            <a:r>
+              <a:rPr lang="en-US" sz="2000" dirty="0" err="1">
+                <a:cs typeface="Calibri"/>
+              </a:rPr>
+              <a:t>signin</a:t>
+            </a:r>
+            <a:r>
+              <a:rPr lang="en-US" sz="2000" dirty="0">
+                <a:cs typeface="Calibri"/>
+              </a:rPr>
+              <a:t> capabilities.</a:t>
+            </a:r>
+          </a:p>
+          <a:p>
+            <a:pPr lvl="1"/>
+            <a:r>
+              <a:rPr lang="en-US" sz="2000" dirty="0">
+                <a:cs typeface="Calibri"/>
+              </a:rPr>
+              <a:t>Only allow signed in users to see Movies and add stuff</a:t>
+            </a:r>
+          </a:p>
+        </p:txBody>
+      </p:sp>
+      <p:pic>
+        <p:nvPicPr>
+          <p:cNvPr id="7" name="Picture 6">
+            <a:extLst>
+              <a:ext uri="{FF2B5EF4-FFF2-40B4-BE49-F238E27FC236}">
+                <a16:creationId xmlns:a16="http://schemas.microsoft.com/office/drawing/2014/main" id="{12D1DD3F-DA30-4C98-9D42-DED706C5EBE2}"/>
+              </a:ext>
+            </a:extLst>
+          </p:cNvPr>
+          <p:cNvPicPr>
+            <a:picLocks noChangeAspect="1"/>
+          </p:cNvPicPr>
+          <p:nvPr/>
+        </p:nvPicPr>
+        <p:blipFill rotWithShape="1">
+          <a:blip r:embed="rId3"/>
+          <a:srcRect b="24591"/>
+          <a:stretch/>
+        </p:blipFill>
+        <p:spPr>
+          <a:xfrm>
+            <a:off x="4933146" y="1439389"/>
+            <a:ext cx="6515100" cy="3979222"/>
+          </a:xfrm>
+          <a:prstGeom prst="rect">
+            <a:avLst/>
+          </a:prstGeom>
+        </p:spPr>
+      </p:pic>
     </p:spTree>
     <p:extLst>
       <p:ext uri="{BB962C8B-B14F-4D97-AF65-F5344CB8AC3E}">
-        <p14:creationId xmlns:p14="http://schemas.microsoft.com/office/powerpoint/2010/main" val="1212784023"/>
+        <p14:creationId xmlns:p14="http://schemas.microsoft.com/office/powerpoint/2010/main" val="1585709892"/>
       </p:ext>
     </p:extLst>
   </p:cSld>
   <p:clrMapOvr>
     <a:masterClrMapping/>
   </p:clrMapOvr>
+  <p:timing>
+    <p:tnLst>
+      <p:par>
+        <p:cTn id="1" dur="indefinite" restart="never" nodeType="tmRoot">
+          <p:childTnLst>
+            <p:seq concurrent="1" nextAc="seek">
+              <p:cTn id="2" dur="indefinite" nodeType="mainSeq">
+                <p:childTnLst>
+                  <p:par>
+                    <p:cTn id="3" fill="hold">
+                      <p:stCondLst>
+                        <p:cond delay="indefinite"/>
+                      </p:stCondLst>
+                      <p:childTnLst>
+                        <p:par>
+                          <p:cTn id="4" fill="hold">
+                            <p:stCondLst>
+                              <p:cond delay="0"/>
+                            </p:stCondLst>
+                            <p:childTnLst>
+                              <p:par>
+                                <p:cTn id="5" presetID="10" presetClass="entr" presetSubtype="0" fill="hold" nodeType="clickEffect">
+                                  <p:stCondLst>
+                                    <p:cond delay="0"/>
+                                  </p:stCondLst>
+                                  <p:childTnLst>
+                                    <p:set>
+                                      <p:cBhvr>
+                                        <p:cTn id="6" dur="1" fill="hold">
+                                          <p:stCondLst>
+                                            <p:cond delay="0"/>
+                                          </p:stCondLst>
+                                        </p:cTn>
+                                        <p:tgtEl>
+                                          <p:spTgt spid="3">
+                                            <p:txEl>
+                                              <p:pRg st="0" end="0"/>
+                                            </p:txEl>
+                                          </p:spTgt>
+                                        </p:tgtEl>
+                                        <p:attrNameLst>
+                                          <p:attrName>style.visibility</p:attrName>
+                                        </p:attrNameLst>
+                                      </p:cBhvr>
+                                      <p:to>
+                                        <p:strVal val="visible"/>
+                                      </p:to>
+                                    </p:set>
+                                    <p:animEffect transition="in" filter="fade">
+                                      <p:cBhvr>
+                                        <p:cTn id="7" dur="500"/>
+                                        <p:tgtEl>
+                                          <p:spTgt spid="3">
+                                            <p:txEl>
+                                              <p:pRg st="0" end="0"/>
+                                            </p:txEl>
+                                          </p:spTgt>
+                                        </p:tgtEl>
+                                      </p:cBhvr>
+                                    </p:animEffect>
+                                  </p:childTnLst>
+                                </p:cTn>
+                              </p:par>
+                            </p:childTnLst>
+                          </p:cTn>
+                        </p:par>
+                      </p:childTnLst>
+                    </p:cTn>
+                  </p:par>
+                  <p:par>
+                    <p:cTn id="8" fill="hold">
+                      <p:stCondLst>
+                        <p:cond delay="indefinite"/>
+                      </p:stCondLst>
+                      <p:childTnLst>
+                        <p:par>
+                          <p:cTn id="9" fill="hold">
+                            <p:stCondLst>
+                              <p:cond delay="0"/>
+                            </p:stCondLst>
+                            <p:childTnLst>
+                              <p:par>
+                                <p:cTn id="10" presetID="10" presetClass="entr" presetSubtype="0" fill="hold" nodeType="clickEffect">
+                                  <p:stCondLst>
+                                    <p:cond delay="0"/>
+                                  </p:stCondLst>
+                                  <p:childTnLst>
+                                    <p:set>
+                                      <p:cBhvr>
+                                        <p:cTn id="11" dur="1" fill="hold">
+                                          <p:stCondLst>
+                                            <p:cond delay="0"/>
+                                          </p:stCondLst>
+                                        </p:cTn>
+                                        <p:tgtEl>
+                                          <p:spTgt spid="3">
+                                            <p:txEl>
+                                              <p:pRg st="1" end="1"/>
+                                            </p:txEl>
+                                          </p:spTgt>
+                                        </p:tgtEl>
+                                        <p:attrNameLst>
+                                          <p:attrName>style.visibility</p:attrName>
+                                        </p:attrNameLst>
+                                      </p:cBhvr>
+                                      <p:to>
+                                        <p:strVal val="visible"/>
+                                      </p:to>
+                                    </p:set>
+                                    <p:animEffect transition="in" filter="fade">
+                                      <p:cBhvr>
+                                        <p:cTn id="12" dur="500"/>
+                                        <p:tgtEl>
+                                          <p:spTgt spid="3">
+                                            <p:txEl>
+                                              <p:pRg st="1" end="1"/>
+                                            </p:txEl>
+                                          </p:spTgt>
+                                        </p:tgtEl>
+                                      </p:cBhvr>
+                                    </p:animEffect>
+                                  </p:childTnLst>
+                                </p:cTn>
+                              </p:par>
+                            </p:childTnLst>
+                          </p:cTn>
+                        </p:par>
+                      </p:childTnLst>
+                    </p:cTn>
+                  </p:par>
+                  <p:par>
+                    <p:cTn id="13" fill="hold">
+                      <p:stCondLst>
+                        <p:cond delay="indefinite"/>
+                      </p:stCondLst>
+                      <p:childTnLst>
+                        <p:par>
+                          <p:cTn id="14" fill="hold">
+                            <p:stCondLst>
+                              <p:cond delay="0"/>
+                            </p:stCondLst>
+                            <p:childTnLst>
+                              <p:par>
+                                <p:cTn id="15" presetID="10" presetClass="entr" presetSubtype="0" fill="hold" nodeType="clickEffect">
+                                  <p:stCondLst>
+                                    <p:cond delay="0"/>
+                                  </p:stCondLst>
+                                  <p:childTnLst>
+                                    <p:set>
+                                      <p:cBhvr>
+                                        <p:cTn id="16" dur="1" fill="hold">
+                                          <p:stCondLst>
+                                            <p:cond delay="0"/>
+                                          </p:stCondLst>
+                                        </p:cTn>
+                                        <p:tgtEl>
+                                          <p:spTgt spid="3">
+                                            <p:txEl>
+                                              <p:pRg st="2" end="2"/>
+                                            </p:txEl>
+                                          </p:spTgt>
+                                        </p:tgtEl>
+                                        <p:attrNameLst>
+                                          <p:attrName>style.visibility</p:attrName>
+                                        </p:attrNameLst>
+                                      </p:cBhvr>
+                                      <p:to>
+                                        <p:strVal val="visible"/>
+                                      </p:to>
+                                    </p:set>
+                                    <p:animEffect transition="in" filter="fade">
+                                      <p:cBhvr>
+                                        <p:cTn id="17" dur="500"/>
+                                        <p:tgtEl>
+                                          <p:spTgt spid="3">
+                                            <p:txEl>
+                                              <p:pRg st="2" end="2"/>
+                                            </p:txEl>
+                                          </p:spTgt>
+                                        </p:tgtEl>
+                                      </p:cBhvr>
+                                    </p:animEffect>
+                                  </p:childTnLst>
+                                </p:cTn>
+                              </p:par>
+                            </p:childTnLst>
+                          </p:cTn>
+                        </p:par>
+                      </p:childTnLst>
+                    </p:cTn>
+                  </p:par>
+                  <p:par>
+                    <p:cTn id="18" fill="hold">
+                      <p:stCondLst>
+                        <p:cond delay="indefinite"/>
+                      </p:stCondLst>
+                      <p:childTnLst>
+                        <p:par>
+                          <p:cTn id="19" fill="hold">
+                            <p:stCondLst>
+                              <p:cond delay="0"/>
+                            </p:stCondLst>
+                            <p:childTnLst>
+                              <p:par>
+                                <p:cTn id="20" presetID="10" presetClass="entr" presetSubtype="0" fill="hold" nodeType="clickEffect">
+                                  <p:stCondLst>
+                                    <p:cond delay="0"/>
+                                  </p:stCondLst>
+                                  <p:childTnLst>
+                                    <p:set>
+                                      <p:cBhvr>
+                                        <p:cTn id="21" dur="1" fill="hold">
+                                          <p:stCondLst>
+                                            <p:cond delay="0"/>
+                                          </p:stCondLst>
+                                        </p:cTn>
+                                        <p:tgtEl>
+                                          <p:spTgt spid="3">
+                                            <p:txEl>
+                                              <p:pRg st="3" end="3"/>
+                                            </p:txEl>
+                                          </p:spTgt>
+                                        </p:tgtEl>
+                                        <p:attrNameLst>
+                                          <p:attrName>style.visibility</p:attrName>
+                                        </p:attrNameLst>
+                                      </p:cBhvr>
+                                      <p:to>
+                                        <p:strVal val="visible"/>
+                                      </p:to>
+                                    </p:set>
+                                    <p:animEffect transition="in" filter="fade">
+                                      <p:cBhvr>
+                                        <p:cTn id="22" dur="500"/>
+                                        <p:tgtEl>
+                                          <p:spTgt spid="3">
+                                            <p:txEl>
+                                              <p:pRg st="3" end="3"/>
+                                            </p:txEl>
+                                          </p:spTgt>
+                                        </p:tgtEl>
+                                      </p:cBhvr>
+                                    </p:animEffect>
+                                  </p:childTnLst>
+                                </p:cTn>
+                              </p:par>
+                            </p:childTnLst>
+                          </p:cTn>
+                        </p:par>
+                      </p:childTnLst>
+                    </p:cTn>
+                  </p:par>
+                </p:childTnLst>
+              </p:cTn>
+              <p:prevCondLst>
+                <p:cond evt="onPrev" delay="0">
+                  <p:tgtEl>
+                    <p:sldTgt/>
+                  </p:tgtEl>
+                </p:cond>
+              </p:prevCondLst>
+              <p:nextCondLst>
+                <p:cond evt="onNext" delay="0">
+                  <p:tgtEl>
+                    <p:sldTgt/>
+                  </p:tgtEl>
+                </p:cond>
+              </p:nextCondLst>
+            </p:seq>
+          </p:childTnLst>
+        </p:cTn>
+      </p:par>
+    </p:tnLst>
+  </p:timing>
 </p:sld>
 </file>
 
@@ -4639,7 +5610,7 @@
           <p:cNvPr id="2" name="Title 1">
             <a:extLst>
               <a:ext uri="{FF2B5EF4-FFF2-40B4-BE49-F238E27FC236}">
-                <a16:creationId xmlns:a16="http://schemas.microsoft.com/office/drawing/2014/main" id="{36995E73-C48C-428E-8948-24164961F95F}"/>
+                <a16:creationId xmlns:a16="http://schemas.microsoft.com/office/drawing/2014/main" id="{F3662C51-0735-4C5A-8632-2BCB5617309F}"/>
               </a:ext>
             </a:extLst>
           </p:cNvPr>
@@ -4656,9 +5627,12 @@
           <a:lstStyle/>
           <a:p>
             <a:r>
-              <a:rPr lang="en-IE" dirty="0"/>
-              <a:t>Review API Design</a:t>
-            </a:r>
+              <a:rPr lang="en-US">
+                <a:cs typeface="Calibri Light"/>
+              </a:rPr>
+              <a:t>Proposed Architecture</a:t>
+            </a:r>
+            <a:endParaRPr lang="en-US" dirty="0"/>
           </a:p>
         </p:txBody>
       </p:sp>
@@ -4667,7 +5641,7 @@
           <p:cNvPr id="3" name="Content Placeholder 2">
             <a:extLst>
               <a:ext uri="{FF2B5EF4-FFF2-40B4-BE49-F238E27FC236}">
-                <a16:creationId xmlns:a16="http://schemas.microsoft.com/office/drawing/2014/main" id="{1DA79C82-84E7-4C17-BFE9-D8C0FA065ECC}"/>
+                <a16:creationId xmlns:a16="http://schemas.microsoft.com/office/drawing/2014/main" id="{1392A760-247B-45E9-B88D-68FB3FFB129E}"/>
               </a:ext>
             </a:extLst>
           </p:cNvPr>
@@ -4680,89 +5654,107 @@
         </p:nvSpPr>
         <p:spPr/>
         <p:txBody>
-          <a:bodyPr>
-            <a:normAutofit lnSpcReduction="10000"/>
+          <a:bodyPr vert="horz" lIns="91440" tIns="45720" rIns="91440" bIns="45720" rtlCol="0" anchor="t">
+            <a:normAutofit/>
           </a:bodyPr>
           <a:lstStyle/>
           <a:p>
-            <a:pPr marL="0" indent="0">
-              <a:buNone/>
-            </a:pPr>
-            <a:r>
-              <a:rPr lang="en-IE" dirty="0"/>
-              <a:t>Fully understand the API</a:t>
-            </a:r>
-          </a:p>
-          <a:p>
-            <a:r>
-              <a:rPr lang="en-IE" dirty="0"/>
-              <a:t>Examine Routes</a:t>
-            </a:r>
-          </a:p>
-          <a:p>
-            <a:r>
-              <a:rPr lang="en-IE" dirty="0"/>
-              <a:t>Examine Request &amp; Response</a:t>
-            </a:r>
-            <a:br>
-              <a:rPr lang="en-IE" dirty="0"/>
-            </a:br>
-            <a:r>
-              <a:rPr lang="en-IE" dirty="0"/>
-              <a:t>Requirements</a:t>
+            <a:r>
+              <a:rPr lang="en-US" dirty="0">
+                <a:cs typeface="Calibri"/>
+              </a:rPr>
+              <a:t>Create-React-app uses </a:t>
+            </a:r>
+            <a:r>
+              <a:rPr lang="en-US" b="1" dirty="0">
+                <a:cs typeface="Calibri"/>
+              </a:rPr>
+              <a:t>Webpack development server</a:t>
+            </a:r>
+            <a:r>
+              <a:rPr lang="en-US" dirty="0">
+                <a:cs typeface="Calibri"/>
+              </a:rPr>
+              <a:t>.</a:t>
+            </a:r>
+          </a:p>
+          <a:p>
+            <a:r>
+              <a:rPr lang="en-US" dirty="0">
+                <a:cs typeface="Calibri"/>
+              </a:rPr>
+              <a:t>Your Movie API is an Express.js app listening on port 8080 on your local host. </a:t>
+            </a:r>
+          </a:p>
+          <a:p>
+            <a:r>
+              <a:rPr lang="en-US" dirty="0">
+                <a:cs typeface="Calibri"/>
+              </a:rPr>
+              <a:t>Configure Webpack server to "proxy" any unknown requests to Express app</a:t>
             </a:r>
           </a:p>
           <a:p>
             <a:pPr lvl="1"/>
             <a:r>
-              <a:rPr lang="en-IE" dirty="0"/>
-              <a:t>Body (e.g. properties)</a:t>
-            </a:r>
-          </a:p>
-          <a:p>
-            <a:pPr lvl="1"/>
-            <a:r>
-              <a:rPr lang="en-IE" dirty="0"/>
-              <a:t>Format (e.g. json)</a:t>
-            </a:r>
-          </a:p>
-          <a:p>
-            <a:r>
-              <a:rPr lang="en-IE" dirty="0"/>
-              <a:t>Examine Authentication</a:t>
-            </a:r>
-          </a:p>
-          <a:p>
-            <a:pPr lvl="1"/>
-            <a:r>
-              <a:rPr lang="en-IE" dirty="0"/>
-              <a:t>JWT/Sessions</a:t>
-            </a:r>
-          </a:p>
-          <a:p>
-            <a:r>
-              <a:rPr lang="en-IE" b="1" dirty="0"/>
-              <a:t>TEST WITH POSTMAN</a:t>
-            </a:r>
-          </a:p>
-          <a:p>
-            <a:pPr lvl="1"/>
-            <a:r>
-              <a:rPr lang="en-IE" dirty="0"/>
-              <a:t>Even better, write unit tests!</a:t>
-            </a:r>
-          </a:p>
-          <a:p>
-            <a:endParaRPr lang="en-IE" dirty="0"/>
+              <a:rPr lang="en-US" dirty="0">
+                <a:cs typeface="Calibri"/>
+              </a:rPr>
+              <a:t>Just need "</a:t>
+            </a:r>
+            <a:r>
+              <a:rPr lang="en-US" b="1" dirty="0" err="1">
+                <a:cs typeface="Calibri"/>
+              </a:rPr>
+              <a:t>proxy":"http</a:t>
+            </a:r>
+            <a:r>
+              <a:rPr lang="en-US" b="1" dirty="0">
+                <a:cs typeface="Calibri"/>
+              </a:rPr>
+              <a:t>://localhost:8080" </a:t>
+            </a:r>
+            <a:r>
+              <a:rPr lang="en-US" dirty="0">
+                <a:cs typeface="Calibri"/>
+              </a:rPr>
+              <a:t>entry in </a:t>
+            </a:r>
+            <a:r>
+              <a:rPr lang="en-US" dirty="0" err="1">
+                <a:cs typeface="Calibri"/>
+              </a:rPr>
+              <a:t>package.json</a:t>
+            </a:r>
+            <a:r>
+              <a:rPr lang="en-US" dirty="0">
+                <a:cs typeface="Calibri"/>
+              </a:rPr>
+              <a:t> of </a:t>
+            </a:r>
+            <a:r>
+              <a:rPr lang="en-US" b="1" dirty="0">
+                <a:cs typeface="Calibri"/>
+              </a:rPr>
+              <a:t>the React App.</a:t>
+            </a:r>
+          </a:p>
+          <a:p>
+            <a:r>
+              <a:rPr lang="en-US" dirty="0">
+                <a:cs typeface="Calibri"/>
+              </a:rPr>
+              <a:t>Removes Cross-Origin-Resource-Sharing (CORS) issues with the browser</a:t>
+            </a:r>
           </a:p>
         </p:txBody>
       </p:sp>
       <p:pic>
         <p:nvPicPr>
-          <p:cNvPr id="5" name="Picture 4">
-            <a:extLst>
-              <a:ext uri="{FF2B5EF4-FFF2-40B4-BE49-F238E27FC236}">
-                <a16:creationId xmlns:a16="http://schemas.microsoft.com/office/drawing/2014/main" id="{78B16BFC-20C4-4B66-A5EE-A048F6E7522D}"/>
+          <p:cNvPr id="4" name="Picture 4">
+            <a:extLst>
+              <a:ext uri="{FF2B5EF4-FFF2-40B4-BE49-F238E27FC236}">
+                <a16:creationId xmlns:a16="http://schemas.microsoft.com/office/drawing/2014/main" id="{CEC6DFC5-9D5B-455A-8494-199BA71DDE43}"/>
               </a:ext>
             </a:extLst>
           </p:cNvPr>
@@ -4779,68 +5771,8 @@
         </p:blipFill>
         <p:spPr>
           <a:xfrm>
-            <a:off x="6438900" y="729343"/>
-            <a:ext cx="4914900" cy="1219200"/>
-          </a:xfrm>
-          <a:prstGeom prst="rect">
-            <a:avLst/>
-          </a:prstGeom>
-        </p:spPr>
-      </p:pic>
-      <p:pic>
-        <p:nvPicPr>
-          <p:cNvPr id="7" name="Picture 6">
-            <a:extLst>
-              <a:ext uri="{FF2B5EF4-FFF2-40B4-BE49-F238E27FC236}">
-                <a16:creationId xmlns:a16="http://schemas.microsoft.com/office/drawing/2014/main" id="{3B66AABF-3DEC-4A0F-A538-7BFC196CEA93}"/>
-              </a:ext>
-            </a:extLst>
-          </p:cNvPr>
-          <p:cNvPicPr>
-            <a:picLocks noChangeAspect="1"/>
-          </p:cNvPicPr>
-          <p:nvPr/>
-        </p:nvPicPr>
-        <p:blipFill>
-          <a:blip r:embed="rId3"/>
-          <a:stretch>
-            <a:fillRect/>
-          </a:stretch>
-        </p:blipFill>
-        <p:spPr>
-          <a:xfrm>
-            <a:off x="6438900" y="1948543"/>
-            <a:ext cx="4676775" cy="2286000"/>
-          </a:xfrm>
-          <a:prstGeom prst="rect">
-            <a:avLst/>
-          </a:prstGeom>
-        </p:spPr>
-      </p:pic>
-      <p:pic>
-        <p:nvPicPr>
-          <p:cNvPr id="9" name="Picture 8">
-            <a:extLst>
-              <a:ext uri="{FF2B5EF4-FFF2-40B4-BE49-F238E27FC236}">
-                <a16:creationId xmlns:a16="http://schemas.microsoft.com/office/drawing/2014/main" id="{1CAFAF0F-D968-4599-81DD-057FB8C78B91}"/>
-              </a:ext>
-            </a:extLst>
-          </p:cNvPr>
-          <p:cNvPicPr>
-            <a:picLocks noChangeAspect="1"/>
-          </p:cNvPicPr>
-          <p:nvPr/>
-        </p:nvPicPr>
-        <p:blipFill>
-          <a:blip r:embed="rId4"/>
-          <a:stretch>
-            <a:fillRect/>
-          </a:stretch>
-        </p:blipFill>
-        <p:spPr>
-          <a:xfrm>
-            <a:off x="6742119" y="4357461"/>
-            <a:ext cx="3385034" cy="2177400"/>
+            <a:off x="4765489" y="5373330"/>
+            <a:ext cx="6062933" cy="1340929"/>
           </a:xfrm>
           <a:prstGeom prst="rect">
             <a:avLst/>
@@ -4850,13 +5782,348 @@
     </p:spTree>
     <p:extLst>
       <p:ext uri="{BB962C8B-B14F-4D97-AF65-F5344CB8AC3E}">
-        <p14:creationId xmlns:p14="http://schemas.microsoft.com/office/powerpoint/2010/main" val="2745559681"/>
+        <p14:creationId xmlns:p14="http://schemas.microsoft.com/office/powerpoint/2010/main" val="3224246612"/>
       </p:ext>
     </p:extLst>
   </p:cSld>
   <p:clrMapOvr>
     <a:masterClrMapping/>
   </p:clrMapOvr>
+  <p:timing>
+    <p:tnLst>
+      <p:par>
+        <p:cTn id="1" dur="indefinite" restart="never" nodeType="tmRoot">
+          <p:childTnLst>
+            <p:seq concurrent="1" nextAc="seek">
+              <p:cTn id="2" dur="indefinite" nodeType="mainSeq">
+                <p:childTnLst>
+                  <p:par>
+                    <p:cTn id="3" fill="hold">
+                      <p:stCondLst>
+                        <p:cond delay="indefinite"/>
+                      </p:stCondLst>
+                      <p:childTnLst>
+                        <p:par>
+                          <p:cTn id="4" fill="hold">
+                            <p:stCondLst>
+                              <p:cond delay="0"/>
+                            </p:stCondLst>
+                            <p:childTnLst>
+                              <p:par>
+                                <p:cTn id="5" presetID="10" presetClass="entr" presetSubtype="0" fill="hold" nodeType="clickEffect">
+                                  <p:stCondLst>
+                                    <p:cond delay="0"/>
+                                  </p:stCondLst>
+                                  <p:childTnLst>
+                                    <p:set>
+                                      <p:cBhvr>
+                                        <p:cTn id="6" dur="1" fill="hold">
+                                          <p:stCondLst>
+                                            <p:cond delay="0"/>
+                                          </p:stCondLst>
+                                        </p:cTn>
+                                        <p:tgtEl>
+                                          <p:spTgt spid="3">
+                                            <p:txEl>
+                                              <p:pRg st="0" end="0"/>
+                                            </p:txEl>
+                                          </p:spTgt>
+                                        </p:tgtEl>
+                                        <p:attrNameLst>
+                                          <p:attrName>style.visibility</p:attrName>
+                                        </p:attrNameLst>
+                                      </p:cBhvr>
+                                      <p:to>
+                                        <p:strVal val="visible"/>
+                                      </p:to>
+                                    </p:set>
+                                    <p:animEffect transition="in" filter="fade">
+                                      <p:cBhvr>
+                                        <p:cTn id="7" dur="500"/>
+                                        <p:tgtEl>
+                                          <p:spTgt spid="3">
+                                            <p:txEl>
+                                              <p:pRg st="0" end="0"/>
+                                            </p:txEl>
+                                          </p:spTgt>
+                                        </p:tgtEl>
+                                      </p:cBhvr>
+                                    </p:animEffect>
+                                  </p:childTnLst>
+                                </p:cTn>
+                              </p:par>
+                            </p:childTnLst>
+                          </p:cTn>
+                        </p:par>
+                      </p:childTnLst>
+                    </p:cTn>
+                  </p:par>
+                  <p:par>
+                    <p:cTn id="8" fill="hold">
+                      <p:stCondLst>
+                        <p:cond delay="indefinite"/>
+                      </p:stCondLst>
+                      <p:childTnLst>
+                        <p:par>
+                          <p:cTn id="9" fill="hold">
+                            <p:stCondLst>
+                              <p:cond delay="0"/>
+                            </p:stCondLst>
+                            <p:childTnLst>
+                              <p:par>
+                                <p:cTn id="10" presetID="10" presetClass="entr" presetSubtype="0" fill="hold" nodeType="clickEffect">
+                                  <p:stCondLst>
+                                    <p:cond delay="0"/>
+                                  </p:stCondLst>
+                                  <p:childTnLst>
+                                    <p:set>
+                                      <p:cBhvr>
+                                        <p:cTn id="11" dur="1" fill="hold">
+                                          <p:stCondLst>
+                                            <p:cond delay="0"/>
+                                          </p:stCondLst>
+                                        </p:cTn>
+                                        <p:tgtEl>
+                                          <p:spTgt spid="3">
+                                            <p:txEl>
+                                              <p:pRg st="1" end="1"/>
+                                            </p:txEl>
+                                          </p:spTgt>
+                                        </p:tgtEl>
+                                        <p:attrNameLst>
+                                          <p:attrName>style.visibility</p:attrName>
+                                        </p:attrNameLst>
+                                      </p:cBhvr>
+                                      <p:to>
+                                        <p:strVal val="visible"/>
+                                      </p:to>
+                                    </p:set>
+                                    <p:animEffect transition="in" filter="fade">
+                                      <p:cBhvr>
+                                        <p:cTn id="12" dur="500"/>
+                                        <p:tgtEl>
+                                          <p:spTgt spid="3">
+                                            <p:txEl>
+                                              <p:pRg st="1" end="1"/>
+                                            </p:txEl>
+                                          </p:spTgt>
+                                        </p:tgtEl>
+                                      </p:cBhvr>
+                                    </p:animEffect>
+                                  </p:childTnLst>
+                                </p:cTn>
+                              </p:par>
+                            </p:childTnLst>
+                          </p:cTn>
+                        </p:par>
+                      </p:childTnLst>
+                    </p:cTn>
+                  </p:par>
+                  <p:par>
+                    <p:cTn id="13" fill="hold">
+                      <p:stCondLst>
+                        <p:cond delay="indefinite"/>
+                      </p:stCondLst>
+                      <p:childTnLst>
+                        <p:par>
+                          <p:cTn id="14" fill="hold">
+                            <p:stCondLst>
+                              <p:cond delay="0"/>
+                            </p:stCondLst>
+                            <p:childTnLst>
+                              <p:par>
+                                <p:cTn id="15" presetID="10" presetClass="entr" presetSubtype="0" fill="hold" nodeType="clickEffect">
+                                  <p:stCondLst>
+                                    <p:cond delay="0"/>
+                                  </p:stCondLst>
+                                  <p:childTnLst>
+                                    <p:set>
+                                      <p:cBhvr>
+                                        <p:cTn id="16" dur="1" fill="hold">
+                                          <p:stCondLst>
+                                            <p:cond delay="0"/>
+                                          </p:stCondLst>
+                                        </p:cTn>
+                                        <p:tgtEl>
+                                          <p:spTgt spid="3">
+                                            <p:txEl>
+                                              <p:pRg st="2" end="2"/>
+                                            </p:txEl>
+                                          </p:spTgt>
+                                        </p:tgtEl>
+                                        <p:attrNameLst>
+                                          <p:attrName>style.visibility</p:attrName>
+                                        </p:attrNameLst>
+                                      </p:cBhvr>
+                                      <p:to>
+                                        <p:strVal val="visible"/>
+                                      </p:to>
+                                    </p:set>
+                                    <p:animEffect transition="in" filter="fade">
+                                      <p:cBhvr>
+                                        <p:cTn id="17" dur="500"/>
+                                        <p:tgtEl>
+                                          <p:spTgt spid="3">
+                                            <p:txEl>
+                                              <p:pRg st="2" end="2"/>
+                                            </p:txEl>
+                                          </p:spTgt>
+                                        </p:tgtEl>
+                                      </p:cBhvr>
+                                    </p:animEffect>
+                                  </p:childTnLst>
+                                </p:cTn>
+                              </p:par>
+                            </p:childTnLst>
+                          </p:cTn>
+                        </p:par>
+                      </p:childTnLst>
+                    </p:cTn>
+                  </p:par>
+                  <p:par>
+                    <p:cTn id="18" fill="hold">
+                      <p:stCondLst>
+                        <p:cond delay="indefinite"/>
+                      </p:stCondLst>
+                      <p:childTnLst>
+                        <p:par>
+                          <p:cTn id="19" fill="hold">
+                            <p:stCondLst>
+                              <p:cond delay="0"/>
+                            </p:stCondLst>
+                            <p:childTnLst>
+                              <p:par>
+                                <p:cTn id="20" presetID="10" presetClass="entr" presetSubtype="0" fill="hold" nodeType="clickEffect">
+                                  <p:stCondLst>
+                                    <p:cond delay="0"/>
+                                  </p:stCondLst>
+                                  <p:childTnLst>
+                                    <p:set>
+                                      <p:cBhvr>
+                                        <p:cTn id="21" dur="1" fill="hold">
+                                          <p:stCondLst>
+                                            <p:cond delay="0"/>
+                                          </p:stCondLst>
+                                        </p:cTn>
+                                        <p:tgtEl>
+                                          <p:spTgt spid="3">
+                                            <p:txEl>
+                                              <p:pRg st="3" end="3"/>
+                                            </p:txEl>
+                                          </p:spTgt>
+                                        </p:tgtEl>
+                                        <p:attrNameLst>
+                                          <p:attrName>style.visibility</p:attrName>
+                                        </p:attrNameLst>
+                                      </p:cBhvr>
+                                      <p:to>
+                                        <p:strVal val="visible"/>
+                                      </p:to>
+                                    </p:set>
+                                    <p:animEffect transition="in" filter="fade">
+                                      <p:cBhvr>
+                                        <p:cTn id="22" dur="500"/>
+                                        <p:tgtEl>
+                                          <p:spTgt spid="3">
+                                            <p:txEl>
+                                              <p:pRg st="3" end="3"/>
+                                            </p:txEl>
+                                          </p:spTgt>
+                                        </p:tgtEl>
+                                      </p:cBhvr>
+                                    </p:animEffect>
+                                  </p:childTnLst>
+                                </p:cTn>
+                              </p:par>
+                            </p:childTnLst>
+                          </p:cTn>
+                        </p:par>
+                      </p:childTnLst>
+                    </p:cTn>
+                  </p:par>
+                  <p:par>
+                    <p:cTn id="23" fill="hold">
+                      <p:stCondLst>
+                        <p:cond delay="indefinite"/>
+                      </p:stCondLst>
+                      <p:childTnLst>
+                        <p:par>
+                          <p:cTn id="24" fill="hold">
+                            <p:stCondLst>
+                              <p:cond delay="0"/>
+                            </p:stCondLst>
+                            <p:childTnLst>
+                              <p:par>
+                                <p:cTn id="25" presetID="10" presetClass="entr" presetSubtype="0" fill="hold" nodeType="clickEffect">
+                                  <p:stCondLst>
+                                    <p:cond delay="0"/>
+                                  </p:stCondLst>
+                                  <p:childTnLst>
+                                    <p:set>
+                                      <p:cBhvr>
+                                        <p:cTn id="26" dur="1" fill="hold">
+                                          <p:stCondLst>
+                                            <p:cond delay="0"/>
+                                          </p:stCondLst>
+                                        </p:cTn>
+                                        <p:tgtEl>
+                                          <p:spTgt spid="3">
+                                            <p:txEl>
+                                              <p:pRg st="4" end="4"/>
+                                            </p:txEl>
+                                          </p:spTgt>
+                                        </p:tgtEl>
+                                        <p:attrNameLst>
+                                          <p:attrName>style.visibility</p:attrName>
+                                        </p:attrNameLst>
+                                      </p:cBhvr>
+                                      <p:to>
+                                        <p:strVal val="visible"/>
+                                      </p:to>
+                                    </p:set>
+                                    <p:animEffect transition="in" filter="fade">
+                                      <p:cBhvr>
+                                        <p:cTn id="27" dur="500"/>
+                                        <p:tgtEl>
+                                          <p:spTgt spid="3">
+                                            <p:txEl>
+                                              <p:pRg st="4" end="4"/>
+                                            </p:txEl>
+                                          </p:spTgt>
+                                        </p:tgtEl>
+                                      </p:cBhvr>
+                                    </p:animEffect>
+                                  </p:childTnLst>
+                                </p:cTn>
+                              </p:par>
+                            </p:childTnLst>
+                          </p:cTn>
+                        </p:par>
+                      </p:childTnLst>
+                    </p:cTn>
+                  </p:par>
+                </p:childTnLst>
+              </p:cTn>
+              <p:prevCondLst>
+                <p:cond evt="onPrev" delay="0">
+                  <p:tgtEl>
+                    <p:sldTgt/>
+                  </p:tgtEl>
+                </p:cond>
+              </p:prevCondLst>
+              <p:nextCondLst>
+                <p:cond evt="onNext" delay="0">
+                  <p:tgtEl>
+                    <p:sldTgt/>
+                  </p:tgtEl>
+                </p:cond>
+              </p:nextCondLst>
+            </p:seq>
+          </p:childTnLst>
+        </p:cTn>
+      </p:par>
+    </p:tnLst>
+  </p:timing>
 </p:sld>
 </file>
 
@@ -4882,7 +6149,7 @@
           <p:cNvPr id="2" name="Title 1">
             <a:extLst>
               <a:ext uri="{FF2B5EF4-FFF2-40B4-BE49-F238E27FC236}">
-                <a16:creationId xmlns:a16="http://schemas.microsoft.com/office/drawing/2014/main" id="{B1ADD1F1-DA33-4987-A608-616F16BEDEF6}"/>
+                <a16:creationId xmlns:a16="http://schemas.microsoft.com/office/drawing/2014/main" id="{F740081B-0359-45B1-A517-82CFA3EF0849}"/>
               </a:ext>
             </a:extLst>
           </p:cNvPr>
@@ -4899,9 +6166,18 @@
           <a:lstStyle/>
           <a:p>
             <a:r>
-              <a:rPr lang="en-IE" dirty="0"/>
-              <a:t>Design React App</a:t>
-            </a:r>
+              <a:rPr lang="en-US" dirty="0" err="1">
+                <a:cs typeface="Calibri Light"/>
+              </a:rPr>
+              <a:t>JavaWebToken</a:t>
+            </a:r>
+            <a:r>
+              <a:rPr lang="en-US" dirty="0">
+                <a:cs typeface="Calibri Light"/>
+              </a:rPr>
+              <a:t> Storage</a:t>
+            </a:r>
+            <a:endParaRPr lang="en-US" dirty="0"/>
           </a:p>
         </p:txBody>
       </p:sp>
@@ -4910,7 +6186,7 @@
           <p:cNvPr id="3" name="Content Placeholder 2">
             <a:extLst>
               <a:ext uri="{FF2B5EF4-FFF2-40B4-BE49-F238E27FC236}">
-                <a16:creationId xmlns:a16="http://schemas.microsoft.com/office/drawing/2014/main" id="{698689C2-E3AE-48CE-A8C0-016EAE535682}"/>
+                <a16:creationId xmlns:a16="http://schemas.microsoft.com/office/drawing/2014/main" id="{F6189031-B3BD-49B8-A447-27D8173F4092}"/>
               </a:ext>
             </a:extLst>
           </p:cNvPr>
@@ -4923,34 +6199,133 @@
         </p:nvSpPr>
         <p:spPr/>
         <p:txBody>
-          <a:bodyPr/>
-          <a:lstStyle/>
-          <a:p>
-            <a:r>
-              <a:rPr lang="en-IE" dirty="0"/>
-              <a:t>This can be your Movies App from assignment 1</a:t>
-            </a:r>
-          </a:p>
-          <a:p>
-            <a:r>
-              <a:rPr lang="en-IE" dirty="0"/>
-              <a:t>Use stub API/TMDB up to now</a:t>
-            </a:r>
-          </a:p>
-          <a:p>
-            <a:r>
-              <a:rPr lang="en-IE" dirty="0"/>
-              <a:t>Don’t forget authentication(login/register) pages and routes</a:t>
-            </a:r>
+          <a:bodyPr vert="horz" lIns="91440" tIns="45720" rIns="91440" bIns="45720" rtlCol="0" anchor="t">
+            <a:normAutofit/>
+          </a:bodyPr>
+          <a:lstStyle/>
+          <a:p>
+            <a:r>
+              <a:rPr lang="en-US" dirty="0">
+                <a:cs typeface="Calibri"/>
+              </a:rPr>
+              <a:t>Most browsers/devices have </a:t>
+            </a:r>
+            <a:r>
+              <a:rPr lang="en-US" b="1" dirty="0">
+                <a:cs typeface="Calibri"/>
+              </a:rPr>
+              <a:t>local storage</a:t>
+            </a:r>
+            <a:r>
+              <a:rPr lang="en-US" dirty="0">
+                <a:cs typeface="Calibri"/>
+              </a:rPr>
+              <a:t> .Can access using </a:t>
+            </a:r>
+            <a:r>
+              <a:rPr lang="en-US" b="1" dirty="0" err="1">
+                <a:cs typeface="Calibri"/>
+              </a:rPr>
+              <a:t>localStorage</a:t>
+            </a:r>
+            <a:r>
+              <a:rPr lang="en-US" dirty="0">
+                <a:cs typeface="Calibri"/>
+              </a:rPr>
+              <a:t> object.</a:t>
+            </a:r>
+            <a:endParaRPr lang="en-US" dirty="0"/>
+          </a:p>
+          <a:p>
+            <a:endParaRPr lang="en-US" dirty="0">
+              <a:cs typeface="Calibri"/>
+            </a:endParaRPr>
+          </a:p>
+          <a:p>
+            <a:pPr marL="0" indent="0">
+              <a:buNone/>
+            </a:pPr>
+            <a:r>
+              <a:rPr lang="en-US" sz="1600" b="1" dirty="0" err="1">
+                <a:latin typeface="Courier New"/>
+                <a:cs typeface="Courier New"/>
+              </a:rPr>
+              <a:t>localStorage.setItem</a:t>
+            </a:r>
+            <a:r>
+              <a:rPr lang="en-US" sz="1600" b="1" dirty="0">
+                <a:latin typeface="Courier New"/>
+                <a:cs typeface="Courier New"/>
+              </a:rPr>
+              <a:t>('token', token);</a:t>
+            </a:r>
+          </a:p>
+          <a:p>
+            <a:endParaRPr lang="en-US" sz="1600" dirty="0">
+              <a:latin typeface="Courier New"/>
+              <a:cs typeface="Courier New"/>
+            </a:endParaRPr>
+          </a:p>
+          <a:p>
+            <a:pPr>
+              <a:buNone/>
+            </a:pPr>
+            <a:r>
+              <a:rPr lang="en-US" sz="1600" dirty="0">
+                <a:latin typeface="Courier New"/>
+                <a:cs typeface="Courier New"/>
+              </a:rPr>
+              <a:t> </a:t>
+            </a:r>
+            <a:r>
+              <a:rPr lang="en-US" sz="1600" b="1" dirty="0" err="1">
+                <a:latin typeface="Courier New"/>
+                <a:cs typeface="Courier New"/>
+              </a:rPr>
+              <a:t>const</a:t>
+            </a:r>
+            <a:r>
+              <a:rPr lang="en-US" sz="1600" b="1" dirty="0">
+                <a:latin typeface="Courier New"/>
+                <a:cs typeface="Courier New"/>
+              </a:rPr>
+              <a:t> token =     </a:t>
+            </a:r>
+            <a:r>
+              <a:rPr lang="en-US" sz="1600" b="1" dirty="0" err="1">
+                <a:latin typeface="Courier New"/>
+                <a:cs typeface="Courier New"/>
+              </a:rPr>
+              <a:t>localStorage.getItem</a:t>
+            </a:r>
+            <a:r>
+              <a:rPr lang="en-US" sz="1600" b="1" dirty="0">
+                <a:latin typeface="Courier New"/>
+                <a:cs typeface="Courier New"/>
+              </a:rPr>
+              <a:t>('token');</a:t>
+            </a:r>
+          </a:p>
+          <a:p>
+            <a:pPr>
+              <a:buNone/>
+            </a:pPr>
+            <a:r>
+              <a:rPr lang="en-US" b="1" dirty="0">
+                <a:cs typeface="Calibri"/>
+              </a:rPr>
+              <a:t>  </a:t>
+            </a:r>
+            <a:endParaRPr lang="en-US" b="1" dirty="0"/>
           </a:p>
         </p:txBody>
       </p:sp>
       <p:pic>
         <p:nvPicPr>
-          <p:cNvPr id="5" name="Picture 4">
-            <a:extLst>
-              <a:ext uri="{FF2B5EF4-FFF2-40B4-BE49-F238E27FC236}">
-                <a16:creationId xmlns:a16="http://schemas.microsoft.com/office/drawing/2014/main" id="{AAFDAA89-11A1-4723-A31C-F2BC8DE98DC6}"/>
+          <p:cNvPr id="4" name="Picture 4" descr="A screenshot of a cell phone&#10;&#10;Description generated with very high confidence">
+            <a:extLst>
+              <a:ext uri="{FF2B5EF4-FFF2-40B4-BE49-F238E27FC236}">
+                <a16:creationId xmlns:a16="http://schemas.microsoft.com/office/drawing/2014/main" id="{CD720AF2-FAFC-40A5-A577-206DF9820680}"/>
               </a:ext>
             </a:extLst>
           </p:cNvPr>
@@ -4967,8 +6342,8 @@
         </p:blipFill>
         <p:spPr>
           <a:xfrm>
-            <a:off x="3221337" y="3779898"/>
-            <a:ext cx="6048375" cy="2381250"/>
+            <a:off x="838200" y="4519581"/>
+            <a:ext cx="7959969" cy="2093885"/>
           </a:xfrm>
           <a:prstGeom prst="rect">
             <a:avLst/>
@@ -4978,7 +6353,7 @@
     </p:spTree>
     <p:extLst>
       <p:ext uri="{BB962C8B-B14F-4D97-AF65-F5344CB8AC3E}">
-        <p14:creationId xmlns:p14="http://schemas.microsoft.com/office/powerpoint/2010/main" val="1843618790"/>
+        <p14:creationId xmlns:p14="http://schemas.microsoft.com/office/powerpoint/2010/main" val="720303595"/>
       </p:ext>
     </p:extLst>
   </p:cSld>
@@ -5010,7 +6385,7 @@
           <p:cNvPr id="2" name="Title 1">
             <a:extLst>
               <a:ext uri="{FF2B5EF4-FFF2-40B4-BE49-F238E27FC236}">
-                <a16:creationId xmlns:a16="http://schemas.microsoft.com/office/drawing/2014/main" id="{99942584-8BF9-4C8E-A0CC-BC0935D0663B}"/>
+                <a16:creationId xmlns:a16="http://schemas.microsoft.com/office/drawing/2014/main" id="{93736600-2E14-49D6-A139-F5ABC740F163}"/>
               </a:ext>
             </a:extLst>
           </p:cNvPr>
@@ -5021,15 +6396,25 @@
             <p:ph type="title"/>
           </p:nvPr>
         </p:nvSpPr>
-        <p:spPr/>
-        <p:txBody>
-          <a:bodyPr/>
-          <a:lstStyle/>
-          <a:p>
-            <a:r>
-              <a:rPr lang="en-IE" dirty="0"/>
-              <a:t>Write API Module</a:t>
-            </a:r>
+        <p:spPr>
+          <a:xfrm>
+            <a:off x="589560" y="856180"/>
+            <a:ext cx="4560584" cy="1128068"/>
+          </a:xfrm>
+        </p:spPr>
+        <p:txBody>
+          <a:bodyPr anchor="ctr">
+            <a:normAutofit/>
+          </a:bodyPr>
+          <a:lstStyle/>
+          <a:p>
+            <a:r>
+              <a:rPr lang="en-US" sz="4000" dirty="0">
+                <a:cs typeface="Calibri Light"/>
+              </a:rPr>
+              <a:t>Contexts</a:t>
+            </a:r>
+            <a:endParaRPr lang="en-US" sz="4000" dirty="0"/>
           </a:p>
         </p:txBody>
       </p:sp>
@@ -5038,7 +6423,7 @@
           <p:cNvPr id="3" name="Content Placeholder 2">
             <a:extLst>
               <a:ext uri="{FF2B5EF4-FFF2-40B4-BE49-F238E27FC236}">
-                <a16:creationId xmlns:a16="http://schemas.microsoft.com/office/drawing/2014/main" id="{144F4D29-61EF-415C-8D58-7270ACAF1DF3}"/>
+                <a16:creationId xmlns:a16="http://schemas.microsoft.com/office/drawing/2014/main" id="{E0E54E75-3315-473B-ACB3-73F802051869}"/>
               </a:ext>
             </a:extLst>
           </p:cNvPr>
@@ -5049,33 +6434,67 @@
             <p:ph idx="1"/>
           </p:nvPr>
         </p:nvSpPr>
-        <p:spPr/>
-        <p:txBody>
-          <a:bodyPr/>
-          <a:lstStyle/>
-          <a:p>
-            <a:r>
-              <a:rPr lang="en-IE" dirty="0"/>
-              <a:t>Abstract API calls to exported functions.</a:t>
-            </a:r>
-          </a:p>
-          <a:p>
-            <a:pPr marL="0" indent="0">
-              <a:buNone/>
-            </a:pPr>
-            <a:r>
-              <a:rPr lang="en-IE" dirty="0"/>
-              <a:t> </a:t>
-            </a:r>
+        <p:spPr>
+          <a:xfrm>
+            <a:off x="590719" y="2330505"/>
+            <a:ext cx="4559425" cy="3979585"/>
+          </a:xfrm>
+        </p:spPr>
+        <p:txBody>
+          <a:bodyPr vert="horz" lIns="91440" tIns="45720" rIns="91440" bIns="45720" rtlCol="0" anchor="ctr">
+            <a:normAutofit/>
+          </a:bodyPr>
+          <a:lstStyle/>
+          <a:p>
+            <a:r>
+              <a:rPr lang="en-US" sz="2000" dirty="0">
+                <a:cs typeface="Calibri"/>
+              </a:rPr>
+              <a:t>Create a Authentication Context in </a:t>
+            </a:r>
+            <a:r>
+              <a:rPr lang="en-US" sz="2000" dirty="0" err="1">
+                <a:cs typeface="Calibri"/>
+              </a:rPr>
+              <a:t>MovieDB</a:t>
+            </a:r>
+            <a:r>
+              <a:rPr lang="en-US" sz="2000" dirty="0">
+                <a:cs typeface="Calibri"/>
+              </a:rPr>
+              <a:t> React App.</a:t>
+            </a:r>
+          </a:p>
+          <a:p>
+            <a:r>
+              <a:rPr lang="en-US" sz="2000" dirty="0">
+                <a:cs typeface="Calibri"/>
+              </a:rPr>
+              <a:t>As with Movie context, use it to pass data through the component tree </a:t>
+            </a:r>
+          </a:p>
+          <a:p>
+            <a:r>
+              <a:rPr lang="en-US" sz="2000" dirty="0">
+                <a:cs typeface="Calibri"/>
+              </a:rPr>
+              <a:t>Share authentication details between components</a:t>
+            </a:r>
+          </a:p>
+          <a:p>
+            <a:pPr lvl="1"/>
+            <a:endParaRPr lang="en-US" sz="2000" dirty="0">
+              <a:cs typeface="Calibri"/>
+            </a:endParaRPr>
           </a:p>
         </p:txBody>
       </p:sp>
       <p:pic>
         <p:nvPicPr>
-          <p:cNvPr id="5" name="Picture 4">
-            <a:extLst>
-              <a:ext uri="{FF2B5EF4-FFF2-40B4-BE49-F238E27FC236}">
-                <a16:creationId xmlns:a16="http://schemas.microsoft.com/office/drawing/2014/main" id="{309718EB-FDCF-4AA1-B28A-800F6EBD98C3}"/>
+          <p:cNvPr id="6" name="Picture 5">
+            <a:extLst>
+              <a:ext uri="{FF2B5EF4-FFF2-40B4-BE49-F238E27FC236}">
+                <a16:creationId xmlns:a16="http://schemas.microsoft.com/office/drawing/2014/main" id="{382E279F-29E2-4B37-9F80-B11F8F4AAEBB}"/>
               </a:ext>
             </a:extLst>
           </p:cNvPr>
@@ -5084,16 +6503,15 @@
           </p:cNvPicPr>
           <p:nvPr/>
         </p:nvPicPr>
-        <p:blipFill>
+        <p:blipFill rotWithShape="1">
           <a:blip r:embed="rId2"/>
-          <a:stretch>
-            <a:fillRect/>
-          </a:stretch>
+          <a:srcRect l="2851" r="13088" b="1"/>
+          <a:stretch/>
         </p:blipFill>
         <p:spPr>
           <a:xfrm>
-            <a:off x="2199021" y="2495156"/>
-            <a:ext cx="5685710" cy="3816744"/>
+            <a:off x="5977788" y="799352"/>
+            <a:ext cx="5425410" cy="5259296"/>
           </a:xfrm>
           <a:prstGeom prst="rect">
             <a:avLst/>
@@ -5103,13 +6521,190 @@
     </p:spTree>
     <p:extLst>
       <p:ext uri="{BB962C8B-B14F-4D97-AF65-F5344CB8AC3E}">
-        <p14:creationId xmlns:p14="http://schemas.microsoft.com/office/powerpoint/2010/main" val="3028389984"/>
+        <p14:creationId xmlns:p14="http://schemas.microsoft.com/office/powerpoint/2010/main" val="1699538322"/>
       </p:ext>
     </p:extLst>
   </p:cSld>
   <p:clrMapOvr>
     <a:masterClrMapping/>
   </p:clrMapOvr>
+  <p:timing>
+    <p:tnLst>
+      <p:par>
+        <p:cTn id="1" dur="indefinite" restart="never" nodeType="tmRoot">
+          <p:childTnLst>
+            <p:seq concurrent="1" nextAc="seek">
+              <p:cTn id="2" dur="indefinite" nodeType="mainSeq">
+                <p:childTnLst>
+                  <p:par>
+                    <p:cTn id="3" fill="hold">
+                      <p:stCondLst>
+                        <p:cond delay="indefinite"/>
+                      </p:stCondLst>
+                      <p:childTnLst>
+                        <p:par>
+                          <p:cTn id="4" fill="hold">
+                            <p:stCondLst>
+                              <p:cond delay="0"/>
+                            </p:stCondLst>
+                            <p:childTnLst>
+                              <p:par>
+                                <p:cTn id="5" presetID="10" presetClass="entr" presetSubtype="0" fill="hold" nodeType="clickEffect">
+                                  <p:stCondLst>
+                                    <p:cond delay="0"/>
+                                  </p:stCondLst>
+                                  <p:childTnLst>
+                                    <p:set>
+                                      <p:cBhvr>
+                                        <p:cTn id="6" dur="1" fill="hold">
+                                          <p:stCondLst>
+                                            <p:cond delay="0"/>
+                                          </p:stCondLst>
+                                        </p:cTn>
+                                        <p:tgtEl>
+                                          <p:spTgt spid="3">
+                                            <p:txEl>
+                                              <p:pRg st="0" end="0"/>
+                                            </p:txEl>
+                                          </p:spTgt>
+                                        </p:tgtEl>
+                                        <p:attrNameLst>
+                                          <p:attrName>style.visibility</p:attrName>
+                                        </p:attrNameLst>
+                                      </p:cBhvr>
+                                      <p:to>
+                                        <p:strVal val="visible"/>
+                                      </p:to>
+                                    </p:set>
+                                    <p:animEffect transition="in" filter="fade">
+                                      <p:cBhvr>
+                                        <p:cTn id="7" dur="500"/>
+                                        <p:tgtEl>
+                                          <p:spTgt spid="3">
+                                            <p:txEl>
+                                              <p:pRg st="0" end="0"/>
+                                            </p:txEl>
+                                          </p:spTgt>
+                                        </p:tgtEl>
+                                      </p:cBhvr>
+                                    </p:animEffect>
+                                  </p:childTnLst>
+                                </p:cTn>
+                              </p:par>
+                              <p:par>
+                                <p:cTn id="8" presetID="10" presetClass="entr" presetSubtype="0" fill="hold" nodeType="withEffect">
+                                  <p:stCondLst>
+                                    <p:cond delay="0"/>
+                                  </p:stCondLst>
+                                  <p:childTnLst>
+                                    <p:set>
+                                      <p:cBhvr>
+                                        <p:cTn id="9" dur="1" fill="hold">
+                                          <p:stCondLst>
+                                            <p:cond delay="0"/>
+                                          </p:stCondLst>
+                                        </p:cTn>
+                                        <p:tgtEl>
+                                          <p:spTgt spid="3">
+                                            <p:txEl>
+                                              <p:pRg st="1" end="1"/>
+                                            </p:txEl>
+                                          </p:spTgt>
+                                        </p:tgtEl>
+                                        <p:attrNameLst>
+                                          <p:attrName>style.visibility</p:attrName>
+                                        </p:attrNameLst>
+                                      </p:cBhvr>
+                                      <p:to>
+                                        <p:strVal val="visible"/>
+                                      </p:to>
+                                    </p:set>
+                                    <p:animEffect transition="in" filter="fade">
+                                      <p:cBhvr>
+                                        <p:cTn id="10" dur="500"/>
+                                        <p:tgtEl>
+                                          <p:spTgt spid="3">
+                                            <p:txEl>
+                                              <p:pRg st="1" end="1"/>
+                                            </p:txEl>
+                                          </p:spTgt>
+                                        </p:tgtEl>
+                                      </p:cBhvr>
+                                    </p:animEffect>
+                                  </p:childTnLst>
+                                </p:cTn>
+                              </p:par>
+                              <p:par>
+                                <p:cTn id="11" presetID="10" presetClass="entr" presetSubtype="0" fill="hold" nodeType="withEffect">
+                                  <p:stCondLst>
+                                    <p:cond delay="0"/>
+                                  </p:stCondLst>
+                                  <p:childTnLst>
+                                    <p:set>
+                                      <p:cBhvr>
+                                        <p:cTn id="12" dur="1" fill="hold">
+                                          <p:stCondLst>
+                                            <p:cond delay="0"/>
+                                          </p:stCondLst>
+                                        </p:cTn>
+                                        <p:tgtEl>
+                                          <p:spTgt spid="3">
+                                            <p:txEl>
+                                              <p:pRg st="2" end="2"/>
+                                            </p:txEl>
+                                          </p:spTgt>
+                                        </p:tgtEl>
+                                        <p:attrNameLst>
+                                          <p:attrName>style.visibility</p:attrName>
+                                        </p:attrNameLst>
+                                      </p:cBhvr>
+                                      <p:to>
+                                        <p:strVal val="visible"/>
+                                      </p:to>
+                                    </p:set>
+                                    <p:animEffect transition="in" filter="fade">
+                                      <p:cBhvr>
+                                        <p:cTn id="13" dur="500"/>
+                                        <p:tgtEl>
+                                          <p:spTgt spid="3">
+                                            <p:txEl>
+                                              <p:pRg st="2" end="2"/>
+                                            </p:txEl>
+                                          </p:spTgt>
+                                        </p:tgtEl>
+                                      </p:cBhvr>
+                                    </p:animEffect>
+                                  </p:childTnLst>
+                                </p:cTn>
+                              </p:par>
+                            </p:childTnLst>
+                          </p:cTn>
+                        </p:par>
+                      </p:childTnLst>
+                    </p:cTn>
+                  </p:par>
+                </p:childTnLst>
+              </p:cTn>
+              <p:prevCondLst>
+                <p:cond evt="onPrev" delay="0">
+                  <p:tgtEl>
+                    <p:sldTgt/>
+                  </p:tgtEl>
+                </p:cond>
+              </p:prevCondLst>
+              <p:nextCondLst>
+                <p:cond evt="onNext" delay="0">
+                  <p:tgtEl>
+                    <p:sldTgt/>
+                  </p:tgtEl>
+                </p:cond>
+              </p:nextCondLst>
+            </p:seq>
+          </p:childTnLst>
+        </p:cTn>
+      </p:par>
+    </p:tnLst>
+  </p:timing>
 </p:sld>
 </file>
 
@@ -5135,7 +6730,7 @@
           <p:cNvPr id="2" name="Title 1">
             <a:extLst>
               <a:ext uri="{FF2B5EF4-FFF2-40B4-BE49-F238E27FC236}">
-                <a16:creationId xmlns:a16="http://schemas.microsoft.com/office/drawing/2014/main" id="{970F2BB3-7543-44AE-B774-2FF4D2CB1F2E}"/>
+                <a16:creationId xmlns:a16="http://schemas.microsoft.com/office/drawing/2014/main" id="{86675BC8-00B9-4232-A836-8936A6769930}"/>
               </a:ext>
             </a:extLst>
           </p:cNvPr>
@@ -5153,7 +6748,7 @@
           <a:p>
             <a:r>
               <a:rPr lang="en-IE" dirty="0"/>
-              <a:t>Design/Refactor React Contexts to access API</a:t>
+              <a:t>Use Context Provider in React App</a:t>
             </a:r>
           </a:p>
         </p:txBody>
@@ -5163,7 +6758,7 @@
           <p:cNvPr id="3" name="Content Placeholder 2">
             <a:extLst>
               <a:ext uri="{FF2B5EF4-FFF2-40B4-BE49-F238E27FC236}">
-                <a16:creationId xmlns:a16="http://schemas.microsoft.com/office/drawing/2014/main" id="{B69F5A2B-43B0-4130-9974-9C9DA6A2CC81}"/>
+                <a16:creationId xmlns:a16="http://schemas.microsoft.com/office/drawing/2014/main" id="{C48AF6A5-C25C-44FF-BE8B-73B43AAA3DBE}"/>
               </a:ext>
             </a:extLst>
           </p:cNvPr>
@@ -5179,23 +6774,16 @@
           <a:bodyPr/>
           <a:lstStyle/>
           <a:p>
-            <a:r>
-              <a:rPr lang="en-IE" dirty="0" err="1"/>
-              <a:t>AuthContext</a:t>
-            </a:r>
-            <a:r>
-              <a:rPr lang="en-IE" dirty="0"/>
-              <a:t>, Movies Context:</a:t>
-            </a:r>
+            <a:endParaRPr lang="en-IE"/>
           </a:p>
         </p:txBody>
       </p:sp>
       <p:pic>
         <p:nvPicPr>
-          <p:cNvPr id="7" name="Picture 6">
-            <a:extLst>
-              <a:ext uri="{FF2B5EF4-FFF2-40B4-BE49-F238E27FC236}">
-                <a16:creationId xmlns:a16="http://schemas.microsoft.com/office/drawing/2014/main" id="{7BBB7333-94A3-456D-BC2C-A906BEAD447D}"/>
+          <p:cNvPr id="4" name="Picture 3">
+            <a:extLst>
+              <a:ext uri="{FF2B5EF4-FFF2-40B4-BE49-F238E27FC236}">
+                <a16:creationId xmlns:a16="http://schemas.microsoft.com/office/drawing/2014/main" id="{48027086-F1DB-48CD-91B0-6D5385F932FB}"/>
               </a:ext>
             </a:extLst>
           </p:cNvPr>
@@ -5212,8 +6800,8 @@
         </p:blipFill>
         <p:spPr>
           <a:xfrm>
-            <a:off x="1212146" y="2438124"/>
-            <a:ext cx="4131491" cy="3873776"/>
+            <a:off x="256592" y="1424507"/>
+            <a:ext cx="6136885" cy="4211281"/>
           </a:xfrm>
           <a:prstGeom prst="rect">
             <a:avLst/>
@@ -5222,10 +6810,10 @@
       </p:pic>
       <p:pic>
         <p:nvPicPr>
-          <p:cNvPr id="10" name="Picture 9">
-            <a:extLst>
-              <a:ext uri="{FF2B5EF4-FFF2-40B4-BE49-F238E27FC236}">
-                <a16:creationId xmlns:a16="http://schemas.microsoft.com/office/drawing/2014/main" id="{33DE20AC-F7B5-4E3B-AD6F-EF3A9FBE7059}"/>
+          <p:cNvPr id="5" name="Picture 4">
+            <a:extLst>
+              <a:ext uri="{FF2B5EF4-FFF2-40B4-BE49-F238E27FC236}">
+                <a16:creationId xmlns:a16="http://schemas.microsoft.com/office/drawing/2014/main" id="{434F632B-87EF-4987-A7B0-FE6B9513D581}"/>
               </a:ext>
             </a:extLst>
           </p:cNvPr>
@@ -5242,18 +6830,72 @@
         </p:blipFill>
         <p:spPr>
           <a:xfrm>
-            <a:off x="5799758" y="2368182"/>
-            <a:ext cx="5668055" cy="4375176"/>
+            <a:off x="4953583" y="2111375"/>
+            <a:ext cx="6981825" cy="4381500"/>
           </a:xfrm>
           <a:prstGeom prst="rect">
             <a:avLst/>
           </a:prstGeom>
         </p:spPr>
       </p:pic>
+      <p:sp>
+        <p:nvSpPr>
+          <p:cNvPr id="6" name="Callout: Line 5">
+            <a:extLst>
+              <a:ext uri="{FF2B5EF4-FFF2-40B4-BE49-F238E27FC236}">
+                <a16:creationId xmlns:a16="http://schemas.microsoft.com/office/drawing/2014/main" id="{AA870C2B-AAD8-4DB5-B638-76B8CDDF8231}"/>
+              </a:ext>
+            </a:extLst>
+          </p:cNvPr>
+          <p:cNvSpPr/>
+          <p:nvPr/>
+        </p:nvSpPr>
+        <p:spPr>
+          <a:xfrm>
+            <a:off x="2381444" y="2937604"/>
+            <a:ext cx="1917018" cy="2127380"/>
+          </a:xfrm>
+          <a:prstGeom prst="borderCallout1">
+            <a:avLst>
+              <a:gd name="adj1" fmla="val 9933"/>
+              <a:gd name="adj2" fmla="val 108392"/>
+              <a:gd name="adj3" fmla="val -27468"/>
+              <a:gd name="adj4" fmla="val 262124"/>
+            </a:avLst>
+          </a:prstGeom>
+        </p:spPr>
+        <p:style>
+          <a:lnRef idx="2">
+            <a:schemeClr val="accent1">
+              <a:shade val="50000"/>
+            </a:schemeClr>
+          </a:lnRef>
+          <a:fillRef idx="1">
+            <a:schemeClr val="accent1"/>
+          </a:fillRef>
+          <a:effectRef idx="0">
+            <a:schemeClr val="accent1"/>
+          </a:effectRef>
+          <a:fontRef idx="minor">
+            <a:schemeClr val="lt1"/>
+          </a:fontRef>
+        </p:style>
+        <p:txBody>
+          <a:bodyPr rtlCol="0" anchor="ctr"/>
+          <a:lstStyle/>
+          <a:p>
+            <a:pPr algn="ctr"/>
+            <a:r>
+              <a:rPr lang="en-IE" dirty="0"/>
+              <a:t>Import context and use it to check authentication status</a:t>
+            </a:r>
+          </a:p>
+        </p:txBody>
+      </p:sp>
     </p:spTree>
     <p:extLst>
       <p:ext uri="{BB962C8B-B14F-4D97-AF65-F5344CB8AC3E}">
-        <p14:creationId xmlns:p14="http://schemas.microsoft.com/office/powerpoint/2010/main" val="62737672"/>
+        <p14:creationId xmlns:p14="http://schemas.microsoft.com/office/powerpoint/2010/main" val="3685511923"/>
       </p:ext>
     </p:extLst>
   </p:cSld>
@@ -5280,68 +6922,12 @@
           <a:chExt cx="0" cy="0"/>
         </a:xfrm>
       </p:grpSpPr>
-      <p:sp>
-        <p:nvSpPr>
-          <p:cNvPr id="2" name="Title 1">
-            <a:extLst>
-              <a:ext uri="{FF2B5EF4-FFF2-40B4-BE49-F238E27FC236}">
-                <a16:creationId xmlns:a16="http://schemas.microsoft.com/office/drawing/2014/main" id="{4C628302-DA4A-4ED6-9820-5E77240A2098}"/>
-              </a:ext>
-            </a:extLst>
-          </p:cNvPr>
-          <p:cNvSpPr>
-            <a:spLocks noGrp="1"/>
-          </p:cNvSpPr>
-          <p:nvPr>
-            <p:ph type="title"/>
-          </p:nvPr>
-        </p:nvSpPr>
-        <p:spPr/>
-        <p:txBody>
-          <a:bodyPr/>
-          <a:lstStyle/>
-          <a:p>
-            <a:r>
-              <a:rPr lang="en-IE" dirty="0"/>
-              <a:t>Update pages to use Contexts</a:t>
-            </a:r>
-          </a:p>
-        </p:txBody>
-      </p:sp>
-      <p:sp>
-        <p:nvSpPr>
-          <p:cNvPr id="3" name="Content Placeholder 2">
-            <a:extLst>
-              <a:ext uri="{FF2B5EF4-FFF2-40B4-BE49-F238E27FC236}">
-                <a16:creationId xmlns:a16="http://schemas.microsoft.com/office/drawing/2014/main" id="{B62C73BB-3294-4D06-A1C1-78D2213271B8}"/>
-              </a:ext>
-            </a:extLst>
-          </p:cNvPr>
-          <p:cNvSpPr>
-            <a:spLocks noGrp="1"/>
-          </p:cNvSpPr>
-          <p:nvPr>
-            <p:ph idx="1"/>
-          </p:nvPr>
-        </p:nvSpPr>
-        <p:spPr/>
-        <p:txBody>
-          <a:bodyPr/>
-          <a:lstStyle/>
-          <a:p>
-            <a:r>
-              <a:rPr lang="en-IE" dirty="0"/>
-              <a:t>Login Page:</a:t>
-            </a:r>
-          </a:p>
-        </p:txBody>
-      </p:sp>
       <p:pic>
         <p:nvPicPr>
-          <p:cNvPr id="7" name="Picture 6">
-            <a:extLst>
-              <a:ext uri="{FF2B5EF4-FFF2-40B4-BE49-F238E27FC236}">
-                <a16:creationId xmlns:a16="http://schemas.microsoft.com/office/drawing/2014/main" id="{8AFD8F00-BEED-47FF-9F6D-0A0F4A57D4CC}"/>
+          <p:cNvPr id="12" name="Picture 11">
+            <a:extLst>
+              <a:ext uri="{FF2B5EF4-FFF2-40B4-BE49-F238E27FC236}">
+                <a16:creationId xmlns:a16="http://schemas.microsoft.com/office/drawing/2014/main" id="{376ADF63-742F-404B-8DE1-DA2663190C14}"/>
               </a:ext>
             </a:extLst>
           </p:cNvPr>
@@ -5351,15 +6937,329 @@
           <p:nvPr/>
         </p:nvPicPr>
         <p:blipFill>
-          <a:blip r:embed="rId2"/>
+          <a:blip r:embed="rId3"/>
           <a:stretch>
             <a:fillRect/>
           </a:stretch>
         </p:blipFill>
         <p:spPr>
           <a:xfrm>
-            <a:off x="1018136" y="2491581"/>
-            <a:ext cx="7387112" cy="3469207"/>
+            <a:off x="336883" y="4947921"/>
+            <a:ext cx="5362575" cy="1104900"/>
+          </a:xfrm>
+          <a:prstGeom prst="rect">
+            <a:avLst/>
+          </a:prstGeom>
+        </p:spPr>
+      </p:pic>
+      <p:sp>
+        <p:nvSpPr>
+          <p:cNvPr id="2" name="Title 1">
+            <a:extLst>
+              <a:ext uri="{FF2B5EF4-FFF2-40B4-BE49-F238E27FC236}">
+                <a16:creationId xmlns:a16="http://schemas.microsoft.com/office/drawing/2014/main" id="{08420261-C22D-4536-8587-F743AC4691DE}"/>
+              </a:ext>
+            </a:extLst>
+          </p:cNvPr>
+          <p:cNvSpPr>
+            <a:spLocks noGrp="1"/>
+          </p:cNvSpPr>
+          <p:nvPr>
+            <p:ph type="title"/>
+          </p:nvPr>
+        </p:nvSpPr>
+        <p:spPr>
+          <a:xfrm>
+            <a:off x="821516" y="640263"/>
+            <a:ext cx="6204984" cy="1344975"/>
+          </a:xfrm>
+        </p:spPr>
+        <p:txBody>
+          <a:bodyPr>
+            <a:normAutofit/>
+          </a:bodyPr>
+          <a:lstStyle/>
+          <a:p>
+            <a:r>
+              <a:rPr lang="en-US" sz="4000" dirty="0"/>
+              <a:t>Login/Register Component</a:t>
+            </a:r>
+          </a:p>
+        </p:txBody>
+      </p:sp>
+      <p:sp>
+        <p:nvSpPr>
+          <p:cNvPr id="3" name="Content Placeholder 2">
+            <a:extLst>
+              <a:ext uri="{FF2B5EF4-FFF2-40B4-BE49-F238E27FC236}">
+                <a16:creationId xmlns:a16="http://schemas.microsoft.com/office/drawing/2014/main" id="{BCCF9D73-17A1-4DDD-88D3-3D556D7A203A}"/>
+              </a:ext>
+            </a:extLst>
+          </p:cNvPr>
+          <p:cNvSpPr>
+            <a:spLocks noGrp="1"/>
+          </p:cNvSpPr>
+          <p:nvPr>
+            <p:ph idx="1"/>
+          </p:nvPr>
+        </p:nvSpPr>
+        <p:spPr>
+          <a:xfrm>
+            <a:off x="821515" y="2121762"/>
+            <a:ext cx="6498060" cy="3626917"/>
+          </a:xfrm>
+        </p:spPr>
+        <p:txBody>
+          <a:bodyPr vert="horz" lIns="91440" tIns="45720" rIns="91440" bIns="45720" rtlCol="0" anchor="t">
+            <a:normAutofit/>
+          </a:bodyPr>
+          <a:lstStyle/>
+          <a:p>
+            <a:r>
+              <a:rPr lang="en-US" sz="2400" dirty="0">
+                <a:cs typeface="Calibri"/>
+              </a:rPr>
+              <a:t>Add to App router (in index.js)</a:t>
+            </a:r>
+            <a:endParaRPr lang="en-US" dirty="0">
+              <a:cs typeface="Calibri"/>
+            </a:endParaRPr>
+          </a:p>
+          <a:p>
+            <a:endParaRPr lang="en-US" sz="2400" dirty="0">
+              <a:cs typeface="Calibri"/>
+            </a:endParaRPr>
+          </a:p>
+        </p:txBody>
+      </p:sp>
+      <p:sp>
+        <p:nvSpPr>
+          <p:cNvPr id="18" name="Rectangle: Rounded Corners 17">
+            <a:extLst>
+              <a:ext uri="{FF2B5EF4-FFF2-40B4-BE49-F238E27FC236}">
+                <a16:creationId xmlns:a16="http://schemas.microsoft.com/office/drawing/2014/main" id="{DDB29987-D745-4492-B76E-6F9D37EBCC16}"/>
+              </a:ext>
+            </a:extLst>
+          </p:cNvPr>
+          <p:cNvSpPr/>
+          <p:nvPr/>
+        </p:nvSpPr>
+        <p:spPr>
+          <a:xfrm>
+            <a:off x="336883" y="5370439"/>
+            <a:ext cx="4706200" cy="514763"/>
+          </a:xfrm>
+          <a:prstGeom prst="roundRect">
+            <a:avLst/>
+          </a:prstGeom>
+          <a:noFill/>
+          <a:ln w="28575">
+            <a:solidFill>
+              <a:srgbClr val="FF0000"/>
+            </a:solidFill>
+          </a:ln>
+        </p:spPr>
+        <p:style>
+          <a:lnRef idx="2">
+            <a:schemeClr val="accent1">
+              <a:shade val="50000"/>
+            </a:schemeClr>
+          </a:lnRef>
+          <a:fillRef idx="1">
+            <a:schemeClr val="accent1"/>
+          </a:fillRef>
+          <a:effectRef idx="0">
+            <a:schemeClr val="accent1"/>
+          </a:effectRef>
+          <a:fontRef idx="minor">
+            <a:schemeClr val="lt1"/>
+          </a:fontRef>
+        </p:style>
+        <p:txBody>
+          <a:bodyPr rtlCol="0" anchor="ctr"/>
+          <a:lstStyle/>
+          <a:p>
+            <a:pPr algn="ctr"/>
+            <a:endParaRPr lang="en-US"/>
+          </a:p>
+        </p:txBody>
+      </p:sp>
+      <p:sp>
+        <p:nvSpPr>
+          <p:cNvPr id="11" name="Arrow: Down 10">
+            <a:extLst>
+              <a:ext uri="{FF2B5EF4-FFF2-40B4-BE49-F238E27FC236}">
+                <a16:creationId xmlns:a16="http://schemas.microsoft.com/office/drawing/2014/main" id="{25F1D0C1-B976-45E8-825D-5352D80C5DC3}"/>
+              </a:ext>
+            </a:extLst>
+          </p:cNvPr>
+          <p:cNvSpPr/>
+          <p:nvPr/>
+        </p:nvSpPr>
+        <p:spPr>
+          <a:xfrm>
+            <a:off x="9431676" y="3543337"/>
+            <a:ext cx="588818" cy="297873"/>
+          </a:xfrm>
+          <a:prstGeom prst="downArrow">
+            <a:avLst/>
+          </a:prstGeom>
+        </p:spPr>
+        <p:style>
+          <a:lnRef idx="2">
+            <a:schemeClr val="accent1">
+              <a:shade val="50000"/>
+            </a:schemeClr>
+          </a:lnRef>
+          <a:fillRef idx="1">
+            <a:schemeClr val="accent1"/>
+          </a:fillRef>
+          <a:effectRef idx="0">
+            <a:schemeClr val="accent1"/>
+          </a:effectRef>
+          <a:fontRef idx="minor">
+            <a:schemeClr val="lt1"/>
+          </a:fontRef>
+        </p:style>
+        <p:txBody>
+          <a:bodyPr rtlCol="0" anchor="ctr"/>
+          <a:lstStyle/>
+          <a:p>
+            <a:pPr algn="ctr"/>
+            <a:endParaRPr lang="en-IE"/>
+          </a:p>
+        </p:txBody>
+      </p:sp>
+      <p:sp>
+        <p:nvSpPr>
+          <p:cNvPr id="14" name="Arrow: Down 13">
+            <a:extLst>
+              <a:ext uri="{FF2B5EF4-FFF2-40B4-BE49-F238E27FC236}">
+                <a16:creationId xmlns:a16="http://schemas.microsoft.com/office/drawing/2014/main" id="{1365E3FB-906E-4B1F-9530-BF1121C8D262}"/>
+              </a:ext>
+            </a:extLst>
+          </p:cNvPr>
+          <p:cNvSpPr/>
+          <p:nvPr/>
+        </p:nvSpPr>
+        <p:spPr>
+          <a:xfrm rot="16200000">
+            <a:off x="6678282" y="4652345"/>
+            <a:ext cx="588818" cy="1297963"/>
+          </a:xfrm>
+          <a:prstGeom prst="downArrow">
+            <a:avLst/>
+          </a:prstGeom>
+        </p:spPr>
+        <p:style>
+          <a:lnRef idx="2">
+            <a:schemeClr val="accent1">
+              <a:shade val="50000"/>
+            </a:schemeClr>
+          </a:lnRef>
+          <a:fillRef idx="1">
+            <a:schemeClr val="accent1"/>
+          </a:fillRef>
+          <a:effectRef idx="0">
+            <a:schemeClr val="accent1"/>
+          </a:effectRef>
+          <a:fontRef idx="minor">
+            <a:schemeClr val="lt1"/>
+          </a:fontRef>
+        </p:style>
+        <p:txBody>
+          <a:bodyPr rtlCol="0" anchor="ctr"/>
+          <a:lstStyle/>
+          <a:p>
+            <a:pPr algn="ctr"/>
+            <a:endParaRPr lang="en-IE"/>
+          </a:p>
+        </p:txBody>
+      </p:sp>
+      <p:pic>
+        <p:nvPicPr>
+          <p:cNvPr id="5" name="Picture 4">
+            <a:extLst>
+              <a:ext uri="{FF2B5EF4-FFF2-40B4-BE49-F238E27FC236}">
+                <a16:creationId xmlns:a16="http://schemas.microsoft.com/office/drawing/2014/main" id="{25D0F621-A48C-44AF-99F6-C36000410D40}"/>
+              </a:ext>
+            </a:extLst>
+          </p:cNvPr>
+          <p:cNvPicPr>
+            <a:picLocks noChangeAspect="1"/>
+          </p:cNvPicPr>
+          <p:nvPr/>
+        </p:nvPicPr>
+        <p:blipFill>
+          <a:blip r:embed="rId4"/>
+          <a:stretch>
+            <a:fillRect/>
+          </a:stretch>
+        </p:blipFill>
+        <p:spPr>
+          <a:xfrm>
+            <a:off x="8278047" y="3854611"/>
+            <a:ext cx="3092438" cy="3003389"/>
+          </a:xfrm>
+          <a:prstGeom prst="rect">
+            <a:avLst/>
+          </a:prstGeom>
+        </p:spPr>
+      </p:pic>
+      <p:pic>
+        <p:nvPicPr>
+          <p:cNvPr id="7" name="Picture 6">
+            <a:extLst>
+              <a:ext uri="{FF2B5EF4-FFF2-40B4-BE49-F238E27FC236}">
+                <a16:creationId xmlns:a16="http://schemas.microsoft.com/office/drawing/2014/main" id="{E9EA660F-E9BD-4E02-B605-B79560149E48}"/>
+              </a:ext>
+            </a:extLst>
+          </p:cNvPr>
+          <p:cNvPicPr>
+            <a:picLocks noChangeAspect="1"/>
+          </p:cNvPicPr>
+          <p:nvPr/>
+        </p:nvPicPr>
+        <p:blipFill>
+          <a:blip r:embed="rId5"/>
+          <a:stretch>
+            <a:fillRect/>
+          </a:stretch>
+        </p:blipFill>
+        <p:spPr>
+          <a:xfrm>
+            <a:off x="8208239" y="147559"/>
+            <a:ext cx="3232053" cy="3395778"/>
+          </a:xfrm>
+          <a:prstGeom prst="rect">
+            <a:avLst/>
+          </a:prstGeom>
+        </p:spPr>
+      </p:pic>
+      <p:pic>
+        <p:nvPicPr>
+          <p:cNvPr id="9" name="Picture 8">
+            <a:extLst>
+              <a:ext uri="{FF2B5EF4-FFF2-40B4-BE49-F238E27FC236}">
+                <a16:creationId xmlns:a16="http://schemas.microsoft.com/office/drawing/2014/main" id="{A91D59F6-EFCD-4980-97E9-0992CE249291}"/>
+              </a:ext>
+            </a:extLst>
+          </p:cNvPr>
+          <p:cNvPicPr>
+            <a:picLocks noChangeAspect="1"/>
+          </p:cNvPicPr>
+          <p:nvPr/>
+        </p:nvPicPr>
+        <p:blipFill>
+          <a:blip r:embed="rId6"/>
+          <a:stretch>
+            <a:fillRect/>
+          </a:stretch>
+        </p:blipFill>
+        <p:spPr>
+          <a:xfrm>
+            <a:off x="518708" y="4177127"/>
+            <a:ext cx="4524375" cy="476250"/>
           </a:xfrm>
           <a:prstGeom prst="rect">
             <a:avLst/>
@@ -5369,7 +7269,433 @@
     </p:spTree>
     <p:extLst>
       <p:ext uri="{BB962C8B-B14F-4D97-AF65-F5344CB8AC3E}">
-        <p14:creationId xmlns:p14="http://schemas.microsoft.com/office/powerpoint/2010/main" val="4001684611"/>
+        <p14:creationId xmlns:p14="http://schemas.microsoft.com/office/powerpoint/2010/main" val="4180929052"/>
+      </p:ext>
+    </p:extLst>
+  </p:cSld>
+  <p:clrMapOvr>
+    <a:masterClrMapping/>
+  </p:clrMapOvr>
+  <p:timing>
+    <p:tnLst>
+      <p:par>
+        <p:cTn id="1" dur="indefinite" restart="never" nodeType="tmRoot">
+          <p:childTnLst>
+            <p:seq concurrent="1" nextAc="seek">
+              <p:cTn id="2" dur="indefinite" nodeType="mainSeq">
+                <p:childTnLst>
+                  <p:par>
+                    <p:cTn id="3" fill="hold">
+                      <p:stCondLst>
+                        <p:cond delay="indefinite"/>
+                      </p:stCondLst>
+                      <p:childTnLst>
+                        <p:par>
+                          <p:cTn id="4" fill="hold">
+                            <p:stCondLst>
+                              <p:cond delay="0"/>
+                            </p:stCondLst>
+                            <p:childTnLst>
+                              <p:par>
+                                <p:cTn id="5" presetID="10" presetClass="entr" presetSubtype="0" fill="hold" nodeType="clickEffect">
+                                  <p:stCondLst>
+                                    <p:cond delay="0"/>
+                                  </p:stCondLst>
+                                  <p:childTnLst>
+                                    <p:set>
+                                      <p:cBhvr>
+                                        <p:cTn id="6" dur="1" fill="hold">
+                                          <p:stCondLst>
+                                            <p:cond delay="0"/>
+                                          </p:stCondLst>
+                                        </p:cTn>
+                                        <p:tgtEl>
+                                          <p:spTgt spid="3">
+                                            <p:txEl>
+                                              <p:pRg st="0" end="0"/>
+                                            </p:txEl>
+                                          </p:spTgt>
+                                        </p:tgtEl>
+                                        <p:attrNameLst>
+                                          <p:attrName>style.visibility</p:attrName>
+                                        </p:attrNameLst>
+                                      </p:cBhvr>
+                                      <p:to>
+                                        <p:strVal val="visible"/>
+                                      </p:to>
+                                    </p:set>
+                                    <p:animEffect transition="in" filter="fade">
+                                      <p:cBhvr>
+                                        <p:cTn id="7" dur="500"/>
+                                        <p:tgtEl>
+                                          <p:spTgt spid="3">
+                                            <p:txEl>
+                                              <p:pRg st="0" end="0"/>
+                                            </p:txEl>
+                                          </p:spTgt>
+                                        </p:tgtEl>
+                                      </p:cBhvr>
+                                    </p:animEffect>
+                                  </p:childTnLst>
+                                </p:cTn>
+                              </p:par>
+                              <p:par>
+                                <p:cTn id="8" presetID="10" presetClass="entr" presetSubtype="0" fill="hold" grpId="0" nodeType="withEffect">
+                                  <p:stCondLst>
+                                    <p:cond delay="0"/>
+                                  </p:stCondLst>
+                                  <p:childTnLst>
+                                    <p:set>
+                                      <p:cBhvr>
+                                        <p:cTn id="9" dur="1" fill="hold">
+                                          <p:stCondLst>
+                                            <p:cond delay="0"/>
+                                          </p:stCondLst>
+                                        </p:cTn>
+                                        <p:tgtEl>
+                                          <p:spTgt spid="18"/>
+                                        </p:tgtEl>
+                                        <p:attrNameLst>
+                                          <p:attrName>style.visibility</p:attrName>
+                                        </p:attrNameLst>
+                                      </p:cBhvr>
+                                      <p:to>
+                                        <p:strVal val="visible"/>
+                                      </p:to>
+                                    </p:set>
+                                    <p:animEffect transition="in" filter="fade">
+                                      <p:cBhvr>
+                                        <p:cTn id="10" dur="500"/>
+                                        <p:tgtEl>
+                                          <p:spTgt spid="18"/>
+                                        </p:tgtEl>
+                                      </p:cBhvr>
+                                    </p:animEffect>
+                                  </p:childTnLst>
+                                </p:cTn>
+                              </p:par>
+                            </p:childTnLst>
+                          </p:cTn>
+                        </p:par>
+                      </p:childTnLst>
+                    </p:cTn>
+                  </p:par>
+                  <p:par>
+                    <p:cTn id="11" fill="hold">
+                      <p:stCondLst>
+                        <p:cond delay="indefinite"/>
+                      </p:stCondLst>
+                      <p:childTnLst>
+                        <p:par>
+                          <p:cTn id="12" fill="hold">
+                            <p:stCondLst>
+                              <p:cond delay="0"/>
+                            </p:stCondLst>
+                            <p:childTnLst>
+                              <p:par>
+                                <p:cTn id="13" presetID="10" presetClass="entr" presetSubtype="0" fill="hold" grpId="0" nodeType="clickEffect">
+                                  <p:stCondLst>
+                                    <p:cond delay="0"/>
+                                  </p:stCondLst>
+                                  <p:childTnLst>
+                                    <p:set>
+                                      <p:cBhvr>
+                                        <p:cTn id="14" dur="1" fill="hold">
+                                          <p:stCondLst>
+                                            <p:cond delay="0"/>
+                                          </p:stCondLst>
+                                        </p:cTn>
+                                        <p:tgtEl>
+                                          <p:spTgt spid="14"/>
+                                        </p:tgtEl>
+                                        <p:attrNameLst>
+                                          <p:attrName>style.visibility</p:attrName>
+                                        </p:attrNameLst>
+                                      </p:cBhvr>
+                                      <p:to>
+                                        <p:strVal val="visible"/>
+                                      </p:to>
+                                    </p:set>
+                                    <p:animEffect transition="in" filter="fade">
+                                      <p:cBhvr>
+                                        <p:cTn id="15" dur="500"/>
+                                        <p:tgtEl>
+                                          <p:spTgt spid="14"/>
+                                        </p:tgtEl>
+                                      </p:cBhvr>
+                                    </p:animEffect>
+                                  </p:childTnLst>
+                                </p:cTn>
+                              </p:par>
+                              <p:par>
+                                <p:cTn id="16" presetID="10" presetClass="entr" presetSubtype="0" fill="hold" grpId="0" nodeType="withEffect">
+                                  <p:stCondLst>
+                                    <p:cond delay="0"/>
+                                  </p:stCondLst>
+                                  <p:childTnLst>
+                                    <p:set>
+                                      <p:cBhvr>
+                                        <p:cTn id="17" dur="1" fill="hold">
+                                          <p:stCondLst>
+                                            <p:cond delay="0"/>
+                                          </p:stCondLst>
+                                        </p:cTn>
+                                        <p:tgtEl>
+                                          <p:spTgt spid="11"/>
+                                        </p:tgtEl>
+                                        <p:attrNameLst>
+                                          <p:attrName>style.visibility</p:attrName>
+                                        </p:attrNameLst>
+                                      </p:cBhvr>
+                                      <p:to>
+                                        <p:strVal val="visible"/>
+                                      </p:to>
+                                    </p:set>
+                                    <p:animEffect transition="in" filter="fade">
+                                      <p:cBhvr>
+                                        <p:cTn id="18" dur="500"/>
+                                        <p:tgtEl>
+                                          <p:spTgt spid="11"/>
+                                        </p:tgtEl>
+                                      </p:cBhvr>
+                                    </p:animEffect>
+                                  </p:childTnLst>
+                                </p:cTn>
+                              </p:par>
+                            </p:childTnLst>
+                          </p:cTn>
+                        </p:par>
+                      </p:childTnLst>
+                    </p:cTn>
+                  </p:par>
+                </p:childTnLst>
+              </p:cTn>
+              <p:prevCondLst>
+                <p:cond evt="onPrev" delay="0">
+                  <p:tgtEl>
+                    <p:sldTgt/>
+                  </p:tgtEl>
+                </p:cond>
+              </p:prevCondLst>
+              <p:nextCondLst>
+                <p:cond evt="onNext" delay="0">
+                  <p:tgtEl>
+                    <p:sldTgt/>
+                  </p:tgtEl>
+                </p:cond>
+              </p:nextCondLst>
+            </p:seq>
+          </p:childTnLst>
+        </p:cTn>
+      </p:par>
+    </p:tnLst>
+    <p:bldLst>
+      <p:bldP spid="18" grpId="0" animBg="1"/>
+      <p:bldP spid="11" grpId="0" animBg="1"/>
+      <p:bldP spid="14" grpId="0" animBg="1"/>
+    </p:bldLst>
+  </p:timing>
+</p:sld>
+</file>
+
+<file path=ppt/slides/slide8.xml><?xml version="1.0" encoding="utf-8"?>
+<p:sld xmlns:a="http://schemas.openxmlformats.org/drawingml/2006/main" xmlns:r="http://schemas.openxmlformats.org/officeDocument/2006/relationships" xmlns:p="http://schemas.openxmlformats.org/presentationml/2006/main">
+  <p:cSld>
+    <p:spTree>
+      <p:nvGrpSpPr>
+        <p:cNvPr id="1" name=""/>
+        <p:cNvGrpSpPr/>
+        <p:nvPr/>
+      </p:nvGrpSpPr>
+      <p:grpSpPr>
+        <a:xfrm>
+          <a:off x="0" y="0"/>
+          <a:ext cx="0" cy="0"/>
+          <a:chOff x="0" y="0"/>
+          <a:chExt cx="0" cy="0"/>
+        </a:xfrm>
+      </p:grpSpPr>
+      <p:sp>
+        <p:nvSpPr>
+          <p:cNvPr id="2" name="Title 1">
+            <a:extLst>
+              <a:ext uri="{FF2B5EF4-FFF2-40B4-BE49-F238E27FC236}">
+                <a16:creationId xmlns:a16="http://schemas.microsoft.com/office/drawing/2014/main" id="{A073572A-92D6-4054-9242-6AF4A240583E}"/>
+              </a:ext>
+            </a:extLst>
+          </p:cNvPr>
+          <p:cNvSpPr>
+            <a:spLocks noGrp="1"/>
+          </p:cNvSpPr>
+          <p:nvPr>
+            <p:ph type="title"/>
+          </p:nvPr>
+        </p:nvSpPr>
+        <p:spPr/>
+        <p:txBody>
+          <a:bodyPr/>
+          <a:lstStyle/>
+          <a:p>
+            <a:r>
+              <a:rPr lang="en-IE" dirty="0"/>
+              <a:t>Integrating API into React App</a:t>
+            </a:r>
+          </a:p>
+        </p:txBody>
+      </p:sp>
+      <p:sp>
+        <p:nvSpPr>
+          <p:cNvPr id="3" name="Text Placeholder 2">
+            <a:extLst>
+              <a:ext uri="{FF2B5EF4-FFF2-40B4-BE49-F238E27FC236}">
+                <a16:creationId xmlns:a16="http://schemas.microsoft.com/office/drawing/2014/main" id="{64FFCE2C-0EEF-44E1-ACAF-0987929086EC}"/>
+              </a:ext>
+            </a:extLst>
+          </p:cNvPr>
+          <p:cNvSpPr>
+            <a:spLocks noGrp="1"/>
+          </p:cNvSpPr>
+          <p:nvPr>
+            <p:ph type="body" idx="1"/>
+          </p:nvPr>
+        </p:nvSpPr>
+        <p:spPr/>
+        <p:txBody>
+          <a:bodyPr/>
+          <a:lstStyle/>
+          <a:p>
+            <a:endParaRPr lang="en-IE"/>
+          </a:p>
+        </p:txBody>
+      </p:sp>
+    </p:spTree>
+    <p:extLst>
+      <p:ext uri="{BB962C8B-B14F-4D97-AF65-F5344CB8AC3E}">
+        <p14:creationId xmlns:p14="http://schemas.microsoft.com/office/powerpoint/2010/main" val="3950858713"/>
+      </p:ext>
+    </p:extLst>
+  </p:cSld>
+  <p:clrMapOvr>
+    <a:masterClrMapping/>
+  </p:clrMapOvr>
+</p:sld>
+</file>
+
+<file path=ppt/slides/slide9.xml><?xml version="1.0" encoding="utf-8"?>
+<p:sld xmlns:a="http://schemas.openxmlformats.org/drawingml/2006/main" xmlns:r="http://schemas.openxmlformats.org/officeDocument/2006/relationships" xmlns:p="http://schemas.openxmlformats.org/presentationml/2006/main">
+  <p:cSld>
+    <p:spTree>
+      <p:nvGrpSpPr>
+        <p:cNvPr id="1" name=""/>
+        <p:cNvGrpSpPr/>
+        <p:nvPr/>
+      </p:nvGrpSpPr>
+      <p:grpSpPr>
+        <a:xfrm>
+          <a:off x="0" y="0"/>
+          <a:ext cx="0" cy="0"/>
+          <a:chOff x="0" y="0"/>
+          <a:chExt cx="0" cy="0"/>
+        </a:xfrm>
+      </p:grpSpPr>
+      <p:sp>
+        <p:nvSpPr>
+          <p:cNvPr id="2" name="Title 1">
+            <a:extLst>
+              <a:ext uri="{FF2B5EF4-FFF2-40B4-BE49-F238E27FC236}">
+                <a16:creationId xmlns:a16="http://schemas.microsoft.com/office/drawing/2014/main" id="{24D248DB-9DCF-472D-B6CE-1FD6D16BB204}"/>
+              </a:ext>
+            </a:extLst>
+          </p:cNvPr>
+          <p:cNvSpPr>
+            <a:spLocks noGrp="1"/>
+          </p:cNvSpPr>
+          <p:nvPr>
+            <p:ph type="title"/>
+          </p:nvPr>
+        </p:nvSpPr>
+        <p:spPr/>
+        <p:txBody>
+          <a:bodyPr/>
+          <a:lstStyle/>
+          <a:p>
+            <a:r>
+              <a:rPr lang="en-IE" dirty="0"/>
+              <a:t>Agenda</a:t>
+            </a:r>
+          </a:p>
+        </p:txBody>
+      </p:sp>
+      <p:sp>
+        <p:nvSpPr>
+          <p:cNvPr id="3" name="Content Placeholder 2">
+            <a:extLst>
+              <a:ext uri="{FF2B5EF4-FFF2-40B4-BE49-F238E27FC236}">
+                <a16:creationId xmlns:a16="http://schemas.microsoft.com/office/drawing/2014/main" id="{09F7A63A-C699-4D39-9865-A5BBF8733C3E}"/>
+              </a:ext>
+            </a:extLst>
+          </p:cNvPr>
+          <p:cNvSpPr>
+            <a:spLocks noGrp="1"/>
+          </p:cNvSpPr>
+          <p:nvPr>
+            <p:ph idx="1"/>
+          </p:nvPr>
+        </p:nvSpPr>
+        <p:spPr/>
+        <p:txBody>
+          <a:bodyPr/>
+          <a:lstStyle/>
+          <a:p>
+            <a:r>
+              <a:rPr lang="en-IE" dirty="0"/>
+              <a:t>Review API Design</a:t>
+            </a:r>
+          </a:p>
+          <a:p>
+            <a:r>
+              <a:rPr lang="en-IE" dirty="0"/>
+              <a:t>Develop front end API Module</a:t>
+            </a:r>
+          </a:p>
+          <a:p>
+            <a:pPr lvl="1"/>
+            <a:r>
+              <a:rPr lang="en-IE" dirty="0"/>
+              <a:t>Endpoint</a:t>
+            </a:r>
+          </a:p>
+          <a:p>
+            <a:pPr lvl="1"/>
+            <a:r>
+              <a:rPr lang="en-IE" dirty="0"/>
+              <a:t>Routes</a:t>
+            </a:r>
+          </a:p>
+          <a:p>
+            <a:r>
+              <a:rPr lang="en-IE" dirty="0"/>
+              <a:t>React Authentication Context</a:t>
+            </a:r>
+          </a:p>
+          <a:p>
+            <a:r>
+              <a:rPr lang="en-IE" dirty="0"/>
+              <a:t>React Login/Registration Page</a:t>
+            </a:r>
+          </a:p>
+          <a:p>
+            <a:endParaRPr lang="en-IE" dirty="0"/>
+          </a:p>
+          <a:p>
+            <a:endParaRPr lang="en-IE" dirty="0"/>
+          </a:p>
+        </p:txBody>
+      </p:sp>
+    </p:spTree>
+    <p:extLst>
+      <p:ext uri="{BB962C8B-B14F-4D97-AF65-F5344CB8AC3E}">
+        <p14:creationId xmlns:p14="http://schemas.microsoft.com/office/powerpoint/2010/main" val="2608539944"/>
       </p:ext>
     </p:extLst>
   </p:cSld>
@@ -5578,4 +7904,299 @@
     </a:ext>
   </a:extLst>
 </a:theme>
+</file>
+
+<file path=ppt/theme/theme2.xml><?xml version="1.0" encoding="utf-8"?>
+<a:theme xmlns:a="http://schemas.openxmlformats.org/drawingml/2006/main" name="Office Theme">
+  <a:themeElements>
+    <a:clrScheme name="Office">
+      <a:dk1>
+        <a:sysClr val="windowText" lastClr="000000"/>
+      </a:dk1>
+      <a:lt1>
+        <a:sysClr val="window" lastClr="FFFFFF"/>
+      </a:lt1>
+      <a:dk2>
+        <a:srgbClr val="44546A"/>
+      </a:dk2>
+      <a:lt2>
+        <a:srgbClr val="E7E6E6"/>
+      </a:lt2>
+      <a:accent1>
+        <a:srgbClr val="4472C4"/>
+      </a:accent1>
+      <a:accent2>
+        <a:srgbClr val="ED7D31"/>
+      </a:accent2>
+      <a:accent3>
+        <a:srgbClr val="A5A5A5"/>
+      </a:accent3>
+      <a:accent4>
+        <a:srgbClr val="FFC000"/>
+      </a:accent4>
+      <a:accent5>
+        <a:srgbClr val="5B9BD5"/>
+      </a:accent5>
+      <a:accent6>
+        <a:srgbClr val="70AD47"/>
+      </a:accent6>
+      <a:hlink>
+        <a:srgbClr val="0563C1"/>
+      </a:hlink>
+      <a:folHlink>
+        <a:srgbClr val="954F72"/>
+      </a:folHlink>
+    </a:clrScheme>
+    <a:fontScheme name="Office">
+      <a:majorFont>
+        <a:latin typeface="Calibri Light" panose="020F0302020204030204"/>
+        <a:ea typeface=""/>
+        <a:cs typeface=""/>
+        <a:font script="Jpan" typeface="游ゴシック Light"/>
+        <a:font script="Hang" typeface="맑은 고딕"/>
+        <a:font script="Hans" typeface="等线 Light"/>
+        <a:font script="Hant" typeface="新細明體"/>
+        <a:font script="Arab" typeface="Times New Roman"/>
+        <a:font script="Hebr" typeface="Times New Roman"/>
+        <a:font script="Thai" typeface="Angsana New"/>
+        <a:font script="Ethi" typeface="Nyala"/>
+        <a:font script="Beng" typeface="Vrinda"/>
+        <a:font script="Gujr" typeface="Shruti"/>
+        <a:font script="Khmr" typeface="MoolBoran"/>
+        <a:font script="Knda" typeface="Tunga"/>
+        <a:font script="Guru" typeface="Raavi"/>
+        <a:font script="Cans" typeface="Euphemia"/>
+        <a:font script="Cher" typeface="Plantagenet Cherokee"/>
+        <a:font script="Yiii" typeface="Microsoft Yi Baiti"/>
+        <a:font script="Tibt" typeface="Microsoft Himalaya"/>
+        <a:font script="Thaa" typeface="MV Boli"/>
+        <a:font script="Deva" typeface="Mangal"/>
+        <a:font script="Telu" typeface="Gautami"/>
+        <a:font script="Taml" typeface="Latha"/>
+        <a:font script="Syrc" typeface="Estrangelo Edessa"/>
+        <a:font script="Orya" typeface="Kalinga"/>
+        <a:font script="Mlym" typeface="Kartika"/>
+        <a:font script="Laoo" typeface="DokChampa"/>
+        <a:font script="Sinh" typeface="Iskoola Pota"/>
+        <a:font script="Mong" typeface="Mongolian Baiti"/>
+        <a:font script="Viet" typeface="Times New Roman"/>
+        <a:font script="Uigh" typeface="Microsoft Uighur"/>
+        <a:font script="Geor" typeface="Sylfaen"/>
+        <a:font script="Armn" typeface="Arial"/>
+        <a:font script="Bugi" typeface="Leelawadee UI"/>
+        <a:font script="Bopo" typeface="Microsoft JhengHei"/>
+        <a:font script="Java" typeface="Javanese Text"/>
+        <a:font script="Lisu" typeface="Segoe UI"/>
+        <a:font script="Mymr" typeface="Myanmar Text"/>
+        <a:font script="Nkoo" typeface="Ebrima"/>
+        <a:font script="Olck" typeface="Nirmala UI"/>
+        <a:font script="Osma" typeface="Ebrima"/>
+        <a:font script="Phag" typeface="Phagspa"/>
+        <a:font script="Syrn" typeface="Estrangelo Edessa"/>
+        <a:font script="Syrj" typeface="Estrangelo Edessa"/>
+        <a:font script="Syre" typeface="Estrangelo Edessa"/>
+        <a:font script="Sora" typeface="Nirmala UI"/>
+        <a:font script="Tale" typeface="Microsoft Tai Le"/>
+        <a:font script="Talu" typeface="Microsoft New Tai Lue"/>
+        <a:font script="Tfng" typeface="Ebrima"/>
+      </a:majorFont>
+      <a:minorFont>
+        <a:latin typeface="Calibri" panose="020F0502020204030204"/>
+        <a:ea typeface=""/>
+        <a:cs typeface=""/>
+        <a:font script="Jpan" typeface="游ゴシック"/>
+        <a:font script="Hang" typeface="맑은 고딕"/>
+        <a:font script="Hans" typeface="等线"/>
+        <a:font script="Hant" typeface="新細明體"/>
+        <a:font script="Arab" typeface="Arial"/>
+        <a:font script="Hebr" typeface="Arial"/>
+        <a:font script="Thai" typeface="Cordia New"/>
+        <a:font script="Ethi" typeface="Nyala"/>
+        <a:font script="Beng" typeface="Vrinda"/>
+        <a:font script="Gujr" typeface="Shruti"/>
+        <a:font script="Khmr" typeface="DaunPenh"/>
+        <a:font script="Knda" typeface="Tunga"/>
+        <a:font script="Guru" typeface="Raavi"/>
+        <a:font script="Cans" typeface="Euphemia"/>
+        <a:font script="Cher" typeface="Plantagenet Cherokee"/>
+        <a:font script="Yiii" typeface="Microsoft Yi Baiti"/>
+        <a:font script="Tibt" typeface="Microsoft Himalaya"/>
+        <a:font script="Thaa" typeface="MV Boli"/>
+        <a:font script="Deva" typeface="Mangal"/>
+        <a:font script="Telu" typeface="Gautami"/>
+        <a:font script="Taml" typeface="Latha"/>
+        <a:font script="Syrc" typeface="Estrangelo Edessa"/>
+        <a:font script="Orya" typeface="Kalinga"/>
+        <a:font script="Mlym" typeface="Kartika"/>
+        <a:font script="Laoo" typeface="DokChampa"/>
+        <a:font script="Sinh" typeface="Iskoola Pota"/>
+        <a:font script="Mong" typeface="Mongolian Baiti"/>
+        <a:font script="Viet" typeface="Arial"/>
+        <a:font script="Uigh" typeface="Microsoft Uighur"/>
+        <a:font script="Geor" typeface="Sylfaen"/>
+        <a:font script="Armn" typeface="Arial"/>
+        <a:font script="Bugi" typeface="Leelawadee UI"/>
+        <a:font script="Bopo" typeface="Microsoft JhengHei"/>
+        <a:font script="Java" typeface="Javanese Text"/>
+        <a:font script="Lisu" typeface="Segoe UI"/>
+        <a:font script="Mymr" typeface="Myanmar Text"/>
+        <a:font script="Nkoo" typeface="Ebrima"/>
+        <a:font script="Olck" typeface="Nirmala UI"/>
+        <a:font script="Osma" typeface="Ebrima"/>
+        <a:font script="Phag" typeface="Phagspa"/>
+        <a:font script="Syrn" typeface="Estrangelo Edessa"/>
+        <a:font script="Syrj" typeface="Estrangelo Edessa"/>
+        <a:font script="Syre" typeface="Estrangelo Edessa"/>
+        <a:font script="Sora" typeface="Nirmala UI"/>
+        <a:font script="Tale" typeface="Microsoft Tai Le"/>
+        <a:font script="Talu" typeface="Microsoft New Tai Lue"/>
+        <a:font script="Tfng" typeface="Ebrima"/>
+      </a:minorFont>
+    </a:fontScheme>
+    <a:fmtScheme name="Office">
+      <a:fillStyleLst>
+        <a:solidFill>
+          <a:schemeClr val="phClr"/>
+        </a:solidFill>
+        <a:gradFill rotWithShape="1">
+          <a:gsLst>
+            <a:gs pos="0">
+              <a:schemeClr val="phClr">
+                <a:lumMod val="110000"/>
+                <a:satMod val="105000"/>
+                <a:tint val="67000"/>
+              </a:schemeClr>
+            </a:gs>
+            <a:gs pos="50000">
+              <a:schemeClr val="phClr">
+                <a:lumMod val="105000"/>
+                <a:satMod val="103000"/>
+                <a:tint val="73000"/>
+              </a:schemeClr>
+            </a:gs>
+            <a:gs pos="100000">
+              <a:schemeClr val="phClr">
+                <a:lumMod val="105000"/>
+                <a:satMod val="109000"/>
+                <a:tint val="81000"/>
+              </a:schemeClr>
+            </a:gs>
+          </a:gsLst>
+          <a:lin ang="5400000" scaled="0"/>
+        </a:gradFill>
+        <a:gradFill rotWithShape="1">
+          <a:gsLst>
+            <a:gs pos="0">
+              <a:schemeClr val="phClr">
+                <a:satMod val="103000"/>
+                <a:lumMod val="102000"/>
+                <a:tint val="94000"/>
+              </a:schemeClr>
+            </a:gs>
+            <a:gs pos="50000">
+              <a:schemeClr val="phClr">
+                <a:satMod val="110000"/>
+                <a:lumMod val="100000"/>
+                <a:shade val="100000"/>
+              </a:schemeClr>
+            </a:gs>
+            <a:gs pos="100000">
+              <a:schemeClr val="phClr">
+                <a:lumMod val="99000"/>
+                <a:satMod val="120000"/>
+                <a:shade val="78000"/>
+              </a:schemeClr>
+            </a:gs>
+          </a:gsLst>
+          <a:lin ang="5400000" scaled="0"/>
+        </a:gradFill>
+      </a:fillStyleLst>
+      <a:lnStyleLst>
+        <a:ln w="6350" cap="flat" cmpd="sng" algn="ctr">
+          <a:solidFill>
+            <a:schemeClr val="phClr"/>
+          </a:solidFill>
+          <a:prstDash val="solid"/>
+          <a:miter lim="800000"/>
+        </a:ln>
+        <a:ln w="12700" cap="flat" cmpd="sng" algn="ctr">
+          <a:solidFill>
+            <a:schemeClr val="phClr"/>
+          </a:solidFill>
+          <a:prstDash val="solid"/>
+          <a:miter lim="800000"/>
+        </a:ln>
+        <a:ln w="19050" cap="flat" cmpd="sng" algn="ctr">
+          <a:solidFill>
+            <a:schemeClr val="phClr"/>
+          </a:solidFill>
+          <a:prstDash val="solid"/>
+          <a:miter lim="800000"/>
+        </a:ln>
+      </a:lnStyleLst>
+      <a:effectStyleLst>
+        <a:effectStyle>
+          <a:effectLst/>
+        </a:effectStyle>
+        <a:effectStyle>
+          <a:effectLst/>
+        </a:effectStyle>
+        <a:effectStyle>
+          <a:effectLst>
+            <a:outerShdw blurRad="57150" dist="19050" dir="5400000" algn="ctr" rotWithShape="0">
+              <a:srgbClr val="000000">
+                <a:alpha val="63000"/>
+              </a:srgbClr>
+            </a:outerShdw>
+          </a:effectLst>
+        </a:effectStyle>
+      </a:effectStyleLst>
+      <a:bgFillStyleLst>
+        <a:solidFill>
+          <a:schemeClr val="phClr"/>
+        </a:solidFill>
+        <a:solidFill>
+          <a:schemeClr val="phClr">
+            <a:tint val="95000"/>
+            <a:satMod val="170000"/>
+          </a:schemeClr>
+        </a:solidFill>
+        <a:gradFill rotWithShape="1">
+          <a:gsLst>
+            <a:gs pos="0">
+              <a:schemeClr val="phClr">
+                <a:tint val="93000"/>
+                <a:satMod val="150000"/>
+                <a:shade val="98000"/>
+                <a:lumMod val="102000"/>
+              </a:schemeClr>
+            </a:gs>
+            <a:gs pos="50000">
+              <a:schemeClr val="phClr">
+                <a:tint val="98000"/>
+                <a:satMod val="130000"/>
+                <a:shade val="90000"/>
+                <a:lumMod val="103000"/>
+              </a:schemeClr>
+            </a:gs>
+            <a:gs pos="100000">
+              <a:schemeClr val="phClr">
+                <a:shade val="63000"/>
+                <a:satMod val="120000"/>
+              </a:schemeClr>
+            </a:gs>
+          </a:gsLst>
+          <a:lin ang="5400000" scaled="0"/>
+        </a:gradFill>
+      </a:bgFillStyleLst>
+    </a:fmtScheme>
+  </a:themeElements>
+  <a:objectDefaults/>
+  <a:extraClrSchemeLst/>
+  <a:extLst>
+    <a:ext uri="{05A4C25C-085E-4340-85A3-A5531E510DB2}">
+      <thm15:themeFamily xmlns:thm15="http://schemas.microsoft.com/office/thememl/2012/main" name="Office Theme" id="{62F939B6-93AF-4DB8-9C6B-D6C7DFDC589F}" vid="{4A3C46E8-61CC-4603-A589-7422A47A8E4A}"/>
+    </a:ext>
+  </a:extLst>
+</a:theme>
 </file>
--- a/topic11/talk-01/react integration.pptx
+++ b/topic11/talk-01/react integration.pptx
@@ -5,22 +5,24 @@
     <p:sldMasterId id="2147483762" r:id="rId1"/>
   </p:sldMasterIdLst>
   <p:notesMasterIdLst>
-    <p:notesMasterId r:id="rId15"/>
+    <p:notesMasterId r:id="rId17"/>
   </p:notesMasterIdLst>
   <p:sldIdLst>
     <p:sldId id="277" r:id="rId2"/>
-    <p:sldId id="278" r:id="rId3"/>
-    <p:sldId id="280" r:id="rId4"/>
-    <p:sldId id="281" r:id="rId5"/>
-    <p:sldId id="282" r:id="rId6"/>
-    <p:sldId id="514" r:id="rId7"/>
-    <p:sldId id="283" r:id="rId8"/>
-    <p:sldId id="515" r:id="rId9"/>
-    <p:sldId id="257" r:id="rId10"/>
-    <p:sldId id="258" r:id="rId11"/>
-    <p:sldId id="260" r:id="rId12"/>
-    <p:sldId id="259" r:id="rId13"/>
-    <p:sldId id="262" r:id="rId14"/>
+    <p:sldId id="516" r:id="rId3"/>
+    <p:sldId id="517" r:id="rId4"/>
+    <p:sldId id="278" r:id="rId5"/>
+    <p:sldId id="280" r:id="rId6"/>
+    <p:sldId id="281" r:id="rId7"/>
+    <p:sldId id="282" r:id="rId8"/>
+    <p:sldId id="514" r:id="rId9"/>
+    <p:sldId id="283" r:id="rId10"/>
+    <p:sldId id="515" r:id="rId11"/>
+    <p:sldId id="257" r:id="rId12"/>
+    <p:sldId id="258" r:id="rId13"/>
+    <p:sldId id="260" r:id="rId14"/>
+    <p:sldId id="259" r:id="rId15"/>
+    <p:sldId id="262" r:id="rId16"/>
   </p:sldIdLst>
   <p:sldSz cx="12192000" cy="6858000"/>
   <p:notesSz cx="6858000" cy="9144000"/>
@@ -542,7 +544,7 @@
           <a:p>
             <a:fld id="{2F2E01AB-F487-4477-818E-7219F7E83442}" type="slidenum">
               <a:rPr lang="en-IE" smtClean="0"/>
-              <a:t>2</a:t>
+              <a:t>4</a:t>
             </a:fld>
             <a:endParaRPr lang="en-IE"/>
           </a:p>
@@ -626,7 +628,7 @@
           <a:p>
             <a:fld id="{2F2E01AB-F487-4477-818E-7219F7E83442}" type="slidenum">
               <a:rPr lang="en-IE" smtClean="0"/>
-              <a:t>7</a:t>
+              <a:t>9</a:t>
             </a:fld>
             <a:endParaRPr lang="en-IE"/>
           </a:p>
@@ -4472,7 +4474,7 @@
               <a:rPr lang="en-US" dirty="0">
                 <a:cs typeface="Calibri Light"/>
               </a:rPr>
-              <a:t>React Apps and JWT</a:t>
+              <a:t>React Apps and API Integration 1</a:t>
             </a:r>
             <a:endParaRPr lang="en-US" dirty="0"/>
           </a:p>
@@ -4499,7 +4501,10 @@
           <a:bodyPr/>
           <a:lstStyle/>
           <a:p>
-            <a:endParaRPr lang="en-US"/>
+            <a:r>
+              <a:rPr lang="en-US" dirty="0"/>
+              <a:t>Frank Walsh</a:t>
+            </a:r>
           </a:p>
         </p:txBody>
       </p:sp>
@@ -4517,6 +4522,213 @@
 </file>
 
 <file path=ppt/slides/slide10.xml><?xml version="1.0" encoding="utf-8"?>
+<p:sld xmlns:a="http://schemas.openxmlformats.org/drawingml/2006/main" xmlns:r="http://schemas.openxmlformats.org/officeDocument/2006/relationships" xmlns:p="http://schemas.openxmlformats.org/presentationml/2006/main">
+  <p:cSld>
+    <p:spTree>
+      <p:nvGrpSpPr>
+        <p:cNvPr id="1" name=""/>
+        <p:cNvGrpSpPr/>
+        <p:nvPr/>
+      </p:nvGrpSpPr>
+      <p:grpSpPr>
+        <a:xfrm>
+          <a:off x="0" y="0"/>
+          <a:ext cx="0" cy="0"/>
+          <a:chOff x="0" y="0"/>
+          <a:chExt cx="0" cy="0"/>
+        </a:xfrm>
+      </p:grpSpPr>
+      <p:sp>
+        <p:nvSpPr>
+          <p:cNvPr id="2" name="Title 1">
+            <a:extLst>
+              <a:ext uri="{FF2B5EF4-FFF2-40B4-BE49-F238E27FC236}">
+                <a16:creationId xmlns:a16="http://schemas.microsoft.com/office/drawing/2014/main" id="{A073572A-92D6-4054-9242-6AF4A240583E}"/>
+              </a:ext>
+            </a:extLst>
+          </p:cNvPr>
+          <p:cNvSpPr>
+            <a:spLocks noGrp="1"/>
+          </p:cNvSpPr>
+          <p:nvPr>
+            <p:ph type="title"/>
+          </p:nvPr>
+        </p:nvSpPr>
+        <p:spPr/>
+        <p:txBody>
+          <a:bodyPr/>
+          <a:lstStyle/>
+          <a:p>
+            <a:r>
+              <a:rPr lang="en-IE" dirty="0"/>
+              <a:t>Integrating API into React App</a:t>
+            </a:r>
+          </a:p>
+        </p:txBody>
+      </p:sp>
+      <p:sp>
+        <p:nvSpPr>
+          <p:cNvPr id="3" name="Text Placeholder 2">
+            <a:extLst>
+              <a:ext uri="{FF2B5EF4-FFF2-40B4-BE49-F238E27FC236}">
+                <a16:creationId xmlns:a16="http://schemas.microsoft.com/office/drawing/2014/main" id="{64FFCE2C-0EEF-44E1-ACAF-0987929086EC}"/>
+              </a:ext>
+            </a:extLst>
+          </p:cNvPr>
+          <p:cNvSpPr>
+            <a:spLocks noGrp="1"/>
+          </p:cNvSpPr>
+          <p:nvPr>
+            <p:ph type="body" idx="1"/>
+          </p:nvPr>
+        </p:nvSpPr>
+        <p:spPr/>
+        <p:txBody>
+          <a:bodyPr/>
+          <a:lstStyle/>
+          <a:p>
+            <a:endParaRPr lang="en-IE"/>
+          </a:p>
+        </p:txBody>
+      </p:sp>
+    </p:spTree>
+    <p:extLst>
+      <p:ext uri="{BB962C8B-B14F-4D97-AF65-F5344CB8AC3E}">
+        <p14:creationId xmlns:p14="http://schemas.microsoft.com/office/powerpoint/2010/main" val="3950858713"/>
+      </p:ext>
+    </p:extLst>
+  </p:cSld>
+  <p:clrMapOvr>
+    <a:masterClrMapping/>
+  </p:clrMapOvr>
+</p:sld>
+</file>
+
+<file path=ppt/slides/slide11.xml><?xml version="1.0" encoding="utf-8"?>
+<p:sld xmlns:a="http://schemas.openxmlformats.org/drawingml/2006/main" xmlns:r="http://schemas.openxmlformats.org/officeDocument/2006/relationships" xmlns:p="http://schemas.openxmlformats.org/presentationml/2006/main">
+  <p:cSld>
+    <p:spTree>
+      <p:nvGrpSpPr>
+        <p:cNvPr id="1" name=""/>
+        <p:cNvGrpSpPr/>
+        <p:nvPr/>
+      </p:nvGrpSpPr>
+      <p:grpSpPr>
+        <a:xfrm>
+          <a:off x="0" y="0"/>
+          <a:ext cx="0" cy="0"/>
+          <a:chOff x="0" y="0"/>
+          <a:chExt cx="0" cy="0"/>
+        </a:xfrm>
+      </p:grpSpPr>
+      <p:sp>
+        <p:nvSpPr>
+          <p:cNvPr id="2" name="Title 1">
+            <a:extLst>
+              <a:ext uri="{FF2B5EF4-FFF2-40B4-BE49-F238E27FC236}">
+                <a16:creationId xmlns:a16="http://schemas.microsoft.com/office/drawing/2014/main" id="{24D248DB-9DCF-472D-B6CE-1FD6D16BB204}"/>
+              </a:ext>
+            </a:extLst>
+          </p:cNvPr>
+          <p:cNvSpPr>
+            <a:spLocks noGrp="1"/>
+          </p:cNvSpPr>
+          <p:nvPr>
+            <p:ph type="title"/>
+          </p:nvPr>
+        </p:nvSpPr>
+        <p:spPr/>
+        <p:txBody>
+          <a:bodyPr/>
+          <a:lstStyle/>
+          <a:p>
+            <a:r>
+              <a:rPr lang="en-IE" dirty="0"/>
+              <a:t>Agenda</a:t>
+            </a:r>
+          </a:p>
+        </p:txBody>
+      </p:sp>
+      <p:sp>
+        <p:nvSpPr>
+          <p:cNvPr id="3" name="Content Placeholder 2">
+            <a:extLst>
+              <a:ext uri="{FF2B5EF4-FFF2-40B4-BE49-F238E27FC236}">
+                <a16:creationId xmlns:a16="http://schemas.microsoft.com/office/drawing/2014/main" id="{09F7A63A-C699-4D39-9865-A5BBF8733C3E}"/>
+              </a:ext>
+            </a:extLst>
+          </p:cNvPr>
+          <p:cNvSpPr>
+            <a:spLocks noGrp="1"/>
+          </p:cNvSpPr>
+          <p:nvPr>
+            <p:ph idx="1"/>
+          </p:nvPr>
+        </p:nvSpPr>
+        <p:spPr/>
+        <p:txBody>
+          <a:bodyPr/>
+          <a:lstStyle/>
+          <a:p>
+            <a:r>
+              <a:rPr lang="en-IE" dirty="0"/>
+              <a:t>Review API Design</a:t>
+            </a:r>
+          </a:p>
+          <a:p>
+            <a:r>
+              <a:rPr lang="en-IE" dirty="0"/>
+              <a:t>Develop front end API Module</a:t>
+            </a:r>
+          </a:p>
+          <a:p>
+            <a:pPr lvl="1"/>
+            <a:r>
+              <a:rPr lang="en-IE" dirty="0"/>
+              <a:t>Endpoint</a:t>
+            </a:r>
+          </a:p>
+          <a:p>
+            <a:pPr lvl="1"/>
+            <a:r>
+              <a:rPr lang="en-IE" dirty="0"/>
+              <a:t>Routes</a:t>
+            </a:r>
+          </a:p>
+          <a:p>
+            <a:r>
+              <a:rPr lang="en-IE" dirty="0"/>
+              <a:t>React Authentication Context</a:t>
+            </a:r>
+          </a:p>
+          <a:p>
+            <a:r>
+              <a:rPr lang="en-IE" dirty="0"/>
+              <a:t>React Login/Registration Page</a:t>
+            </a:r>
+          </a:p>
+          <a:p>
+            <a:endParaRPr lang="en-IE" dirty="0"/>
+          </a:p>
+          <a:p>
+            <a:endParaRPr lang="en-IE" dirty="0"/>
+          </a:p>
+        </p:txBody>
+      </p:sp>
+    </p:spTree>
+    <p:extLst>
+      <p:ext uri="{BB962C8B-B14F-4D97-AF65-F5344CB8AC3E}">
+        <p14:creationId xmlns:p14="http://schemas.microsoft.com/office/powerpoint/2010/main" val="2608539944"/>
+      </p:ext>
+    </p:extLst>
+  </p:cSld>
+  <p:clrMapOvr>
+    <a:masterClrMapping/>
+  </p:clrMapOvr>
+</p:sld>
+</file>
+
+<file path=ppt/slides/slide12.xml><?xml version="1.0" encoding="utf-8"?>
 <p:sld xmlns:a="http://schemas.openxmlformats.org/drawingml/2006/main" xmlns:r="http://schemas.openxmlformats.org/officeDocument/2006/relationships" xmlns:p="http://schemas.openxmlformats.org/presentationml/2006/main">
   <p:cSld>
     <p:spTree>
@@ -4759,7 +4971,7 @@
 </p:sld>
 </file>
 
-<file path=ppt/slides/slide11.xml><?xml version="1.0" encoding="utf-8"?>
+<file path=ppt/slides/slide13.xml><?xml version="1.0" encoding="utf-8"?>
 <p:sld xmlns:a="http://schemas.openxmlformats.org/drawingml/2006/main" xmlns:r="http://schemas.openxmlformats.org/officeDocument/2006/relationships" xmlns:p="http://schemas.openxmlformats.org/presentationml/2006/main">
   <p:cSld>
     <p:spTree>
@@ -4887,7 +5099,7 @@
 </p:sld>
 </file>
 
-<file path=ppt/slides/slide12.xml><?xml version="1.0" encoding="utf-8"?>
+<file path=ppt/slides/slide14.xml><?xml version="1.0" encoding="utf-8"?>
 <p:sld xmlns:a="http://schemas.openxmlformats.org/drawingml/2006/main" xmlns:r="http://schemas.openxmlformats.org/officeDocument/2006/relationships" xmlns:p="http://schemas.openxmlformats.org/presentationml/2006/main">
   <p:cSld>
     <p:spTree>
@@ -5012,7 +5224,7 @@
 </p:sld>
 </file>
 
-<file path=ppt/slides/slide13.xml><?xml version="1.0" encoding="utf-8"?>
+<file path=ppt/slides/slide15.xml><?xml version="1.0" encoding="utf-8"?>
 <p:sld xmlns:a="http://schemas.openxmlformats.org/drawingml/2006/main" xmlns:r="http://schemas.openxmlformats.org/officeDocument/2006/relationships" xmlns:p="http://schemas.openxmlformats.org/presentationml/2006/main">
   <p:cSld>
     <p:spTree>
@@ -5150,6 +5362,1930 @@
           <p:cNvPr id="2" name="Title 1">
             <a:extLst>
               <a:ext uri="{FF2B5EF4-FFF2-40B4-BE49-F238E27FC236}">
+                <a16:creationId xmlns:a16="http://schemas.microsoft.com/office/drawing/2014/main" id="{BDC4A0D2-7DE8-42AB-9D6E-EDB17FE2093A}"/>
+              </a:ext>
+            </a:extLst>
+          </p:cNvPr>
+          <p:cNvSpPr>
+            <a:spLocks noGrp="1"/>
+          </p:cNvSpPr>
+          <p:nvPr>
+            <p:ph type="title"/>
+          </p:nvPr>
+        </p:nvSpPr>
+        <p:spPr>
+          <a:xfrm>
+            <a:off x="648929" y="629266"/>
+            <a:ext cx="3505495" cy="1622321"/>
+          </a:xfrm>
+        </p:spPr>
+        <p:txBody>
+          <a:bodyPr>
+            <a:normAutofit fontScale="90000"/>
+          </a:bodyPr>
+          <a:lstStyle/>
+          <a:p>
+            <a:r>
+              <a:rPr lang="en-IE" dirty="0" err="1"/>
+              <a:t>Asside</a:t>
+            </a:r>
+            <a:r>
+              <a:rPr lang="en-IE" dirty="0"/>
+              <a:t>: Server Side Pagination</a:t>
+            </a:r>
+          </a:p>
+        </p:txBody>
+      </p:sp>
+      <p:sp>
+        <p:nvSpPr>
+          <p:cNvPr id="3" name="Content Placeholder 2">
+            <a:extLst>
+              <a:ext uri="{FF2B5EF4-FFF2-40B4-BE49-F238E27FC236}">
+                <a16:creationId xmlns:a16="http://schemas.microsoft.com/office/drawing/2014/main" id="{6B06243C-947B-463C-AEDE-105EB0A8CDD2}"/>
+              </a:ext>
+            </a:extLst>
+          </p:cNvPr>
+          <p:cNvSpPr>
+            <a:spLocks noGrp="1"/>
+          </p:cNvSpPr>
+          <p:nvPr>
+            <p:ph idx="1"/>
+          </p:nvPr>
+        </p:nvSpPr>
+        <p:spPr>
+          <a:xfrm>
+            <a:off x="648931" y="2438400"/>
+            <a:ext cx="3505494" cy="3785419"/>
+          </a:xfrm>
+        </p:spPr>
+        <p:txBody>
+          <a:bodyPr>
+            <a:normAutofit/>
+          </a:bodyPr>
+          <a:lstStyle/>
+          <a:p>
+            <a:r>
+              <a:rPr lang="en-IE" sz="1100" dirty="0"/>
+              <a:t>Get Movies API:</a:t>
+            </a:r>
+          </a:p>
+          <a:p>
+            <a:pPr marL="457200" lvl="1" indent="0">
+              <a:buNone/>
+            </a:pPr>
+            <a:r>
+              <a:rPr lang="en-IE" sz="1100" dirty="0"/>
+              <a:t>GET /</a:t>
+            </a:r>
+            <a:r>
+              <a:rPr lang="en-IE" sz="1100" dirty="0" err="1"/>
+              <a:t>api</a:t>
+            </a:r>
+            <a:r>
+              <a:rPr lang="en-IE" sz="1100" dirty="0"/>
+              <a:t>/movies</a:t>
+            </a:r>
+          </a:p>
+          <a:p>
+            <a:r>
+              <a:rPr lang="en-IE" sz="1100" dirty="0"/>
+              <a:t>Returns all Movies. Our DB is small but a real </a:t>
+            </a:r>
+            <a:r>
+              <a:rPr lang="en-IE" sz="1100" dirty="0" err="1"/>
+              <a:t>db</a:t>
+            </a:r>
+            <a:r>
+              <a:rPr lang="en-IE" sz="1100" dirty="0"/>
+              <a:t> will have thousands of movies</a:t>
+            </a:r>
+          </a:p>
+          <a:p>
+            <a:r>
+              <a:rPr lang="en-IE" sz="1100" dirty="0"/>
+              <a:t>Need Pagination</a:t>
+            </a:r>
+          </a:p>
+          <a:p>
+            <a:r>
+              <a:rPr lang="en-GB" sz="1100" dirty="0"/>
+              <a:t>Pagination means displaying a small number of results, by a page.</a:t>
+            </a:r>
+          </a:p>
+          <a:p>
+            <a:r>
+              <a:rPr lang="en-GB" sz="1100" dirty="0"/>
+              <a:t>If there are only few pages, we can fetch all items and paginate on the client</a:t>
+            </a:r>
+          </a:p>
+          <a:p>
+            <a:r>
+              <a:rPr lang="en-GB" sz="1100" dirty="0"/>
+              <a:t>For larger data sets, et the server do the work.</a:t>
+            </a:r>
+          </a:p>
+          <a:p>
+            <a:r>
+              <a:rPr lang="en-GB" sz="1100" dirty="0"/>
+              <a:t>Server side pagination is better for:</a:t>
+            </a:r>
+          </a:p>
+          <a:p>
+            <a:pPr lvl="1"/>
+            <a:r>
+              <a:rPr lang="en-GB" sz="1100" dirty="0"/>
+              <a:t>Large data set</a:t>
+            </a:r>
+          </a:p>
+          <a:p>
+            <a:pPr lvl="1"/>
+            <a:r>
+              <a:rPr lang="en-GB" sz="1100" dirty="0"/>
+              <a:t>Faster initial page load</a:t>
+            </a:r>
+          </a:p>
+          <a:p>
+            <a:pPr lvl="1"/>
+            <a:r>
+              <a:rPr lang="en-GB" sz="1100" dirty="0"/>
+              <a:t>Accessibility for those not running JavaScript</a:t>
+            </a:r>
+          </a:p>
+          <a:p>
+            <a:pPr lvl="1"/>
+            <a:r>
+              <a:rPr lang="en-GB" sz="1100" dirty="0"/>
+              <a:t>Complex view business logic</a:t>
+            </a:r>
+            <a:br>
+              <a:rPr lang="en-GB" sz="1100" dirty="0"/>
+            </a:br>
+            <a:endParaRPr lang="en-GB" sz="1100" dirty="0"/>
+          </a:p>
+          <a:p>
+            <a:endParaRPr lang="en-IE" sz="1100" dirty="0"/>
+          </a:p>
+        </p:txBody>
+      </p:sp>
+      <p:pic>
+        <p:nvPicPr>
+          <p:cNvPr id="6" name="Picture 5" descr="A picture containing application&#10;&#10;Description automatically generated">
+            <a:extLst>
+              <a:ext uri="{FF2B5EF4-FFF2-40B4-BE49-F238E27FC236}">
+                <a16:creationId xmlns:a16="http://schemas.microsoft.com/office/drawing/2014/main" id="{1276BC83-C7E5-4100-AD21-74DA9551ED71}"/>
+              </a:ext>
+            </a:extLst>
+          </p:cNvPr>
+          <p:cNvPicPr>
+            <a:picLocks noChangeAspect="1"/>
+          </p:cNvPicPr>
+          <p:nvPr/>
+        </p:nvPicPr>
+        <p:blipFill>
+          <a:blip r:embed="rId2">
+            <a:extLst>
+              <a:ext uri="{28A0092B-C50C-407E-A947-70E740481C1C}">
+                <a14:useLocalDpi xmlns:a14="http://schemas.microsoft.com/office/drawing/2010/main" val="0"/>
+              </a:ext>
+              <a:ext uri="{837473B0-CC2E-450A-ABE3-18F120FF3D39}">
+                <a1611:picAttrSrcUrl xmlns:a1611="http://schemas.microsoft.com/office/drawing/2016/11/main" r:id="rId3"/>
+              </a:ext>
+            </a:extLst>
+          </a:blip>
+          <a:stretch>
+            <a:fillRect/>
+          </a:stretch>
+        </p:blipFill>
+        <p:spPr>
+          <a:xfrm>
+            <a:off x="5405862" y="2073028"/>
+            <a:ext cx="6019331" cy="2708698"/>
+          </a:xfrm>
+          <a:prstGeom prst="rect">
+            <a:avLst/>
+          </a:prstGeom>
+          <a:effectLst/>
+        </p:spPr>
+      </p:pic>
+      <p:sp>
+        <p:nvSpPr>
+          <p:cNvPr id="7" name="TextBox 6">
+            <a:extLst>
+              <a:ext uri="{FF2B5EF4-FFF2-40B4-BE49-F238E27FC236}">
+                <a16:creationId xmlns:a16="http://schemas.microsoft.com/office/drawing/2014/main" id="{0326398A-58E8-4D8F-B8B8-8937A986C2C7}"/>
+              </a:ext>
+            </a:extLst>
+          </p:cNvPr>
+          <p:cNvSpPr txBox="1"/>
+          <p:nvPr/>
+        </p:nvSpPr>
+        <p:spPr>
+          <a:xfrm>
+            <a:off x="9118151" y="4581671"/>
+            <a:ext cx="2307042" cy="200055"/>
+          </a:xfrm>
+          <a:prstGeom prst="rect">
+            <a:avLst/>
+          </a:prstGeom>
+          <a:solidFill>
+            <a:srgbClr val="000000"/>
+          </a:solidFill>
+        </p:spPr>
+        <p:txBody>
+          <a:bodyPr wrap="none" rtlCol="0">
+            <a:spAutoFit/>
+          </a:bodyPr>
+          <a:lstStyle/>
+          <a:p>
+            <a:pPr algn="r">
+              <a:spcAft>
+                <a:spcPts val="600"/>
+              </a:spcAft>
+            </a:pPr>
+            <a:r>
+              <a:rPr lang="en-IE" sz="700">
+                <a:solidFill>
+                  <a:srgbClr val="FFFFFF"/>
+                </a:solidFill>
+                <a:hlinkClick r:id="rId3" tooltip="https://masterex.github.io/archive/2020/09/09/lack-of-pagination-considered-harmful.html">
+                  <a:extLst>
+                    <a:ext uri="{A12FA001-AC4F-418D-AE19-62706E023703}">
+                      <ahyp:hlinkClr xmlns:ahyp="http://schemas.microsoft.com/office/drawing/2018/hyperlinkcolor" val="tx"/>
+                    </a:ext>
+                  </a:extLst>
+                </a:hlinkClick>
+              </a:rPr>
+              <a:t>This Photo</a:t>
+            </a:r>
+            <a:r>
+              <a:rPr lang="en-IE" sz="700">
+                <a:solidFill>
+                  <a:srgbClr val="FFFFFF"/>
+                </a:solidFill>
+              </a:rPr>
+              <a:t> by Unknown Author is licensed under </a:t>
+            </a:r>
+            <a:r>
+              <a:rPr lang="en-IE" sz="700">
+                <a:solidFill>
+                  <a:srgbClr val="FFFFFF"/>
+                </a:solidFill>
+                <a:hlinkClick r:id="rId4" tooltip="https://creativecommons.org/licenses/by-sa/3.0/">
+                  <a:extLst>
+                    <a:ext uri="{A12FA001-AC4F-418D-AE19-62706E023703}">
+                      <ahyp:hlinkClr xmlns:ahyp="http://schemas.microsoft.com/office/drawing/2018/hyperlinkcolor" val="tx"/>
+                    </a:ext>
+                  </a:extLst>
+                </a:hlinkClick>
+              </a:rPr>
+              <a:t>CC BY-SA</a:t>
+            </a:r>
+            <a:endParaRPr lang="en-IE" sz="700">
+              <a:solidFill>
+                <a:srgbClr val="FFFFFF"/>
+              </a:solidFill>
+            </a:endParaRPr>
+          </a:p>
+        </p:txBody>
+      </p:sp>
+    </p:spTree>
+    <p:extLst>
+      <p:ext uri="{BB962C8B-B14F-4D97-AF65-F5344CB8AC3E}">
+        <p14:creationId xmlns:p14="http://schemas.microsoft.com/office/powerpoint/2010/main" val="790572847"/>
+      </p:ext>
+    </p:extLst>
+  </p:cSld>
+  <p:clrMapOvr>
+    <a:masterClrMapping/>
+  </p:clrMapOvr>
+</p:sld>
+</file>
+
+<file path=ppt/slides/slide3.xml><?xml version="1.0" encoding="utf-8"?>
+<p:sld xmlns:a="http://schemas.openxmlformats.org/drawingml/2006/main" xmlns:r="http://schemas.openxmlformats.org/officeDocument/2006/relationships" xmlns:p="http://schemas.openxmlformats.org/presentationml/2006/main">
+  <p:cSld>
+    <p:spTree>
+      <p:nvGrpSpPr>
+        <p:cNvPr id="1" name=""/>
+        <p:cNvGrpSpPr/>
+        <p:nvPr/>
+      </p:nvGrpSpPr>
+      <p:grpSpPr>
+        <a:xfrm>
+          <a:off x="0" y="0"/>
+          <a:ext cx="0" cy="0"/>
+          <a:chOff x="0" y="0"/>
+          <a:chExt cx="0" cy="0"/>
+        </a:xfrm>
+      </p:grpSpPr>
+      <p:sp>
+        <p:nvSpPr>
+          <p:cNvPr id="2" name="Title 1">
+            <a:extLst>
+              <a:ext uri="{FF2B5EF4-FFF2-40B4-BE49-F238E27FC236}">
+                <a16:creationId xmlns:a16="http://schemas.microsoft.com/office/drawing/2014/main" id="{F911D6C7-3FFD-41FB-83D7-91F827F03B4C}"/>
+              </a:ext>
+            </a:extLst>
+          </p:cNvPr>
+          <p:cNvSpPr>
+            <a:spLocks noGrp="1"/>
+          </p:cNvSpPr>
+          <p:nvPr>
+            <p:ph type="title"/>
+          </p:nvPr>
+        </p:nvSpPr>
+        <p:spPr/>
+        <p:txBody>
+          <a:bodyPr/>
+          <a:lstStyle/>
+          <a:p>
+            <a:r>
+              <a:rPr lang="en-IE" dirty="0"/>
+              <a:t>Pagination: Movies API</a:t>
+            </a:r>
+          </a:p>
+        </p:txBody>
+      </p:sp>
+      <p:sp>
+        <p:nvSpPr>
+          <p:cNvPr id="3" name="Content Placeholder 2">
+            <a:extLst>
+              <a:ext uri="{FF2B5EF4-FFF2-40B4-BE49-F238E27FC236}">
+                <a16:creationId xmlns:a16="http://schemas.microsoft.com/office/drawing/2014/main" id="{B4E5EBDC-F96A-441B-BA35-8E32FF9CA5E1}"/>
+              </a:ext>
+            </a:extLst>
+          </p:cNvPr>
+          <p:cNvSpPr>
+            <a:spLocks noGrp="1"/>
+          </p:cNvSpPr>
+          <p:nvPr>
+            <p:ph idx="1"/>
+          </p:nvPr>
+        </p:nvSpPr>
+        <p:spPr>
+          <a:solidFill>
+            <a:schemeClr val="tx1"/>
+          </a:solidFill>
+        </p:spPr>
+        <p:txBody>
+          <a:bodyPr>
+            <a:normAutofit fontScale="55000" lnSpcReduction="20000"/>
+          </a:bodyPr>
+          <a:lstStyle/>
+          <a:p>
+            <a:pPr marL="0" indent="0">
+              <a:buNone/>
+            </a:pPr>
+            <a:r>
+              <a:rPr lang="en-IE" b="0" dirty="0" err="1">
+                <a:solidFill>
+                  <a:srgbClr val="4FC1FF"/>
+                </a:solidFill>
+                <a:effectLst/>
+                <a:latin typeface="Consolas" panose="020B0609020204030204" pitchFamily="49" charset="0"/>
+              </a:rPr>
+              <a:t>router</a:t>
+            </a:r>
+            <a:r>
+              <a:rPr lang="en-IE" b="0" dirty="0" err="1">
+                <a:solidFill>
+                  <a:srgbClr val="D4D4D4"/>
+                </a:solidFill>
+                <a:effectLst/>
+                <a:latin typeface="Consolas" panose="020B0609020204030204" pitchFamily="49" charset="0"/>
+              </a:rPr>
+              <a:t>.</a:t>
+            </a:r>
+            <a:r>
+              <a:rPr lang="en-IE" b="0" dirty="0" err="1">
+                <a:solidFill>
+                  <a:srgbClr val="DCDCAA"/>
+                </a:solidFill>
+                <a:effectLst/>
+                <a:latin typeface="Consolas" panose="020B0609020204030204" pitchFamily="49" charset="0"/>
+              </a:rPr>
+              <a:t>get</a:t>
+            </a:r>
+            <a:r>
+              <a:rPr lang="en-IE" b="0" dirty="0">
+                <a:solidFill>
+                  <a:srgbClr val="D4D4D4"/>
+                </a:solidFill>
+                <a:effectLst/>
+                <a:latin typeface="Consolas" panose="020B0609020204030204" pitchFamily="49" charset="0"/>
+              </a:rPr>
+              <a:t>(</a:t>
+            </a:r>
+            <a:r>
+              <a:rPr lang="en-IE" b="0" dirty="0">
+                <a:solidFill>
+                  <a:srgbClr val="CE9178"/>
+                </a:solidFill>
+                <a:effectLst/>
+                <a:latin typeface="Consolas" panose="020B0609020204030204" pitchFamily="49" charset="0"/>
+              </a:rPr>
+              <a:t>'/'</a:t>
+            </a:r>
+            <a:r>
+              <a:rPr lang="en-IE" b="0" dirty="0">
+                <a:solidFill>
+                  <a:srgbClr val="D4D4D4"/>
+                </a:solidFill>
+                <a:effectLst/>
+                <a:latin typeface="Consolas" panose="020B0609020204030204" pitchFamily="49" charset="0"/>
+              </a:rPr>
+              <a:t>, </a:t>
+            </a:r>
+            <a:r>
+              <a:rPr lang="en-IE" b="0" dirty="0" err="1">
+                <a:solidFill>
+                  <a:srgbClr val="DCDCAA"/>
+                </a:solidFill>
+                <a:effectLst/>
+                <a:latin typeface="Consolas" panose="020B0609020204030204" pitchFamily="49" charset="0"/>
+              </a:rPr>
+              <a:t>asyncHandler</a:t>
+            </a:r>
+            <a:r>
+              <a:rPr lang="en-IE" b="0" dirty="0">
+                <a:solidFill>
+                  <a:srgbClr val="D4D4D4"/>
+                </a:solidFill>
+                <a:effectLst/>
+                <a:latin typeface="Consolas" panose="020B0609020204030204" pitchFamily="49" charset="0"/>
+              </a:rPr>
+              <a:t>(</a:t>
+            </a:r>
+            <a:r>
+              <a:rPr lang="en-IE" b="0" dirty="0">
+                <a:solidFill>
+                  <a:srgbClr val="569CD6"/>
+                </a:solidFill>
+                <a:effectLst/>
+                <a:latin typeface="Consolas" panose="020B0609020204030204" pitchFamily="49" charset="0"/>
+              </a:rPr>
+              <a:t>async</a:t>
+            </a:r>
+            <a:r>
+              <a:rPr lang="en-IE" b="0" dirty="0">
+                <a:solidFill>
+                  <a:srgbClr val="D4D4D4"/>
+                </a:solidFill>
+                <a:effectLst/>
+                <a:latin typeface="Consolas" panose="020B0609020204030204" pitchFamily="49" charset="0"/>
+              </a:rPr>
+              <a:t> (</a:t>
+            </a:r>
+            <a:r>
+              <a:rPr lang="en-IE" b="0" dirty="0" err="1">
+                <a:solidFill>
+                  <a:srgbClr val="9CDCFE"/>
+                </a:solidFill>
+                <a:effectLst/>
+                <a:latin typeface="Consolas" panose="020B0609020204030204" pitchFamily="49" charset="0"/>
+              </a:rPr>
+              <a:t>req</a:t>
+            </a:r>
+            <a:r>
+              <a:rPr lang="en-IE" b="0" dirty="0">
+                <a:solidFill>
+                  <a:srgbClr val="D4D4D4"/>
+                </a:solidFill>
+                <a:effectLst/>
+                <a:latin typeface="Consolas" panose="020B0609020204030204" pitchFamily="49" charset="0"/>
+              </a:rPr>
+              <a:t>, </a:t>
+            </a:r>
+            <a:r>
+              <a:rPr lang="en-IE" b="0" dirty="0">
+                <a:solidFill>
+                  <a:srgbClr val="9CDCFE"/>
+                </a:solidFill>
+                <a:effectLst/>
+                <a:latin typeface="Consolas" panose="020B0609020204030204" pitchFamily="49" charset="0"/>
+              </a:rPr>
+              <a:t>res</a:t>
+            </a:r>
+            <a:r>
+              <a:rPr lang="en-IE" b="0" dirty="0">
+                <a:solidFill>
+                  <a:srgbClr val="D4D4D4"/>
+                </a:solidFill>
+                <a:effectLst/>
+                <a:latin typeface="Consolas" panose="020B0609020204030204" pitchFamily="49" charset="0"/>
+              </a:rPr>
+              <a:t>) </a:t>
+            </a:r>
+            <a:r>
+              <a:rPr lang="en-IE" b="0" dirty="0">
+                <a:solidFill>
+                  <a:srgbClr val="569CD6"/>
+                </a:solidFill>
+                <a:effectLst/>
+                <a:latin typeface="Consolas" panose="020B0609020204030204" pitchFamily="49" charset="0"/>
+              </a:rPr>
+              <a:t>=&gt;</a:t>
+            </a:r>
+            <a:r>
+              <a:rPr lang="en-IE" b="0" dirty="0">
+                <a:solidFill>
+                  <a:srgbClr val="D4D4D4"/>
+                </a:solidFill>
+                <a:effectLst/>
+                <a:latin typeface="Consolas" panose="020B0609020204030204" pitchFamily="49" charset="0"/>
+              </a:rPr>
+              <a:t> {</a:t>
+            </a:r>
+          </a:p>
+          <a:p>
+            <a:pPr marL="0" indent="0">
+              <a:buNone/>
+            </a:pPr>
+            <a:r>
+              <a:rPr lang="en-IE" b="0" dirty="0">
+                <a:solidFill>
+                  <a:srgbClr val="D4D4D4"/>
+                </a:solidFill>
+                <a:effectLst/>
+                <a:latin typeface="Consolas" panose="020B0609020204030204" pitchFamily="49" charset="0"/>
+              </a:rPr>
+              <a:t>    </a:t>
+            </a:r>
+            <a:r>
+              <a:rPr lang="en-IE" b="0" dirty="0">
+                <a:solidFill>
+                  <a:srgbClr val="569CD6"/>
+                </a:solidFill>
+                <a:effectLst/>
+                <a:latin typeface="Consolas" panose="020B0609020204030204" pitchFamily="49" charset="0"/>
+              </a:rPr>
+              <a:t>let</a:t>
+            </a:r>
+            <a:r>
+              <a:rPr lang="en-IE" b="0" dirty="0">
+                <a:solidFill>
+                  <a:srgbClr val="D4D4D4"/>
+                </a:solidFill>
+                <a:effectLst/>
+                <a:latin typeface="Consolas" panose="020B0609020204030204" pitchFamily="49" charset="0"/>
+              </a:rPr>
+              <a:t> { </a:t>
+            </a:r>
+            <a:r>
+              <a:rPr lang="en-IE" b="0" dirty="0">
+                <a:solidFill>
+                  <a:srgbClr val="9CDCFE"/>
+                </a:solidFill>
+                <a:effectLst/>
+                <a:latin typeface="Consolas" panose="020B0609020204030204" pitchFamily="49" charset="0"/>
+              </a:rPr>
+              <a:t>page</a:t>
+            </a:r>
+            <a:r>
+              <a:rPr lang="en-IE" b="0" dirty="0">
+                <a:solidFill>
+                  <a:srgbClr val="D4D4D4"/>
+                </a:solidFill>
+                <a:effectLst/>
+                <a:latin typeface="Consolas" panose="020B0609020204030204" pitchFamily="49" charset="0"/>
+              </a:rPr>
+              <a:t> = </a:t>
+            </a:r>
+            <a:r>
+              <a:rPr lang="en-IE" b="0" dirty="0">
+                <a:solidFill>
+                  <a:srgbClr val="B5CEA8"/>
+                </a:solidFill>
+                <a:effectLst/>
+                <a:latin typeface="Consolas" panose="020B0609020204030204" pitchFamily="49" charset="0"/>
+              </a:rPr>
+              <a:t>1</a:t>
+            </a:r>
+            <a:r>
+              <a:rPr lang="en-IE" b="0" dirty="0">
+                <a:solidFill>
+                  <a:srgbClr val="D4D4D4"/>
+                </a:solidFill>
+                <a:effectLst/>
+                <a:latin typeface="Consolas" panose="020B0609020204030204" pitchFamily="49" charset="0"/>
+              </a:rPr>
+              <a:t>, </a:t>
+            </a:r>
+            <a:r>
+              <a:rPr lang="en-IE" b="0" dirty="0">
+                <a:solidFill>
+                  <a:srgbClr val="9CDCFE"/>
+                </a:solidFill>
+                <a:effectLst/>
+                <a:latin typeface="Consolas" panose="020B0609020204030204" pitchFamily="49" charset="0"/>
+              </a:rPr>
+              <a:t>limit</a:t>
+            </a:r>
+            <a:r>
+              <a:rPr lang="en-IE" b="0" dirty="0">
+                <a:solidFill>
+                  <a:srgbClr val="D4D4D4"/>
+                </a:solidFill>
+                <a:effectLst/>
+                <a:latin typeface="Consolas" panose="020B0609020204030204" pitchFamily="49" charset="0"/>
+              </a:rPr>
+              <a:t> = </a:t>
+            </a:r>
+            <a:r>
+              <a:rPr lang="en-IE" b="0" dirty="0">
+                <a:solidFill>
+                  <a:srgbClr val="B5CEA8"/>
+                </a:solidFill>
+                <a:effectLst/>
+                <a:latin typeface="Consolas" panose="020B0609020204030204" pitchFamily="49" charset="0"/>
+              </a:rPr>
+              <a:t>4</a:t>
+            </a:r>
+            <a:r>
+              <a:rPr lang="en-IE" b="0" dirty="0">
+                <a:solidFill>
+                  <a:srgbClr val="D4D4D4"/>
+                </a:solidFill>
+                <a:effectLst/>
+                <a:latin typeface="Consolas" panose="020B0609020204030204" pitchFamily="49" charset="0"/>
+              </a:rPr>
+              <a:t> } =</a:t>
+            </a:r>
+            <a:r>
+              <a:rPr lang="en-IE" b="0" dirty="0">
+                <a:solidFill>
+                  <a:srgbClr val="9CDCFE"/>
+                </a:solidFill>
+                <a:effectLst/>
+                <a:latin typeface="Consolas" panose="020B0609020204030204" pitchFamily="49" charset="0"/>
+              </a:rPr>
+              <a:t> </a:t>
+            </a:r>
+            <a:r>
+              <a:rPr lang="en-IE" b="0" dirty="0" err="1">
+                <a:solidFill>
+                  <a:srgbClr val="9CDCFE"/>
+                </a:solidFill>
+                <a:effectLst/>
+                <a:latin typeface="Consolas" panose="020B0609020204030204" pitchFamily="49" charset="0"/>
+              </a:rPr>
+              <a:t>req</a:t>
+            </a:r>
+            <a:r>
+              <a:rPr lang="en-IE" b="0" dirty="0" err="1">
+                <a:solidFill>
+                  <a:srgbClr val="D4D4D4"/>
+                </a:solidFill>
+                <a:effectLst/>
+                <a:latin typeface="Consolas" panose="020B0609020204030204" pitchFamily="49" charset="0"/>
+              </a:rPr>
+              <a:t>.</a:t>
+            </a:r>
+            <a:r>
+              <a:rPr lang="en-IE" b="0" dirty="0" err="1">
+                <a:solidFill>
+                  <a:srgbClr val="9CDCFE"/>
+                </a:solidFill>
+                <a:effectLst/>
+                <a:latin typeface="Consolas" panose="020B0609020204030204" pitchFamily="49" charset="0"/>
+              </a:rPr>
+              <a:t>query</a:t>
+            </a:r>
+            <a:r>
+              <a:rPr lang="en-IE" b="0" dirty="0">
+                <a:solidFill>
+                  <a:srgbClr val="D4D4D4"/>
+                </a:solidFill>
+                <a:effectLst/>
+                <a:latin typeface="Consolas" panose="020B0609020204030204" pitchFamily="49" charset="0"/>
+              </a:rPr>
+              <a:t>; </a:t>
+            </a:r>
+            <a:r>
+              <a:rPr lang="en-IE" b="0" dirty="0">
+                <a:solidFill>
+                  <a:srgbClr val="6A9955"/>
+                </a:solidFill>
+                <a:effectLst/>
+                <a:latin typeface="Consolas" panose="020B0609020204030204" pitchFamily="49" charset="0"/>
+              </a:rPr>
+              <a:t>// </a:t>
+            </a:r>
+            <a:r>
+              <a:rPr lang="en-IE" b="0" dirty="0" err="1">
+                <a:solidFill>
+                  <a:srgbClr val="6A9955"/>
+                </a:solidFill>
+                <a:effectLst/>
+                <a:latin typeface="Consolas" panose="020B0609020204030204" pitchFamily="49" charset="0"/>
+              </a:rPr>
+              <a:t>destructure</a:t>
+            </a:r>
+            <a:r>
+              <a:rPr lang="en-IE" b="0" dirty="0">
+                <a:solidFill>
+                  <a:srgbClr val="6A9955"/>
+                </a:solidFill>
+                <a:effectLst/>
+                <a:latin typeface="Consolas" panose="020B0609020204030204" pitchFamily="49" charset="0"/>
+              </a:rPr>
+              <a:t> page and limit and set default values</a:t>
+            </a:r>
+            <a:endParaRPr lang="en-IE" b="0" dirty="0">
+              <a:solidFill>
+                <a:srgbClr val="D4D4D4"/>
+              </a:solidFill>
+              <a:effectLst/>
+              <a:latin typeface="Consolas" panose="020B0609020204030204" pitchFamily="49" charset="0"/>
+            </a:endParaRPr>
+          </a:p>
+          <a:p>
+            <a:pPr marL="0" indent="0">
+              <a:buNone/>
+            </a:pPr>
+            <a:r>
+              <a:rPr lang="en-IE" b="0" dirty="0">
+                <a:solidFill>
+                  <a:srgbClr val="D4D4D4"/>
+                </a:solidFill>
+                <a:effectLst/>
+                <a:latin typeface="Consolas" panose="020B0609020204030204" pitchFamily="49" charset="0"/>
+              </a:rPr>
+              <a:t>    [</a:t>
+            </a:r>
+            <a:r>
+              <a:rPr lang="en-IE" b="0" dirty="0">
+                <a:solidFill>
+                  <a:srgbClr val="9CDCFE"/>
+                </a:solidFill>
+                <a:effectLst/>
+                <a:latin typeface="Consolas" panose="020B0609020204030204" pitchFamily="49" charset="0"/>
+              </a:rPr>
+              <a:t>page</a:t>
+            </a:r>
+            <a:r>
+              <a:rPr lang="en-IE" b="0" dirty="0">
+                <a:solidFill>
+                  <a:srgbClr val="D4D4D4"/>
+                </a:solidFill>
+                <a:effectLst/>
+                <a:latin typeface="Consolas" panose="020B0609020204030204" pitchFamily="49" charset="0"/>
+              </a:rPr>
+              <a:t>, </a:t>
+            </a:r>
+            <a:r>
+              <a:rPr lang="en-IE" b="0" dirty="0">
+                <a:solidFill>
+                  <a:srgbClr val="9CDCFE"/>
+                </a:solidFill>
+                <a:effectLst/>
+                <a:latin typeface="Consolas" panose="020B0609020204030204" pitchFamily="49" charset="0"/>
+              </a:rPr>
+              <a:t>limit</a:t>
+            </a:r>
+            <a:r>
+              <a:rPr lang="en-IE" b="0" dirty="0">
+                <a:solidFill>
+                  <a:srgbClr val="D4D4D4"/>
+                </a:solidFill>
+                <a:effectLst/>
+                <a:latin typeface="Consolas" panose="020B0609020204030204" pitchFamily="49" charset="0"/>
+              </a:rPr>
+              <a:t>] = [+</a:t>
+            </a:r>
+            <a:r>
+              <a:rPr lang="en-IE" b="0" dirty="0">
+                <a:solidFill>
+                  <a:srgbClr val="9CDCFE"/>
+                </a:solidFill>
+                <a:effectLst/>
+                <a:latin typeface="Consolas" panose="020B0609020204030204" pitchFamily="49" charset="0"/>
+              </a:rPr>
+              <a:t>page</a:t>
+            </a:r>
+            <a:r>
+              <a:rPr lang="en-IE" b="0" dirty="0">
+                <a:solidFill>
+                  <a:srgbClr val="D4D4D4"/>
+                </a:solidFill>
+                <a:effectLst/>
+                <a:latin typeface="Consolas" panose="020B0609020204030204" pitchFamily="49" charset="0"/>
+              </a:rPr>
+              <a:t>, +</a:t>
+            </a:r>
+            <a:r>
+              <a:rPr lang="en-IE" b="0" dirty="0">
+                <a:solidFill>
+                  <a:srgbClr val="9CDCFE"/>
+                </a:solidFill>
+                <a:effectLst/>
+                <a:latin typeface="Consolas" panose="020B0609020204030204" pitchFamily="49" charset="0"/>
+              </a:rPr>
+              <a:t>limit</a:t>
+            </a:r>
+            <a:r>
+              <a:rPr lang="en-IE" b="0" dirty="0">
+                <a:solidFill>
+                  <a:srgbClr val="D4D4D4"/>
+                </a:solidFill>
+                <a:effectLst/>
+                <a:latin typeface="Consolas" panose="020B0609020204030204" pitchFamily="49" charset="0"/>
+              </a:rPr>
+              <a:t>]; </a:t>
+            </a:r>
+            <a:r>
+              <a:rPr lang="en-IE" b="0" dirty="0">
+                <a:solidFill>
+                  <a:srgbClr val="6A9955"/>
+                </a:solidFill>
+                <a:effectLst/>
+                <a:latin typeface="Consolas" panose="020B0609020204030204" pitchFamily="49" charset="0"/>
+              </a:rPr>
+              <a:t>//trick to convert to numeric (</a:t>
+            </a:r>
+            <a:r>
+              <a:rPr lang="en-IE" b="0" dirty="0" err="1">
+                <a:solidFill>
+                  <a:srgbClr val="6A9955"/>
+                </a:solidFill>
+                <a:effectLst/>
+                <a:latin typeface="Consolas" panose="020B0609020204030204" pitchFamily="49" charset="0"/>
+              </a:rPr>
+              <a:t>req.query</a:t>
+            </a:r>
+            <a:r>
+              <a:rPr lang="en-IE" b="0" dirty="0">
+                <a:solidFill>
+                  <a:srgbClr val="6A9955"/>
+                </a:solidFill>
+                <a:effectLst/>
+                <a:latin typeface="Consolas" panose="020B0609020204030204" pitchFamily="49" charset="0"/>
+              </a:rPr>
+              <a:t> will contain string values)</a:t>
+            </a:r>
+            <a:endParaRPr lang="en-IE" b="0" dirty="0">
+              <a:solidFill>
+                <a:srgbClr val="D4D4D4"/>
+              </a:solidFill>
+              <a:effectLst/>
+              <a:latin typeface="Consolas" panose="020B0609020204030204" pitchFamily="49" charset="0"/>
+            </a:endParaRPr>
+          </a:p>
+          <a:p>
+            <a:pPr marL="0" indent="0">
+              <a:buNone/>
+            </a:pPr>
+            <a:br>
+              <a:rPr lang="en-IE" b="0" dirty="0">
+                <a:solidFill>
+                  <a:srgbClr val="D4D4D4"/>
+                </a:solidFill>
+                <a:effectLst/>
+                <a:latin typeface="Consolas" panose="020B0609020204030204" pitchFamily="49" charset="0"/>
+              </a:rPr>
+            </a:br>
+            <a:r>
+              <a:rPr lang="en-IE" b="0" dirty="0">
+                <a:solidFill>
+                  <a:srgbClr val="D4D4D4"/>
+                </a:solidFill>
+                <a:effectLst/>
+                <a:latin typeface="Consolas" panose="020B0609020204030204" pitchFamily="49" charset="0"/>
+              </a:rPr>
+              <a:t>    </a:t>
+            </a:r>
+            <a:r>
+              <a:rPr lang="en-IE" b="0" dirty="0" err="1">
+                <a:solidFill>
+                  <a:srgbClr val="569CD6"/>
+                </a:solidFill>
+                <a:effectLst/>
+                <a:latin typeface="Consolas" panose="020B0609020204030204" pitchFamily="49" charset="0"/>
+              </a:rPr>
+              <a:t>const</a:t>
+            </a:r>
+            <a:r>
+              <a:rPr lang="en-IE" b="0" dirty="0">
+                <a:solidFill>
+                  <a:srgbClr val="D4D4D4"/>
+                </a:solidFill>
+                <a:effectLst/>
+                <a:latin typeface="Consolas" panose="020B0609020204030204" pitchFamily="49" charset="0"/>
+              </a:rPr>
+              <a:t> </a:t>
+            </a:r>
+            <a:r>
+              <a:rPr lang="en-IE" b="0" dirty="0" err="1">
+                <a:solidFill>
+                  <a:srgbClr val="4FC1FF"/>
+                </a:solidFill>
+                <a:effectLst/>
+                <a:latin typeface="Consolas" panose="020B0609020204030204" pitchFamily="49" charset="0"/>
+              </a:rPr>
+              <a:t>totalDocumentsPromise</a:t>
+            </a:r>
+            <a:r>
+              <a:rPr lang="en-IE" b="0" dirty="0">
+                <a:solidFill>
+                  <a:srgbClr val="D4D4D4"/>
+                </a:solidFill>
+                <a:effectLst/>
+                <a:latin typeface="Consolas" panose="020B0609020204030204" pitchFamily="49" charset="0"/>
+              </a:rPr>
+              <a:t> =</a:t>
+            </a:r>
+            <a:r>
+              <a:rPr lang="en-IE" b="0" dirty="0">
+                <a:solidFill>
+                  <a:srgbClr val="9CDCFE"/>
+                </a:solidFill>
+                <a:effectLst/>
+                <a:latin typeface="Consolas" panose="020B0609020204030204" pitchFamily="49" charset="0"/>
+              </a:rPr>
+              <a:t> </a:t>
+            </a:r>
+            <a:r>
+              <a:rPr lang="en-IE" b="0" dirty="0" err="1">
+                <a:solidFill>
+                  <a:srgbClr val="9CDCFE"/>
+                </a:solidFill>
+                <a:effectLst/>
+                <a:latin typeface="Consolas" panose="020B0609020204030204" pitchFamily="49" charset="0"/>
+              </a:rPr>
+              <a:t>movieModel</a:t>
+            </a:r>
+            <a:r>
+              <a:rPr lang="en-IE" b="0" dirty="0" err="1">
+                <a:solidFill>
+                  <a:srgbClr val="D4D4D4"/>
+                </a:solidFill>
+                <a:effectLst/>
+                <a:latin typeface="Consolas" panose="020B0609020204030204" pitchFamily="49" charset="0"/>
+              </a:rPr>
+              <a:t>.</a:t>
+            </a:r>
+            <a:r>
+              <a:rPr lang="en-IE" b="0" dirty="0" err="1">
+                <a:solidFill>
+                  <a:srgbClr val="DCDCAA"/>
+                </a:solidFill>
+                <a:effectLst/>
+                <a:latin typeface="Consolas" panose="020B0609020204030204" pitchFamily="49" charset="0"/>
+              </a:rPr>
+              <a:t>estimatedDocumentCount</a:t>
+            </a:r>
+            <a:r>
+              <a:rPr lang="en-IE" b="0" dirty="0">
+                <a:solidFill>
+                  <a:srgbClr val="D4D4D4"/>
+                </a:solidFill>
+                <a:effectLst/>
+                <a:latin typeface="Consolas" panose="020B0609020204030204" pitchFamily="49" charset="0"/>
+              </a:rPr>
+              <a:t>(); </a:t>
+            </a:r>
+            <a:r>
+              <a:rPr lang="en-IE" b="0" dirty="0">
+                <a:solidFill>
+                  <a:srgbClr val="6A9955"/>
+                </a:solidFill>
+                <a:effectLst/>
+                <a:latin typeface="Consolas" panose="020B0609020204030204" pitchFamily="49" charset="0"/>
+              </a:rPr>
+              <a:t>//Kick off async calls</a:t>
+            </a:r>
+            <a:endParaRPr lang="en-IE" b="0" dirty="0">
+              <a:solidFill>
+                <a:srgbClr val="D4D4D4"/>
+              </a:solidFill>
+              <a:effectLst/>
+              <a:latin typeface="Consolas" panose="020B0609020204030204" pitchFamily="49" charset="0"/>
+            </a:endParaRPr>
+          </a:p>
+          <a:p>
+            <a:pPr marL="0" indent="0">
+              <a:buNone/>
+            </a:pPr>
+            <a:r>
+              <a:rPr lang="en-IE" b="0" dirty="0">
+                <a:solidFill>
+                  <a:srgbClr val="D4D4D4"/>
+                </a:solidFill>
+                <a:effectLst/>
+                <a:latin typeface="Consolas" panose="020B0609020204030204" pitchFamily="49" charset="0"/>
+              </a:rPr>
+              <a:t>    </a:t>
+            </a:r>
+            <a:r>
+              <a:rPr lang="en-IE" b="0" dirty="0" err="1">
+                <a:solidFill>
+                  <a:srgbClr val="569CD6"/>
+                </a:solidFill>
+                <a:effectLst/>
+                <a:latin typeface="Consolas" panose="020B0609020204030204" pitchFamily="49" charset="0"/>
+              </a:rPr>
+              <a:t>const</a:t>
+            </a:r>
+            <a:r>
+              <a:rPr lang="en-IE" b="0" dirty="0">
+                <a:solidFill>
+                  <a:srgbClr val="D4D4D4"/>
+                </a:solidFill>
+                <a:effectLst/>
+                <a:latin typeface="Consolas" panose="020B0609020204030204" pitchFamily="49" charset="0"/>
+              </a:rPr>
+              <a:t> </a:t>
+            </a:r>
+            <a:r>
+              <a:rPr lang="en-IE" b="0" dirty="0" err="1">
+                <a:solidFill>
+                  <a:srgbClr val="4FC1FF"/>
+                </a:solidFill>
+                <a:effectLst/>
+                <a:latin typeface="Consolas" panose="020B0609020204030204" pitchFamily="49" charset="0"/>
+              </a:rPr>
+              <a:t>moviesPromise</a:t>
+            </a:r>
+            <a:r>
+              <a:rPr lang="en-IE" b="0" dirty="0">
+                <a:solidFill>
+                  <a:srgbClr val="D4D4D4"/>
+                </a:solidFill>
+                <a:effectLst/>
+                <a:latin typeface="Consolas" panose="020B0609020204030204" pitchFamily="49" charset="0"/>
+              </a:rPr>
+              <a:t> =</a:t>
+            </a:r>
+            <a:r>
+              <a:rPr lang="en-IE" b="0" dirty="0">
+                <a:solidFill>
+                  <a:srgbClr val="9CDCFE"/>
+                </a:solidFill>
+                <a:effectLst/>
+                <a:latin typeface="Consolas" panose="020B0609020204030204" pitchFamily="49" charset="0"/>
+              </a:rPr>
+              <a:t> </a:t>
+            </a:r>
+            <a:r>
+              <a:rPr lang="en-IE" b="0" dirty="0" err="1">
+                <a:solidFill>
+                  <a:srgbClr val="9CDCFE"/>
+                </a:solidFill>
+                <a:effectLst/>
+                <a:latin typeface="Consolas" panose="020B0609020204030204" pitchFamily="49" charset="0"/>
+              </a:rPr>
+              <a:t>movieModel</a:t>
+            </a:r>
+            <a:r>
+              <a:rPr lang="en-IE" b="0" dirty="0" err="1">
+                <a:solidFill>
+                  <a:srgbClr val="D4D4D4"/>
+                </a:solidFill>
+                <a:effectLst/>
+                <a:latin typeface="Consolas" panose="020B0609020204030204" pitchFamily="49" charset="0"/>
+              </a:rPr>
+              <a:t>.</a:t>
+            </a:r>
+            <a:r>
+              <a:rPr lang="en-IE" b="0" dirty="0" err="1">
+                <a:solidFill>
+                  <a:srgbClr val="DCDCAA"/>
+                </a:solidFill>
+                <a:effectLst/>
+                <a:latin typeface="Consolas" panose="020B0609020204030204" pitchFamily="49" charset="0"/>
+              </a:rPr>
+              <a:t>find</a:t>
+            </a:r>
+            <a:r>
+              <a:rPr lang="en-IE" b="0" dirty="0">
+                <a:solidFill>
+                  <a:srgbClr val="D4D4D4"/>
+                </a:solidFill>
+                <a:effectLst/>
+                <a:latin typeface="Consolas" panose="020B0609020204030204" pitchFamily="49" charset="0"/>
+              </a:rPr>
+              <a:t>().</a:t>
+            </a:r>
+            <a:r>
+              <a:rPr lang="en-IE" b="0" dirty="0">
+                <a:solidFill>
+                  <a:srgbClr val="DCDCAA"/>
+                </a:solidFill>
+                <a:effectLst/>
+                <a:latin typeface="Consolas" panose="020B0609020204030204" pitchFamily="49" charset="0"/>
+              </a:rPr>
+              <a:t>limit</a:t>
+            </a:r>
+            <a:r>
+              <a:rPr lang="en-IE" b="0" dirty="0">
+                <a:solidFill>
+                  <a:srgbClr val="D4D4D4"/>
+                </a:solidFill>
+                <a:effectLst/>
+                <a:latin typeface="Consolas" panose="020B0609020204030204" pitchFamily="49" charset="0"/>
+              </a:rPr>
+              <a:t>(</a:t>
+            </a:r>
+            <a:r>
+              <a:rPr lang="en-IE" b="0" dirty="0">
+                <a:solidFill>
+                  <a:srgbClr val="9CDCFE"/>
+                </a:solidFill>
+                <a:effectLst/>
+                <a:latin typeface="Consolas" panose="020B0609020204030204" pitchFamily="49" charset="0"/>
+              </a:rPr>
+              <a:t>limit</a:t>
+            </a:r>
+            <a:r>
+              <a:rPr lang="en-IE" b="0" dirty="0">
+                <a:solidFill>
+                  <a:srgbClr val="D4D4D4"/>
+                </a:solidFill>
+                <a:effectLst/>
+                <a:latin typeface="Consolas" panose="020B0609020204030204" pitchFamily="49" charset="0"/>
+              </a:rPr>
+              <a:t>).</a:t>
+            </a:r>
+            <a:r>
+              <a:rPr lang="en-IE" b="0" dirty="0">
+                <a:solidFill>
+                  <a:srgbClr val="DCDCAA"/>
+                </a:solidFill>
+                <a:effectLst/>
+                <a:latin typeface="Consolas" panose="020B0609020204030204" pitchFamily="49" charset="0"/>
+              </a:rPr>
+              <a:t>skip</a:t>
+            </a:r>
+            <a:r>
+              <a:rPr lang="en-IE" b="0" dirty="0">
+                <a:solidFill>
+                  <a:srgbClr val="D4D4D4"/>
+                </a:solidFill>
+                <a:effectLst/>
+                <a:latin typeface="Consolas" panose="020B0609020204030204" pitchFamily="49" charset="0"/>
+              </a:rPr>
+              <a:t>((</a:t>
+            </a:r>
+            <a:r>
+              <a:rPr lang="en-IE" b="0" dirty="0">
+                <a:solidFill>
+                  <a:srgbClr val="9CDCFE"/>
+                </a:solidFill>
+                <a:effectLst/>
+                <a:latin typeface="Consolas" panose="020B0609020204030204" pitchFamily="49" charset="0"/>
+              </a:rPr>
+              <a:t>page</a:t>
+            </a:r>
+            <a:r>
+              <a:rPr lang="en-IE" b="0" dirty="0">
+                <a:solidFill>
+                  <a:srgbClr val="D4D4D4"/>
+                </a:solidFill>
+                <a:effectLst/>
+                <a:latin typeface="Consolas" panose="020B0609020204030204" pitchFamily="49" charset="0"/>
+              </a:rPr>
+              <a:t> - </a:t>
+            </a:r>
+            <a:r>
+              <a:rPr lang="en-IE" b="0" dirty="0">
+                <a:solidFill>
+                  <a:srgbClr val="B5CEA8"/>
+                </a:solidFill>
+                <a:effectLst/>
+                <a:latin typeface="Consolas" panose="020B0609020204030204" pitchFamily="49" charset="0"/>
+              </a:rPr>
+              <a:t>1</a:t>
+            </a:r>
+            <a:r>
+              <a:rPr lang="en-IE" b="0" dirty="0">
+                <a:solidFill>
+                  <a:srgbClr val="D4D4D4"/>
+                </a:solidFill>
+                <a:effectLst/>
+                <a:latin typeface="Consolas" panose="020B0609020204030204" pitchFamily="49" charset="0"/>
+              </a:rPr>
+              <a:t>) * </a:t>
+            </a:r>
+            <a:r>
+              <a:rPr lang="en-IE" b="0" dirty="0">
+                <a:solidFill>
+                  <a:srgbClr val="9CDCFE"/>
+                </a:solidFill>
+                <a:effectLst/>
+                <a:latin typeface="Consolas" panose="020B0609020204030204" pitchFamily="49" charset="0"/>
+              </a:rPr>
+              <a:t>limit</a:t>
+            </a:r>
+            <a:r>
+              <a:rPr lang="en-IE" b="0" dirty="0">
+                <a:solidFill>
+                  <a:srgbClr val="D4D4D4"/>
+                </a:solidFill>
+                <a:effectLst/>
+                <a:latin typeface="Consolas" panose="020B0609020204030204" pitchFamily="49" charset="0"/>
+              </a:rPr>
+              <a:t>);</a:t>
+            </a:r>
+          </a:p>
+          <a:p>
+            <a:pPr marL="0" indent="0">
+              <a:buNone/>
+            </a:pPr>
+            <a:br>
+              <a:rPr lang="en-IE" b="0" dirty="0">
+                <a:solidFill>
+                  <a:srgbClr val="D4D4D4"/>
+                </a:solidFill>
+                <a:effectLst/>
+                <a:latin typeface="Consolas" panose="020B0609020204030204" pitchFamily="49" charset="0"/>
+              </a:rPr>
+            </a:br>
+            <a:r>
+              <a:rPr lang="en-IE" b="0" dirty="0">
+                <a:solidFill>
+                  <a:srgbClr val="D4D4D4"/>
+                </a:solidFill>
+                <a:effectLst/>
+                <a:latin typeface="Consolas" panose="020B0609020204030204" pitchFamily="49" charset="0"/>
+              </a:rPr>
+              <a:t>    </a:t>
+            </a:r>
+            <a:r>
+              <a:rPr lang="en-IE" b="0" dirty="0" err="1">
+                <a:solidFill>
+                  <a:srgbClr val="569CD6"/>
+                </a:solidFill>
+                <a:effectLst/>
+                <a:latin typeface="Consolas" panose="020B0609020204030204" pitchFamily="49" charset="0"/>
+              </a:rPr>
+              <a:t>const</a:t>
+            </a:r>
+            <a:r>
+              <a:rPr lang="en-IE" b="0" dirty="0">
+                <a:solidFill>
+                  <a:srgbClr val="D4D4D4"/>
+                </a:solidFill>
+                <a:effectLst/>
+                <a:latin typeface="Consolas" panose="020B0609020204030204" pitchFamily="49" charset="0"/>
+              </a:rPr>
+              <a:t> </a:t>
+            </a:r>
+            <a:r>
+              <a:rPr lang="en-IE" b="0" dirty="0" err="1">
+                <a:solidFill>
+                  <a:srgbClr val="4FC1FF"/>
+                </a:solidFill>
+                <a:effectLst/>
+                <a:latin typeface="Consolas" panose="020B0609020204030204" pitchFamily="49" charset="0"/>
+              </a:rPr>
+              <a:t>totalDocuments</a:t>
+            </a:r>
+            <a:r>
+              <a:rPr lang="en-IE" b="0" dirty="0">
+                <a:solidFill>
+                  <a:srgbClr val="D4D4D4"/>
+                </a:solidFill>
+                <a:effectLst/>
+                <a:latin typeface="Consolas" panose="020B0609020204030204" pitchFamily="49" charset="0"/>
+              </a:rPr>
+              <a:t> = </a:t>
+            </a:r>
+            <a:r>
+              <a:rPr lang="en-IE" b="0" dirty="0">
+                <a:solidFill>
+                  <a:srgbClr val="C586C0"/>
+                </a:solidFill>
+                <a:effectLst/>
+                <a:latin typeface="Consolas" panose="020B0609020204030204" pitchFamily="49" charset="0"/>
+              </a:rPr>
+              <a:t>await</a:t>
+            </a:r>
+            <a:r>
+              <a:rPr lang="en-IE" b="0" dirty="0">
+                <a:solidFill>
+                  <a:srgbClr val="D4D4D4"/>
+                </a:solidFill>
+                <a:effectLst/>
+                <a:latin typeface="Consolas" panose="020B0609020204030204" pitchFamily="49" charset="0"/>
+              </a:rPr>
+              <a:t> </a:t>
+            </a:r>
+            <a:r>
+              <a:rPr lang="en-IE" b="0" dirty="0" err="1">
+                <a:solidFill>
+                  <a:srgbClr val="4FC1FF"/>
+                </a:solidFill>
+                <a:effectLst/>
+                <a:latin typeface="Consolas" panose="020B0609020204030204" pitchFamily="49" charset="0"/>
+              </a:rPr>
+              <a:t>totalDocumentsPromise</a:t>
+            </a:r>
+            <a:r>
+              <a:rPr lang="en-IE" b="0" dirty="0">
+                <a:solidFill>
+                  <a:srgbClr val="D4D4D4"/>
+                </a:solidFill>
+                <a:effectLst/>
+                <a:latin typeface="Consolas" panose="020B0609020204030204" pitchFamily="49" charset="0"/>
+              </a:rPr>
+              <a:t>; </a:t>
+            </a:r>
+            <a:r>
+              <a:rPr lang="en-IE" b="0" dirty="0">
+                <a:solidFill>
+                  <a:srgbClr val="6A9955"/>
+                </a:solidFill>
+                <a:effectLst/>
+                <a:latin typeface="Consolas" panose="020B0609020204030204" pitchFamily="49" charset="0"/>
+              </a:rPr>
+              <a:t>//wait for the above promises to be fulfilled</a:t>
+            </a:r>
+            <a:endParaRPr lang="en-IE" b="0" dirty="0">
+              <a:solidFill>
+                <a:srgbClr val="D4D4D4"/>
+              </a:solidFill>
+              <a:effectLst/>
+              <a:latin typeface="Consolas" panose="020B0609020204030204" pitchFamily="49" charset="0"/>
+            </a:endParaRPr>
+          </a:p>
+          <a:p>
+            <a:pPr marL="0" indent="0">
+              <a:buNone/>
+            </a:pPr>
+            <a:r>
+              <a:rPr lang="en-IE" b="0" dirty="0">
+                <a:solidFill>
+                  <a:srgbClr val="D4D4D4"/>
+                </a:solidFill>
+                <a:effectLst/>
+                <a:latin typeface="Consolas" panose="020B0609020204030204" pitchFamily="49" charset="0"/>
+              </a:rPr>
+              <a:t>    </a:t>
+            </a:r>
+            <a:r>
+              <a:rPr lang="en-IE" b="0" dirty="0" err="1">
+                <a:solidFill>
+                  <a:srgbClr val="569CD6"/>
+                </a:solidFill>
+                <a:effectLst/>
+                <a:latin typeface="Consolas" panose="020B0609020204030204" pitchFamily="49" charset="0"/>
+              </a:rPr>
+              <a:t>const</a:t>
+            </a:r>
+            <a:r>
+              <a:rPr lang="en-IE" b="0" dirty="0">
+                <a:solidFill>
+                  <a:srgbClr val="D4D4D4"/>
+                </a:solidFill>
+                <a:effectLst/>
+                <a:latin typeface="Consolas" panose="020B0609020204030204" pitchFamily="49" charset="0"/>
+              </a:rPr>
+              <a:t> </a:t>
+            </a:r>
+            <a:r>
+              <a:rPr lang="en-IE" b="0" dirty="0">
+                <a:solidFill>
+                  <a:srgbClr val="4FC1FF"/>
+                </a:solidFill>
+                <a:effectLst/>
+                <a:latin typeface="Consolas" panose="020B0609020204030204" pitchFamily="49" charset="0"/>
+              </a:rPr>
+              <a:t>movies</a:t>
+            </a:r>
+            <a:r>
+              <a:rPr lang="en-IE" b="0" dirty="0">
+                <a:solidFill>
+                  <a:srgbClr val="D4D4D4"/>
+                </a:solidFill>
+                <a:effectLst/>
+                <a:latin typeface="Consolas" panose="020B0609020204030204" pitchFamily="49" charset="0"/>
+              </a:rPr>
+              <a:t> = </a:t>
+            </a:r>
+            <a:r>
+              <a:rPr lang="en-IE" b="0" dirty="0">
+                <a:solidFill>
+                  <a:srgbClr val="C586C0"/>
+                </a:solidFill>
+                <a:effectLst/>
+                <a:latin typeface="Consolas" panose="020B0609020204030204" pitchFamily="49" charset="0"/>
+              </a:rPr>
+              <a:t>await</a:t>
+            </a:r>
+            <a:r>
+              <a:rPr lang="en-IE" b="0" dirty="0">
+                <a:solidFill>
+                  <a:srgbClr val="D4D4D4"/>
+                </a:solidFill>
+                <a:effectLst/>
+                <a:latin typeface="Consolas" panose="020B0609020204030204" pitchFamily="49" charset="0"/>
+              </a:rPr>
+              <a:t> </a:t>
+            </a:r>
+            <a:r>
+              <a:rPr lang="en-IE" b="0" dirty="0" err="1">
+                <a:solidFill>
+                  <a:srgbClr val="4FC1FF"/>
+                </a:solidFill>
+                <a:effectLst/>
+                <a:latin typeface="Consolas" panose="020B0609020204030204" pitchFamily="49" charset="0"/>
+              </a:rPr>
+              <a:t>moviesPromise</a:t>
+            </a:r>
+            <a:r>
+              <a:rPr lang="en-IE" b="0" dirty="0">
+                <a:solidFill>
+                  <a:srgbClr val="D4D4D4"/>
+                </a:solidFill>
+                <a:effectLst/>
+                <a:latin typeface="Consolas" panose="020B0609020204030204" pitchFamily="49" charset="0"/>
+              </a:rPr>
+              <a:t>;</a:t>
+            </a:r>
+          </a:p>
+          <a:p>
+            <a:pPr marL="0" indent="0">
+              <a:buNone/>
+            </a:pPr>
+            <a:br>
+              <a:rPr lang="en-IE" b="0" dirty="0">
+                <a:solidFill>
+                  <a:srgbClr val="D4D4D4"/>
+                </a:solidFill>
+                <a:effectLst/>
+                <a:latin typeface="Consolas" panose="020B0609020204030204" pitchFamily="49" charset="0"/>
+              </a:rPr>
+            </a:br>
+            <a:r>
+              <a:rPr lang="en-IE" b="0" dirty="0">
+                <a:solidFill>
+                  <a:srgbClr val="D4D4D4"/>
+                </a:solidFill>
+                <a:effectLst/>
+                <a:latin typeface="Consolas" panose="020B0609020204030204" pitchFamily="49" charset="0"/>
+              </a:rPr>
+              <a:t>    </a:t>
+            </a:r>
+            <a:r>
+              <a:rPr lang="en-IE" b="0" dirty="0" err="1">
+                <a:solidFill>
+                  <a:srgbClr val="569CD6"/>
+                </a:solidFill>
+                <a:effectLst/>
+                <a:latin typeface="Consolas" panose="020B0609020204030204" pitchFamily="49" charset="0"/>
+              </a:rPr>
+              <a:t>const</a:t>
+            </a:r>
+            <a:r>
+              <a:rPr lang="en-IE" b="0" dirty="0">
+                <a:solidFill>
+                  <a:srgbClr val="D4D4D4"/>
+                </a:solidFill>
+                <a:effectLst/>
+                <a:latin typeface="Consolas" panose="020B0609020204030204" pitchFamily="49" charset="0"/>
+              </a:rPr>
+              <a:t> </a:t>
+            </a:r>
+            <a:r>
+              <a:rPr lang="en-IE" b="0" dirty="0" err="1">
+                <a:solidFill>
+                  <a:srgbClr val="4FC1FF"/>
+                </a:solidFill>
+                <a:effectLst/>
+                <a:latin typeface="Consolas" panose="020B0609020204030204" pitchFamily="49" charset="0"/>
+              </a:rPr>
+              <a:t>returnObject</a:t>
+            </a:r>
+            <a:r>
+              <a:rPr lang="en-IE" b="0" dirty="0">
+                <a:solidFill>
+                  <a:srgbClr val="D4D4D4"/>
+                </a:solidFill>
+                <a:effectLst/>
+                <a:latin typeface="Consolas" panose="020B0609020204030204" pitchFamily="49" charset="0"/>
+              </a:rPr>
+              <a:t> = { </a:t>
+            </a:r>
+            <a:r>
+              <a:rPr lang="en-IE" b="0" dirty="0">
+                <a:solidFill>
+                  <a:srgbClr val="9CDCFE"/>
+                </a:solidFill>
+                <a:effectLst/>
+                <a:latin typeface="Consolas" panose="020B0609020204030204" pitchFamily="49" charset="0"/>
+              </a:rPr>
+              <a:t>page</a:t>
+            </a:r>
+            <a:r>
+              <a:rPr lang="en-IE" b="0" dirty="0">
+                <a:solidFill>
+                  <a:srgbClr val="D4D4D4"/>
+                </a:solidFill>
+                <a:effectLst/>
+                <a:latin typeface="Consolas" panose="020B0609020204030204" pitchFamily="49" charset="0"/>
+              </a:rPr>
+              <a:t>: </a:t>
+            </a:r>
+            <a:r>
+              <a:rPr lang="en-IE" b="0" dirty="0">
+                <a:solidFill>
+                  <a:srgbClr val="9CDCFE"/>
+                </a:solidFill>
+                <a:effectLst/>
+                <a:latin typeface="Consolas" panose="020B0609020204030204" pitchFamily="49" charset="0"/>
+              </a:rPr>
+              <a:t>page</a:t>
+            </a:r>
+            <a:r>
+              <a:rPr lang="en-IE" b="0" dirty="0">
+                <a:solidFill>
+                  <a:srgbClr val="D4D4D4"/>
+                </a:solidFill>
+                <a:effectLst/>
+                <a:latin typeface="Consolas" panose="020B0609020204030204" pitchFamily="49" charset="0"/>
+              </a:rPr>
+              <a:t>, </a:t>
+            </a:r>
+            <a:r>
+              <a:rPr lang="en-IE" b="0" dirty="0" err="1">
+                <a:solidFill>
+                  <a:srgbClr val="9CDCFE"/>
+                </a:solidFill>
+                <a:effectLst/>
+                <a:latin typeface="Consolas" panose="020B0609020204030204" pitchFamily="49" charset="0"/>
+              </a:rPr>
+              <a:t>total_pages</a:t>
+            </a:r>
+            <a:r>
+              <a:rPr lang="en-IE" b="0" dirty="0">
+                <a:solidFill>
+                  <a:srgbClr val="D4D4D4"/>
+                </a:solidFill>
+                <a:effectLst/>
+                <a:latin typeface="Consolas" panose="020B0609020204030204" pitchFamily="49" charset="0"/>
+              </a:rPr>
+              <a:t>: </a:t>
+            </a:r>
+            <a:r>
+              <a:rPr lang="en-IE" b="0" dirty="0" err="1">
+                <a:solidFill>
+                  <a:srgbClr val="9CDCFE"/>
+                </a:solidFill>
+                <a:effectLst/>
+                <a:latin typeface="Consolas" panose="020B0609020204030204" pitchFamily="49" charset="0"/>
+              </a:rPr>
+              <a:t>Math</a:t>
+            </a:r>
+            <a:r>
+              <a:rPr lang="en-IE" b="0" dirty="0" err="1">
+                <a:solidFill>
+                  <a:srgbClr val="D4D4D4"/>
+                </a:solidFill>
+                <a:effectLst/>
+                <a:latin typeface="Consolas" panose="020B0609020204030204" pitchFamily="49" charset="0"/>
+              </a:rPr>
+              <a:t>.</a:t>
+            </a:r>
+            <a:r>
+              <a:rPr lang="en-IE" b="0" dirty="0" err="1">
+                <a:solidFill>
+                  <a:srgbClr val="DCDCAA"/>
+                </a:solidFill>
+                <a:effectLst/>
+                <a:latin typeface="Consolas" panose="020B0609020204030204" pitchFamily="49" charset="0"/>
+              </a:rPr>
+              <a:t>ceil</a:t>
+            </a:r>
+            <a:r>
+              <a:rPr lang="en-IE" b="0" dirty="0">
+                <a:solidFill>
+                  <a:srgbClr val="D4D4D4"/>
+                </a:solidFill>
+                <a:effectLst/>
+                <a:latin typeface="Consolas" panose="020B0609020204030204" pitchFamily="49" charset="0"/>
+              </a:rPr>
+              <a:t>(</a:t>
+            </a:r>
+            <a:r>
+              <a:rPr lang="en-IE" b="0" dirty="0" err="1">
+                <a:solidFill>
+                  <a:srgbClr val="4FC1FF"/>
+                </a:solidFill>
+                <a:effectLst/>
+                <a:latin typeface="Consolas" panose="020B0609020204030204" pitchFamily="49" charset="0"/>
+              </a:rPr>
+              <a:t>totalDocuments</a:t>
+            </a:r>
+            <a:r>
+              <a:rPr lang="en-IE" b="0" dirty="0">
+                <a:solidFill>
+                  <a:srgbClr val="D4D4D4"/>
+                </a:solidFill>
+                <a:effectLst/>
+                <a:latin typeface="Consolas" panose="020B0609020204030204" pitchFamily="49" charset="0"/>
+              </a:rPr>
+              <a:t> / </a:t>
+            </a:r>
+            <a:r>
+              <a:rPr lang="en-IE" b="0" dirty="0">
+                <a:solidFill>
+                  <a:srgbClr val="9CDCFE"/>
+                </a:solidFill>
+                <a:effectLst/>
+                <a:latin typeface="Consolas" panose="020B0609020204030204" pitchFamily="49" charset="0"/>
+              </a:rPr>
+              <a:t>limit</a:t>
+            </a:r>
+            <a:r>
+              <a:rPr lang="en-IE" b="0" dirty="0">
+                <a:solidFill>
+                  <a:srgbClr val="D4D4D4"/>
+                </a:solidFill>
+                <a:effectLst/>
+                <a:latin typeface="Consolas" panose="020B0609020204030204" pitchFamily="49" charset="0"/>
+              </a:rPr>
+              <a:t>), </a:t>
+            </a:r>
+            <a:r>
+              <a:rPr lang="en-IE" b="0" dirty="0" err="1">
+                <a:solidFill>
+                  <a:srgbClr val="9CDCFE"/>
+                </a:solidFill>
+                <a:effectLst/>
+                <a:latin typeface="Consolas" panose="020B0609020204030204" pitchFamily="49" charset="0"/>
+              </a:rPr>
+              <a:t>total_results</a:t>
+            </a:r>
+            <a:r>
+              <a:rPr lang="en-IE" b="0" dirty="0">
+                <a:solidFill>
+                  <a:srgbClr val="D4D4D4"/>
+                </a:solidFill>
+                <a:effectLst/>
+                <a:latin typeface="Consolas" panose="020B0609020204030204" pitchFamily="49" charset="0"/>
+              </a:rPr>
+              <a:t>: </a:t>
+            </a:r>
+            <a:r>
+              <a:rPr lang="en-IE" b="0" dirty="0" err="1">
+                <a:solidFill>
+                  <a:srgbClr val="4FC1FF"/>
+                </a:solidFill>
+                <a:effectLst/>
+                <a:latin typeface="Consolas" panose="020B0609020204030204" pitchFamily="49" charset="0"/>
+              </a:rPr>
+              <a:t>totalDocuments</a:t>
+            </a:r>
+            <a:r>
+              <a:rPr lang="en-IE" b="0" dirty="0">
+                <a:solidFill>
+                  <a:srgbClr val="D4D4D4"/>
+                </a:solidFill>
+                <a:effectLst/>
+                <a:latin typeface="Consolas" panose="020B0609020204030204" pitchFamily="49" charset="0"/>
+              </a:rPr>
+              <a:t>, </a:t>
+            </a:r>
+            <a:r>
+              <a:rPr lang="en-IE" b="0" dirty="0">
+                <a:solidFill>
+                  <a:srgbClr val="9CDCFE"/>
+                </a:solidFill>
+                <a:effectLst/>
+                <a:latin typeface="Consolas" panose="020B0609020204030204" pitchFamily="49" charset="0"/>
+              </a:rPr>
+              <a:t>results</a:t>
+            </a:r>
+            <a:r>
+              <a:rPr lang="en-IE" b="0" dirty="0">
+                <a:solidFill>
+                  <a:srgbClr val="D4D4D4"/>
+                </a:solidFill>
+                <a:effectLst/>
+                <a:latin typeface="Consolas" panose="020B0609020204030204" pitchFamily="49" charset="0"/>
+              </a:rPr>
+              <a:t>: </a:t>
+            </a:r>
+            <a:r>
+              <a:rPr lang="en-IE" b="0" dirty="0">
+                <a:solidFill>
+                  <a:srgbClr val="4FC1FF"/>
+                </a:solidFill>
+                <a:effectLst/>
+                <a:latin typeface="Consolas" panose="020B0609020204030204" pitchFamily="49" charset="0"/>
+              </a:rPr>
+              <a:t>movies</a:t>
+            </a:r>
+            <a:r>
+              <a:rPr lang="en-IE" b="0" dirty="0">
+                <a:solidFill>
+                  <a:srgbClr val="D4D4D4"/>
+                </a:solidFill>
+                <a:effectLst/>
+                <a:latin typeface="Consolas" panose="020B0609020204030204" pitchFamily="49" charset="0"/>
+              </a:rPr>
+              <a:t> };</a:t>
+            </a:r>
+            <a:r>
+              <a:rPr lang="en-IE" b="0" dirty="0">
+                <a:solidFill>
+                  <a:srgbClr val="6A9955"/>
+                </a:solidFill>
+                <a:effectLst/>
+                <a:latin typeface="Consolas" panose="020B0609020204030204" pitchFamily="49" charset="0"/>
+              </a:rPr>
+              <a:t>//construct return Object and insert into response object</a:t>
+            </a:r>
+            <a:endParaRPr lang="en-IE" b="0" dirty="0">
+              <a:solidFill>
+                <a:srgbClr val="D4D4D4"/>
+              </a:solidFill>
+              <a:effectLst/>
+              <a:latin typeface="Consolas" panose="020B0609020204030204" pitchFamily="49" charset="0"/>
+            </a:endParaRPr>
+          </a:p>
+          <a:p>
+            <a:pPr marL="0" indent="0">
+              <a:buNone/>
+            </a:pPr>
+            <a:br>
+              <a:rPr lang="en-IE" b="0" dirty="0">
+                <a:solidFill>
+                  <a:srgbClr val="D4D4D4"/>
+                </a:solidFill>
+                <a:effectLst/>
+                <a:latin typeface="Consolas" panose="020B0609020204030204" pitchFamily="49" charset="0"/>
+              </a:rPr>
+            </a:br>
+            <a:r>
+              <a:rPr lang="en-IE" b="0" dirty="0">
+                <a:solidFill>
+                  <a:srgbClr val="9CDCFE"/>
+                </a:solidFill>
+                <a:effectLst/>
+                <a:latin typeface="Consolas" panose="020B0609020204030204" pitchFamily="49" charset="0"/>
+              </a:rPr>
+              <a:t>    </a:t>
+            </a:r>
+            <a:r>
+              <a:rPr lang="en-IE" b="0" dirty="0" err="1">
+                <a:solidFill>
+                  <a:srgbClr val="9CDCFE"/>
+                </a:solidFill>
+                <a:effectLst/>
+                <a:latin typeface="Consolas" panose="020B0609020204030204" pitchFamily="49" charset="0"/>
+              </a:rPr>
+              <a:t>res</a:t>
+            </a:r>
+            <a:r>
+              <a:rPr lang="en-IE" b="0" dirty="0" err="1">
+                <a:solidFill>
+                  <a:srgbClr val="D4D4D4"/>
+                </a:solidFill>
+                <a:effectLst/>
+                <a:latin typeface="Consolas" panose="020B0609020204030204" pitchFamily="49" charset="0"/>
+              </a:rPr>
+              <a:t>.</a:t>
+            </a:r>
+            <a:r>
+              <a:rPr lang="en-IE" b="0" dirty="0" err="1">
+                <a:solidFill>
+                  <a:srgbClr val="DCDCAA"/>
+                </a:solidFill>
+                <a:effectLst/>
+                <a:latin typeface="Consolas" panose="020B0609020204030204" pitchFamily="49" charset="0"/>
+              </a:rPr>
+              <a:t>status</a:t>
+            </a:r>
+            <a:r>
+              <a:rPr lang="en-IE" b="0" dirty="0">
+                <a:solidFill>
+                  <a:srgbClr val="D4D4D4"/>
+                </a:solidFill>
+                <a:effectLst/>
+                <a:latin typeface="Consolas" panose="020B0609020204030204" pitchFamily="49" charset="0"/>
+              </a:rPr>
+              <a:t>(</a:t>
+            </a:r>
+            <a:r>
+              <a:rPr lang="en-IE" b="0" dirty="0">
+                <a:solidFill>
+                  <a:srgbClr val="B5CEA8"/>
+                </a:solidFill>
+                <a:effectLst/>
+                <a:latin typeface="Consolas" panose="020B0609020204030204" pitchFamily="49" charset="0"/>
+              </a:rPr>
+              <a:t>200</a:t>
+            </a:r>
+            <a:r>
+              <a:rPr lang="en-IE" b="0" dirty="0">
+                <a:solidFill>
+                  <a:srgbClr val="D4D4D4"/>
+                </a:solidFill>
+                <a:effectLst/>
+                <a:latin typeface="Consolas" panose="020B0609020204030204" pitchFamily="49" charset="0"/>
+              </a:rPr>
+              <a:t>).</a:t>
+            </a:r>
+            <a:r>
+              <a:rPr lang="en-IE" b="0" dirty="0">
+                <a:solidFill>
+                  <a:srgbClr val="DCDCAA"/>
+                </a:solidFill>
+                <a:effectLst/>
+                <a:latin typeface="Consolas" panose="020B0609020204030204" pitchFamily="49" charset="0"/>
+              </a:rPr>
+              <a:t>json</a:t>
+            </a:r>
+            <a:r>
+              <a:rPr lang="en-IE" b="0" dirty="0">
+                <a:solidFill>
+                  <a:srgbClr val="D4D4D4"/>
+                </a:solidFill>
+                <a:effectLst/>
+                <a:latin typeface="Consolas" panose="020B0609020204030204" pitchFamily="49" charset="0"/>
+              </a:rPr>
+              <a:t>(</a:t>
+            </a:r>
+            <a:r>
+              <a:rPr lang="en-IE" b="0" dirty="0" err="1">
+                <a:solidFill>
+                  <a:srgbClr val="4FC1FF"/>
+                </a:solidFill>
+                <a:effectLst/>
+                <a:latin typeface="Consolas" panose="020B0609020204030204" pitchFamily="49" charset="0"/>
+              </a:rPr>
+              <a:t>returnObject</a:t>
+            </a:r>
+            <a:r>
+              <a:rPr lang="en-IE" b="0" dirty="0">
+                <a:solidFill>
+                  <a:srgbClr val="D4D4D4"/>
+                </a:solidFill>
+                <a:effectLst/>
+                <a:latin typeface="Consolas" panose="020B0609020204030204" pitchFamily="49" charset="0"/>
+              </a:rPr>
+              <a:t>);</a:t>
+            </a:r>
+          </a:p>
+          <a:p>
+            <a:pPr marL="0" indent="0">
+              <a:buNone/>
+            </a:pPr>
+            <a:r>
+              <a:rPr lang="en-IE" b="0" dirty="0">
+                <a:solidFill>
+                  <a:srgbClr val="D4D4D4"/>
+                </a:solidFill>
+                <a:effectLst/>
+                <a:latin typeface="Consolas" panose="020B0609020204030204" pitchFamily="49" charset="0"/>
+              </a:rPr>
+              <a:t>}));</a:t>
+            </a:r>
+          </a:p>
+          <a:p>
+            <a:pPr marL="0" indent="0">
+              <a:buNone/>
+            </a:pPr>
+            <a:endParaRPr lang="en-IE" dirty="0"/>
+          </a:p>
+        </p:txBody>
+      </p:sp>
+    </p:spTree>
+    <p:extLst>
+      <p:ext uri="{BB962C8B-B14F-4D97-AF65-F5344CB8AC3E}">
+        <p14:creationId xmlns:p14="http://schemas.microsoft.com/office/powerpoint/2010/main" val="2663255484"/>
+      </p:ext>
+    </p:extLst>
+  </p:cSld>
+  <p:clrMapOvr>
+    <a:masterClrMapping/>
+  </p:clrMapOvr>
+</p:sld>
+</file>
+
+<file path=ppt/slides/slide4.xml><?xml version="1.0" encoding="utf-8"?>
+<p:sld xmlns:a="http://schemas.openxmlformats.org/drawingml/2006/main" xmlns:r="http://schemas.openxmlformats.org/officeDocument/2006/relationships" xmlns:p="http://schemas.openxmlformats.org/presentationml/2006/main">
+  <p:cSld>
+    <p:spTree>
+      <p:nvGrpSpPr>
+        <p:cNvPr id="1" name=""/>
+        <p:cNvGrpSpPr/>
+        <p:nvPr/>
+      </p:nvGrpSpPr>
+      <p:grpSpPr>
+        <a:xfrm>
+          <a:off x="0" y="0"/>
+          <a:ext cx="0" cy="0"/>
+          <a:chOff x="0" y="0"/>
+          <a:chExt cx="0" cy="0"/>
+        </a:xfrm>
+      </p:grpSpPr>
+      <p:sp>
+        <p:nvSpPr>
+          <p:cNvPr id="2" name="Title 1">
+            <a:extLst>
+              <a:ext uri="{FF2B5EF4-FFF2-40B4-BE49-F238E27FC236}">
                 <a16:creationId xmlns:a16="http://schemas.microsoft.com/office/drawing/2014/main" id="{11FA812C-2D00-4BE0-8C48-79D8C06EE0F4}"/>
               </a:ext>
             </a:extLst>
@@ -5190,7 +7326,7 @@
               <a:rPr lang="en-US" sz="2800" dirty="0">
                 <a:cs typeface="Calibri Light"/>
               </a:rPr>
-              <a:t> App</a:t>
+              <a:t> React App</a:t>
             </a:r>
             <a:endParaRPr lang="en-US" sz="2800" dirty="0"/>
           </a:p>
@@ -5588,7 +7724,7 @@
 </p:sld>
 </file>
 
-<file path=ppt/slides/slide3.xml><?xml version="1.0" encoding="utf-8"?>
+<file path=ppt/slides/slide5.xml><?xml version="1.0" encoding="utf-8"?>
 <p:sld xmlns:a="http://schemas.openxmlformats.org/drawingml/2006/main" xmlns:r="http://schemas.openxmlformats.org/officeDocument/2006/relationships" xmlns:p="http://schemas.openxmlformats.org/presentationml/2006/main">
   <p:cSld>
     <p:spTree>
@@ -6127,7 +8263,7 @@
 </p:sld>
 </file>
 
-<file path=ppt/slides/slide4.xml><?xml version="1.0" encoding="utf-8"?>
+<file path=ppt/slides/slide6.xml><?xml version="1.0" encoding="utf-8"?>
 <p:sld xmlns:a="http://schemas.openxmlformats.org/drawingml/2006/main" xmlns:r="http://schemas.openxmlformats.org/officeDocument/2006/relationships" xmlns:p="http://schemas.openxmlformats.org/presentationml/2006/main">
   <p:cSld>
     <p:spTree>
@@ -6363,7 +8499,7 @@
 </p:sld>
 </file>
 
-<file path=ppt/slides/slide5.xml><?xml version="1.0" encoding="utf-8"?>
+<file path=ppt/slides/slide7.xml><?xml version="1.0" encoding="utf-8"?>
 <p:sld xmlns:a="http://schemas.openxmlformats.org/drawingml/2006/main" xmlns:r="http://schemas.openxmlformats.org/officeDocument/2006/relationships" xmlns:p="http://schemas.openxmlformats.org/presentationml/2006/main">
   <p:cSld>
     <p:spTree>
@@ -6708,7 +8844,7 @@
 </p:sld>
 </file>
 
-<file path=ppt/slides/slide6.xml><?xml version="1.0" encoding="utf-8"?>
+<file path=ppt/slides/slide8.xml><?xml version="1.0" encoding="utf-8"?>
 <p:sld xmlns:a="http://schemas.openxmlformats.org/drawingml/2006/main" xmlns:r="http://schemas.openxmlformats.org/officeDocument/2006/relationships" xmlns:p="http://schemas.openxmlformats.org/presentationml/2006/main">
   <p:cSld>
     <p:spTree>
@@ -6905,7 +9041,7 @@
 </p:sld>
 </file>
 
-<file path=ppt/slides/slide7.xml><?xml version="1.0" encoding="utf-8"?>
+<file path=ppt/slides/slide9.xml><?xml version="1.0" encoding="utf-8"?>
 <p:sld xmlns:a="http://schemas.openxmlformats.org/drawingml/2006/main" xmlns:r="http://schemas.openxmlformats.org/officeDocument/2006/relationships" xmlns:p="http://schemas.openxmlformats.org/presentationml/2006/main">
   <p:cSld>
     <p:spTree>
@@ -7495,213 +9631,6 @@
       <p:bldP spid="14" grpId="0" animBg="1"/>
     </p:bldLst>
   </p:timing>
-</p:sld>
-</file>
-
-<file path=ppt/slides/slide8.xml><?xml version="1.0" encoding="utf-8"?>
-<p:sld xmlns:a="http://schemas.openxmlformats.org/drawingml/2006/main" xmlns:r="http://schemas.openxmlformats.org/officeDocument/2006/relationships" xmlns:p="http://schemas.openxmlformats.org/presentationml/2006/main">
-  <p:cSld>
-    <p:spTree>
-      <p:nvGrpSpPr>
-        <p:cNvPr id="1" name=""/>
-        <p:cNvGrpSpPr/>
-        <p:nvPr/>
-      </p:nvGrpSpPr>
-      <p:grpSpPr>
-        <a:xfrm>
-          <a:off x="0" y="0"/>
-          <a:ext cx="0" cy="0"/>
-          <a:chOff x="0" y="0"/>
-          <a:chExt cx="0" cy="0"/>
-        </a:xfrm>
-      </p:grpSpPr>
-      <p:sp>
-        <p:nvSpPr>
-          <p:cNvPr id="2" name="Title 1">
-            <a:extLst>
-              <a:ext uri="{FF2B5EF4-FFF2-40B4-BE49-F238E27FC236}">
-                <a16:creationId xmlns:a16="http://schemas.microsoft.com/office/drawing/2014/main" id="{A073572A-92D6-4054-9242-6AF4A240583E}"/>
-              </a:ext>
-            </a:extLst>
-          </p:cNvPr>
-          <p:cNvSpPr>
-            <a:spLocks noGrp="1"/>
-          </p:cNvSpPr>
-          <p:nvPr>
-            <p:ph type="title"/>
-          </p:nvPr>
-        </p:nvSpPr>
-        <p:spPr/>
-        <p:txBody>
-          <a:bodyPr/>
-          <a:lstStyle/>
-          <a:p>
-            <a:r>
-              <a:rPr lang="en-IE" dirty="0"/>
-              <a:t>Integrating API into React App</a:t>
-            </a:r>
-          </a:p>
-        </p:txBody>
-      </p:sp>
-      <p:sp>
-        <p:nvSpPr>
-          <p:cNvPr id="3" name="Text Placeholder 2">
-            <a:extLst>
-              <a:ext uri="{FF2B5EF4-FFF2-40B4-BE49-F238E27FC236}">
-                <a16:creationId xmlns:a16="http://schemas.microsoft.com/office/drawing/2014/main" id="{64FFCE2C-0EEF-44E1-ACAF-0987929086EC}"/>
-              </a:ext>
-            </a:extLst>
-          </p:cNvPr>
-          <p:cNvSpPr>
-            <a:spLocks noGrp="1"/>
-          </p:cNvSpPr>
-          <p:nvPr>
-            <p:ph type="body" idx="1"/>
-          </p:nvPr>
-        </p:nvSpPr>
-        <p:spPr/>
-        <p:txBody>
-          <a:bodyPr/>
-          <a:lstStyle/>
-          <a:p>
-            <a:endParaRPr lang="en-IE"/>
-          </a:p>
-        </p:txBody>
-      </p:sp>
-    </p:spTree>
-    <p:extLst>
-      <p:ext uri="{BB962C8B-B14F-4D97-AF65-F5344CB8AC3E}">
-        <p14:creationId xmlns:p14="http://schemas.microsoft.com/office/powerpoint/2010/main" val="3950858713"/>
-      </p:ext>
-    </p:extLst>
-  </p:cSld>
-  <p:clrMapOvr>
-    <a:masterClrMapping/>
-  </p:clrMapOvr>
-</p:sld>
-</file>
-
-<file path=ppt/slides/slide9.xml><?xml version="1.0" encoding="utf-8"?>
-<p:sld xmlns:a="http://schemas.openxmlformats.org/drawingml/2006/main" xmlns:r="http://schemas.openxmlformats.org/officeDocument/2006/relationships" xmlns:p="http://schemas.openxmlformats.org/presentationml/2006/main">
-  <p:cSld>
-    <p:spTree>
-      <p:nvGrpSpPr>
-        <p:cNvPr id="1" name=""/>
-        <p:cNvGrpSpPr/>
-        <p:nvPr/>
-      </p:nvGrpSpPr>
-      <p:grpSpPr>
-        <a:xfrm>
-          <a:off x="0" y="0"/>
-          <a:ext cx="0" cy="0"/>
-          <a:chOff x="0" y="0"/>
-          <a:chExt cx="0" cy="0"/>
-        </a:xfrm>
-      </p:grpSpPr>
-      <p:sp>
-        <p:nvSpPr>
-          <p:cNvPr id="2" name="Title 1">
-            <a:extLst>
-              <a:ext uri="{FF2B5EF4-FFF2-40B4-BE49-F238E27FC236}">
-                <a16:creationId xmlns:a16="http://schemas.microsoft.com/office/drawing/2014/main" id="{24D248DB-9DCF-472D-B6CE-1FD6D16BB204}"/>
-              </a:ext>
-            </a:extLst>
-          </p:cNvPr>
-          <p:cNvSpPr>
-            <a:spLocks noGrp="1"/>
-          </p:cNvSpPr>
-          <p:nvPr>
-            <p:ph type="title"/>
-          </p:nvPr>
-        </p:nvSpPr>
-        <p:spPr/>
-        <p:txBody>
-          <a:bodyPr/>
-          <a:lstStyle/>
-          <a:p>
-            <a:r>
-              <a:rPr lang="en-IE" dirty="0"/>
-              <a:t>Agenda</a:t>
-            </a:r>
-          </a:p>
-        </p:txBody>
-      </p:sp>
-      <p:sp>
-        <p:nvSpPr>
-          <p:cNvPr id="3" name="Content Placeholder 2">
-            <a:extLst>
-              <a:ext uri="{FF2B5EF4-FFF2-40B4-BE49-F238E27FC236}">
-                <a16:creationId xmlns:a16="http://schemas.microsoft.com/office/drawing/2014/main" id="{09F7A63A-C699-4D39-9865-A5BBF8733C3E}"/>
-              </a:ext>
-            </a:extLst>
-          </p:cNvPr>
-          <p:cNvSpPr>
-            <a:spLocks noGrp="1"/>
-          </p:cNvSpPr>
-          <p:nvPr>
-            <p:ph idx="1"/>
-          </p:nvPr>
-        </p:nvSpPr>
-        <p:spPr/>
-        <p:txBody>
-          <a:bodyPr/>
-          <a:lstStyle/>
-          <a:p>
-            <a:r>
-              <a:rPr lang="en-IE" dirty="0"/>
-              <a:t>Review API Design</a:t>
-            </a:r>
-          </a:p>
-          <a:p>
-            <a:r>
-              <a:rPr lang="en-IE" dirty="0"/>
-              <a:t>Develop front end API Module</a:t>
-            </a:r>
-          </a:p>
-          <a:p>
-            <a:pPr lvl="1"/>
-            <a:r>
-              <a:rPr lang="en-IE" dirty="0"/>
-              <a:t>Endpoint</a:t>
-            </a:r>
-          </a:p>
-          <a:p>
-            <a:pPr lvl="1"/>
-            <a:r>
-              <a:rPr lang="en-IE" dirty="0"/>
-              <a:t>Routes</a:t>
-            </a:r>
-          </a:p>
-          <a:p>
-            <a:r>
-              <a:rPr lang="en-IE" dirty="0"/>
-              <a:t>React Authentication Context</a:t>
-            </a:r>
-          </a:p>
-          <a:p>
-            <a:r>
-              <a:rPr lang="en-IE" dirty="0"/>
-              <a:t>React Login/Registration Page</a:t>
-            </a:r>
-          </a:p>
-          <a:p>
-            <a:endParaRPr lang="en-IE" dirty="0"/>
-          </a:p>
-          <a:p>
-            <a:endParaRPr lang="en-IE" dirty="0"/>
-          </a:p>
-        </p:txBody>
-      </p:sp>
-    </p:spTree>
-    <p:extLst>
-      <p:ext uri="{BB962C8B-B14F-4D97-AF65-F5344CB8AC3E}">
-        <p14:creationId xmlns:p14="http://schemas.microsoft.com/office/powerpoint/2010/main" val="2608539944"/>
-      </p:ext>
-    </p:extLst>
-  </p:cSld>
-  <p:clrMapOvr>
-    <a:masterClrMapping/>
-  </p:clrMapOvr>
 </p:sld>
 </file>
 

--- a/topic11/talk-01/react integration.pptx
+++ b/topic11/talk-01/react integration.pptx
@@ -5,7 +5,7 @@
     <p:sldMasterId id="2147483762" r:id="rId1"/>
   </p:sldMasterIdLst>
   <p:notesMasterIdLst>
-    <p:notesMasterId r:id="rId17"/>
+    <p:notesMasterId r:id="rId11"/>
   </p:notesMasterIdLst>
   <p:sldIdLst>
     <p:sldId id="277" r:id="rId2"/>
@@ -17,12 +17,6 @@
     <p:sldId id="282" r:id="rId8"/>
     <p:sldId id="514" r:id="rId9"/>
     <p:sldId id="283" r:id="rId10"/>
-    <p:sldId id="515" r:id="rId11"/>
-    <p:sldId id="257" r:id="rId12"/>
-    <p:sldId id="258" r:id="rId13"/>
-    <p:sldId id="260" r:id="rId14"/>
-    <p:sldId id="259" r:id="rId15"/>
-    <p:sldId id="262" r:id="rId16"/>
   </p:sldIdLst>
   <p:sldSz cx="12192000" cy="6858000"/>
   <p:notesSz cx="6858000" cy="9144000"/>
@@ -211,7 +205,7 @@
           <a:p>
             <a:fld id="{5A5064DF-05C4-46F4-BCB8-E175C121AC4F}" type="datetimeFigureOut">
               <a:rPr lang="en-IE" smtClean="0"/>
-              <a:t>29/11/2021</a:t>
+              <a:t>01/12/2021</a:t>
             </a:fld>
             <a:endParaRPr lang="en-IE"/>
           </a:p>
@@ -794,7 +788,7 @@
           <a:p>
             <a:fld id="{6A4B53A7-3209-46A6-9454-F38EAC8F11E7}" type="datetimeFigureOut">
               <a:rPr lang="en-US" smtClean="0"/>
-              <a:t>11/29/2021</a:t>
+              <a:t>12/1/2021</a:t>
             </a:fld>
             <a:endParaRPr lang="en-US"/>
           </a:p>
@@ -1045,7 +1039,7 @@
           <a:p>
             <a:fld id="{6A4B53A7-3209-46A6-9454-F38EAC8F11E7}" type="datetimeFigureOut">
               <a:rPr lang="en-US" smtClean="0"/>
-              <a:t>11/29/2021</a:t>
+              <a:t>12/1/2021</a:t>
             </a:fld>
             <a:endParaRPr lang="en-US"/>
           </a:p>
@@ -1306,7 +1300,7 @@
           <a:p>
             <a:fld id="{6A4B53A7-3209-46A6-9454-F38EAC8F11E7}" type="datetimeFigureOut">
               <a:rPr lang="en-US" smtClean="0"/>
-              <a:t>11/29/2021</a:t>
+              <a:t>12/1/2021</a:t>
             </a:fld>
             <a:endParaRPr lang="en-US"/>
           </a:p>
@@ -1557,7 +1551,7 @@
           <a:p>
             <a:fld id="{6A4B53A7-3209-46A6-9454-F38EAC8F11E7}" type="datetimeFigureOut">
               <a:rPr lang="en-US" smtClean="0"/>
-              <a:t>11/29/2021</a:t>
+              <a:t>12/1/2021</a:t>
             </a:fld>
             <a:endParaRPr lang="en-US"/>
           </a:p>
@@ -1885,7 +1879,7 @@
           <a:p>
             <a:fld id="{6A4B53A7-3209-46A6-9454-F38EAC8F11E7}" type="datetimeFigureOut">
               <a:rPr lang="en-US" smtClean="0"/>
-              <a:t>11/29/2021</a:t>
+              <a:t>12/1/2021</a:t>
             </a:fld>
             <a:endParaRPr lang="en-US"/>
           </a:p>
@@ -2203,7 +2197,7 @@
           <a:p>
             <a:fld id="{6A4B53A7-3209-46A6-9454-F38EAC8F11E7}" type="datetimeFigureOut">
               <a:rPr lang="en-US" smtClean="0"/>
-              <a:t>11/29/2021</a:t>
+              <a:t>12/1/2021</a:t>
             </a:fld>
             <a:endParaRPr lang="en-US"/>
           </a:p>
@@ -2668,7 +2662,7 @@
           <a:p>
             <a:fld id="{6A4B53A7-3209-46A6-9454-F38EAC8F11E7}" type="datetimeFigureOut">
               <a:rPr lang="en-US" smtClean="0"/>
-              <a:t>11/29/2021</a:t>
+              <a:t>12/1/2021</a:t>
             </a:fld>
             <a:endParaRPr lang="en-US"/>
           </a:p>
@@ -2862,7 +2856,7 @@
           <a:p>
             <a:fld id="{6A4B53A7-3209-46A6-9454-F38EAC8F11E7}" type="datetimeFigureOut">
               <a:rPr lang="en-US" smtClean="0"/>
-              <a:t>11/29/2021</a:t>
+              <a:t>12/1/2021</a:t>
             </a:fld>
             <a:endParaRPr lang="en-US"/>
           </a:p>
@@ -3028,7 +3022,7 @@
           <a:p>
             <a:fld id="{6A4B53A7-3209-46A6-9454-F38EAC8F11E7}" type="datetimeFigureOut">
               <a:rPr lang="en-US" smtClean="0"/>
-              <a:t>11/29/2021</a:t>
+              <a:t>12/1/2021</a:t>
             </a:fld>
             <a:endParaRPr lang="en-US"/>
           </a:p>
@@ -3392,7 +3386,7 @@
           <a:p>
             <a:fld id="{6A4B53A7-3209-46A6-9454-F38EAC8F11E7}" type="datetimeFigureOut">
               <a:rPr lang="en-US" smtClean="0"/>
-              <a:t>11/29/2021</a:t>
+              <a:t>12/1/2021</a:t>
             </a:fld>
             <a:endParaRPr lang="en-US"/>
           </a:p>
@@ -3736,7 +3730,7 @@
           <a:p>
             <a:fld id="{6A4B53A7-3209-46A6-9454-F38EAC8F11E7}" type="datetimeFigureOut">
               <a:rPr lang="en-US" smtClean="0"/>
-              <a:t>11/29/2021</a:t>
+              <a:t>12/1/2021</a:t>
             </a:fld>
             <a:endParaRPr lang="en-US"/>
           </a:p>
@@ -4031,7 +4025,7 @@
             <a:fld id="{6A4B53A7-3209-46A6-9454-F38EAC8F11E7}" type="datetimeFigureOut">
               <a:rPr lang="en-US" smtClean="0"/>
               <a:pPr/>
-              <a:t>11/29/2021</a:t>
+              <a:t>12/1/2021</a:t>
             </a:fld>
             <a:endParaRPr lang="en-US" dirty="0"/>
           </a:p>
@@ -4512,825 +4506,6 @@
     <p:extLst>
       <p:ext uri="{BB962C8B-B14F-4D97-AF65-F5344CB8AC3E}">
         <p14:creationId xmlns:p14="http://schemas.microsoft.com/office/powerpoint/2010/main" val="1822919630"/>
-      </p:ext>
-    </p:extLst>
-  </p:cSld>
-  <p:clrMapOvr>
-    <a:masterClrMapping/>
-  </p:clrMapOvr>
-</p:sld>
-</file>
-
-<file path=ppt/slides/slide10.xml><?xml version="1.0" encoding="utf-8"?>
-<p:sld xmlns:a="http://schemas.openxmlformats.org/drawingml/2006/main" xmlns:r="http://schemas.openxmlformats.org/officeDocument/2006/relationships" xmlns:p="http://schemas.openxmlformats.org/presentationml/2006/main">
-  <p:cSld>
-    <p:spTree>
-      <p:nvGrpSpPr>
-        <p:cNvPr id="1" name=""/>
-        <p:cNvGrpSpPr/>
-        <p:nvPr/>
-      </p:nvGrpSpPr>
-      <p:grpSpPr>
-        <a:xfrm>
-          <a:off x="0" y="0"/>
-          <a:ext cx="0" cy="0"/>
-          <a:chOff x="0" y="0"/>
-          <a:chExt cx="0" cy="0"/>
-        </a:xfrm>
-      </p:grpSpPr>
-      <p:sp>
-        <p:nvSpPr>
-          <p:cNvPr id="2" name="Title 1">
-            <a:extLst>
-              <a:ext uri="{FF2B5EF4-FFF2-40B4-BE49-F238E27FC236}">
-                <a16:creationId xmlns:a16="http://schemas.microsoft.com/office/drawing/2014/main" id="{A073572A-92D6-4054-9242-6AF4A240583E}"/>
-              </a:ext>
-            </a:extLst>
-          </p:cNvPr>
-          <p:cNvSpPr>
-            <a:spLocks noGrp="1"/>
-          </p:cNvSpPr>
-          <p:nvPr>
-            <p:ph type="title"/>
-          </p:nvPr>
-        </p:nvSpPr>
-        <p:spPr/>
-        <p:txBody>
-          <a:bodyPr/>
-          <a:lstStyle/>
-          <a:p>
-            <a:r>
-              <a:rPr lang="en-IE" dirty="0"/>
-              <a:t>Integrating API into React App</a:t>
-            </a:r>
-          </a:p>
-        </p:txBody>
-      </p:sp>
-      <p:sp>
-        <p:nvSpPr>
-          <p:cNvPr id="3" name="Text Placeholder 2">
-            <a:extLst>
-              <a:ext uri="{FF2B5EF4-FFF2-40B4-BE49-F238E27FC236}">
-                <a16:creationId xmlns:a16="http://schemas.microsoft.com/office/drawing/2014/main" id="{64FFCE2C-0EEF-44E1-ACAF-0987929086EC}"/>
-              </a:ext>
-            </a:extLst>
-          </p:cNvPr>
-          <p:cNvSpPr>
-            <a:spLocks noGrp="1"/>
-          </p:cNvSpPr>
-          <p:nvPr>
-            <p:ph type="body" idx="1"/>
-          </p:nvPr>
-        </p:nvSpPr>
-        <p:spPr/>
-        <p:txBody>
-          <a:bodyPr/>
-          <a:lstStyle/>
-          <a:p>
-            <a:endParaRPr lang="en-IE"/>
-          </a:p>
-        </p:txBody>
-      </p:sp>
-    </p:spTree>
-    <p:extLst>
-      <p:ext uri="{BB962C8B-B14F-4D97-AF65-F5344CB8AC3E}">
-        <p14:creationId xmlns:p14="http://schemas.microsoft.com/office/powerpoint/2010/main" val="3950858713"/>
-      </p:ext>
-    </p:extLst>
-  </p:cSld>
-  <p:clrMapOvr>
-    <a:masterClrMapping/>
-  </p:clrMapOvr>
-</p:sld>
-</file>
-
-<file path=ppt/slides/slide11.xml><?xml version="1.0" encoding="utf-8"?>
-<p:sld xmlns:a="http://schemas.openxmlformats.org/drawingml/2006/main" xmlns:r="http://schemas.openxmlformats.org/officeDocument/2006/relationships" xmlns:p="http://schemas.openxmlformats.org/presentationml/2006/main">
-  <p:cSld>
-    <p:spTree>
-      <p:nvGrpSpPr>
-        <p:cNvPr id="1" name=""/>
-        <p:cNvGrpSpPr/>
-        <p:nvPr/>
-      </p:nvGrpSpPr>
-      <p:grpSpPr>
-        <a:xfrm>
-          <a:off x="0" y="0"/>
-          <a:ext cx="0" cy="0"/>
-          <a:chOff x="0" y="0"/>
-          <a:chExt cx="0" cy="0"/>
-        </a:xfrm>
-      </p:grpSpPr>
-      <p:sp>
-        <p:nvSpPr>
-          <p:cNvPr id="2" name="Title 1">
-            <a:extLst>
-              <a:ext uri="{FF2B5EF4-FFF2-40B4-BE49-F238E27FC236}">
-                <a16:creationId xmlns:a16="http://schemas.microsoft.com/office/drawing/2014/main" id="{24D248DB-9DCF-472D-B6CE-1FD6D16BB204}"/>
-              </a:ext>
-            </a:extLst>
-          </p:cNvPr>
-          <p:cNvSpPr>
-            <a:spLocks noGrp="1"/>
-          </p:cNvSpPr>
-          <p:nvPr>
-            <p:ph type="title"/>
-          </p:nvPr>
-        </p:nvSpPr>
-        <p:spPr/>
-        <p:txBody>
-          <a:bodyPr/>
-          <a:lstStyle/>
-          <a:p>
-            <a:r>
-              <a:rPr lang="en-IE" dirty="0"/>
-              <a:t>Agenda</a:t>
-            </a:r>
-          </a:p>
-        </p:txBody>
-      </p:sp>
-      <p:sp>
-        <p:nvSpPr>
-          <p:cNvPr id="3" name="Content Placeholder 2">
-            <a:extLst>
-              <a:ext uri="{FF2B5EF4-FFF2-40B4-BE49-F238E27FC236}">
-                <a16:creationId xmlns:a16="http://schemas.microsoft.com/office/drawing/2014/main" id="{09F7A63A-C699-4D39-9865-A5BBF8733C3E}"/>
-              </a:ext>
-            </a:extLst>
-          </p:cNvPr>
-          <p:cNvSpPr>
-            <a:spLocks noGrp="1"/>
-          </p:cNvSpPr>
-          <p:nvPr>
-            <p:ph idx="1"/>
-          </p:nvPr>
-        </p:nvSpPr>
-        <p:spPr/>
-        <p:txBody>
-          <a:bodyPr/>
-          <a:lstStyle/>
-          <a:p>
-            <a:r>
-              <a:rPr lang="en-IE" dirty="0"/>
-              <a:t>Review API Design</a:t>
-            </a:r>
-          </a:p>
-          <a:p>
-            <a:r>
-              <a:rPr lang="en-IE" dirty="0"/>
-              <a:t>Develop front end API Module</a:t>
-            </a:r>
-          </a:p>
-          <a:p>
-            <a:pPr lvl="1"/>
-            <a:r>
-              <a:rPr lang="en-IE" dirty="0"/>
-              <a:t>Endpoint</a:t>
-            </a:r>
-          </a:p>
-          <a:p>
-            <a:pPr lvl="1"/>
-            <a:r>
-              <a:rPr lang="en-IE" dirty="0"/>
-              <a:t>Routes</a:t>
-            </a:r>
-          </a:p>
-          <a:p>
-            <a:r>
-              <a:rPr lang="en-IE" dirty="0"/>
-              <a:t>React Authentication Context</a:t>
-            </a:r>
-          </a:p>
-          <a:p>
-            <a:r>
-              <a:rPr lang="en-IE" dirty="0"/>
-              <a:t>React Login/Registration Page</a:t>
-            </a:r>
-          </a:p>
-          <a:p>
-            <a:endParaRPr lang="en-IE" dirty="0"/>
-          </a:p>
-          <a:p>
-            <a:endParaRPr lang="en-IE" dirty="0"/>
-          </a:p>
-        </p:txBody>
-      </p:sp>
-    </p:spTree>
-    <p:extLst>
-      <p:ext uri="{BB962C8B-B14F-4D97-AF65-F5344CB8AC3E}">
-        <p14:creationId xmlns:p14="http://schemas.microsoft.com/office/powerpoint/2010/main" val="2608539944"/>
-      </p:ext>
-    </p:extLst>
-  </p:cSld>
-  <p:clrMapOvr>
-    <a:masterClrMapping/>
-  </p:clrMapOvr>
-</p:sld>
-</file>
-
-<file path=ppt/slides/slide12.xml><?xml version="1.0" encoding="utf-8"?>
-<p:sld xmlns:a="http://schemas.openxmlformats.org/drawingml/2006/main" xmlns:r="http://schemas.openxmlformats.org/officeDocument/2006/relationships" xmlns:p="http://schemas.openxmlformats.org/presentationml/2006/main">
-  <p:cSld>
-    <p:spTree>
-      <p:nvGrpSpPr>
-        <p:cNvPr id="1" name=""/>
-        <p:cNvGrpSpPr/>
-        <p:nvPr/>
-      </p:nvGrpSpPr>
-      <p:grpSpPr>
-        <a:xfrm>
-          <a:off x="0" y="0"/>
-          <a:ext cx="0" cy="0"/>
-          <a:chOff x="0" y="0"/>
-          <a:chExt cx="0" cy="0"/>
-        </a:xfrm>
-      </p:grpSpPr>
-      <p:sp>
-        <p:nvSpPr>
-          <p:cNvPr id="2" name="Title 1">
-            <a:extLst>
-              <a:ext uri="{FF2B5EF4-FFF2-40B4-BE49-F238E27FC236}">
-                <a16:creationId xmlns:a16="http://schemas.microsoft.com/office/drawing/2014/main" id="{36995E73-C48C-428E-8948-24164961F95F}"/>
-              </a:ext>
-            </a:extLst>
-          </p:cNvPr>
-          <p:cNvSpPr>
-            <a:spLocks noGrp="1"/>
-          </p:cNvSpPr>
-          <p:nvPr>
-            <p:ph type="title"/>
-          </p:nvPr>
-        </p:nvSpPr>
-        <p:spPr/>
-        <p:txBody>
-          <a:bodyPr/>
-          <a:lstStyle/>
-          <a:p>
-            <a:r>
-              <a:rPr lang="en-IE" dirty="0"/>
-              <a:t>Review API Design</a:t>
-            </a:r>
-          </a:p>
-        </p:txBody>
-      </p:sp>
-      <p:sp>
-        <p:nvSpPr>
-          <p:cNvPr id="3" name="Content Placeholder 2">
-            <a:extLst>
-              <a:ext uri="{FF2B5EF4-FFF2-40B4-BE49-F238E27FC236}">
-                <a16:creationId xmlns:a16="http://schemas.microsoft.com/office/drawing/2014/main" id="{1DA79C82-84E7-4C17-BFE9-D8C0FA065ECC}"/>
-              </a:ext>
-            </a:extLst>
-          </p:cNvPr>
-          <p:cNvSpPr>
-            <a:spLocks noGrp="1"/>
-          </p:cNvSpPr>
-          <p:nvPr>
-            <p:ph idx="1"/>
-          </p:nvPr>
-        </p:nvSpPr>
-        <p:spPr/>
-        <p:txBody>
-          <a:bodyPr>
-            <a:normAutofit lnSpcReduction="10000"/>
-          </a:bodyPr>
-          <a:lstStyle/>
-          <a:p>
-            <a:pPr marL="0" indent="0">
-              <a:buNone/>
-            </a:pPr>
-            <a:r>
-              <a:rPr lang="en-IE" dirty="0"/>
-              <a:t>Fully understand the API</a:t>
-            </a:r>
-          </a:p>
-          <a:p>
-            <a:r>
-              <a:rPr lang="en-IE" dirty="0"/>
-              <a:t>Examine Routes</a:t>
-            </a:r>
-          </a:p>
-          <a:p>
-            <a:r>
-              <a:rPr lang="en-IE" dirty="0"/>
-              <a:t>Examine Request &amp; Response</a:t>
-            </a:r>
-            <a:br>
-              <a:rPr lang="en-IE" dirty="0"/>
-            </a:br>
-            <a:r>
-              <a:rPr lang="en-IE" dirty="0"/>
-              <a:t>Requirements</a:t>
-            </a:r>
-          </a:p>
-          <a:p>
-            <a:pPr lvl="1"/>
-            <a:r>
-              <a:rPr lang="en-IE" dirty="0"/>
-              <a:t>Body (e.g. properties)</a:t>
-            </a:r>
-          </a:p>
-          <a:p>
-            <a:pPr lvl="1"/>
-            <a:r>
-              <a:rPr lang="en-IE" dirty="0"/>
-              <a:t>Format (e.g. json)</a:t>
-            </a:r>
-          </a:p>
-          <a:p>
-            <a:r>
-              <a:rPr lang="en-IE" dirty="0"/>
-              <a:t>Examine Authentication</a:t>
-            </a:r>
-          </a:p>
-          <a:p>
-            <a:pPr lvl="1"/>
-            <a:r>
-              <a:rPr lang="en-IE" dirty="0"/>
-              <a:t>JWT/Sessions</a:t>
-            </a:r>
-          </a:p>
-          <a:p>
-            <a:r>
-              <a:rPr lang="en-IE" b="1" dirty="0"/>
-              <a:t>TEST WITH POSTMAN</a:t>
-            </a:r>
-          </a:p>
-          <a:p>
-            <a:pPr lvl="1"/>
-            <a:r>
-              <a:rPr lang="en-IE" dirty="0"/>
-              <a:t>Even better, write unit tests!</a:t>
-            </a:r>
-          </a:p>
-          <a:p>
-            <a:endParaRPr lang="en-IE" dirty="0"/>
-          </a:p>
-        </p:txBody>
-      </p:sp>
-      <p:pic>
-        <p:nvPicPr>
-          <p:cNvPr id="5" name="Picture 4">
-            <a:extLst>
-              <a:ext uri="{FF2B5EF4-FFF2-40B4-BE49-F238E27FC236}">
-                <a16:creationId xmlns:a16="http://schemas.microsoft.com/office/drawing/2014/main" id="{78B16BFC-20C4-4B66-A5EE-A048F6E7522D}"/>
-              </a:ext>
-            </a:extLst>
-          </p:cNvPr>
-          <p:cNvPicPr>
-            <a:picLocks noChangeAspect="1"/>
-          </p:cNvPicPr>
-          <p:nvPr/>
-        </p:nvPicPr>
-        <p:blipFill>
-          <a:blip r:embed="rId2"/>
-          <a:stretch>
-            <a:fillRect/>
-          </a:stretch>
-        </p:blipFill>
-        <p:spPr>
-          <a:xfrm>
-            <a:off x="6438900" y="729343"/>
-            <a:ext cx="4914900" cy="1219200"/>
-          </a:xfrm>
-          <a:prstGeom prst="rect">
-            <a:avLst/>
-          </a:prstGeom>
-        </p:spPr>
-      </p:pic>
-      <p:pic>
-        <p:nvPicPr>
-          <p:cNvPr id="7" name="Picture 6">
-            <a:extLst>
-              <a:ext uri="{FF2B5EF4-FFF2-40B4-BE49-F238E27FC236}">
-                <a16:creationId xmlns:a16="http://schemas.microsoft.com/office/drawing/2014/main" id="{3B66AABF-3DEC-4A0F-A538-7BFC196CEA93}"/>
-              </a:ext>
-            </a:extLst>
-          </p:cNvPr>
-          <p:cNvPicPr>
-            <a:picLocks noChangeAspect="1"/>
-          </p:cNvPicPr>
-          <p:nvPr/>
-        </p:nvPicPr>
-        <p:blipFill>
-          <a:blip r:embed="rId3"/>
-          <a:stretch>
-            <a:fillRect/>
-          </a:stretch>
-        </p:blipFill>
-        <p:spPr>
-          <a:xfrm>
-            <a:off x="6438900" y="1948543"/>
-            <a:ext cx="4676775" cy="2286000"/>
-          </a:xfrm>
-          <a:prstGeom prst="rect">
-            <a:avLst/>
-          </a:prstGeom>
-        </p:spPr>
-      </p:pic>
-      <p:pic>
-        <p:nvPicPr>
-          <p:cNvPr id="9" name="Picture 8">
-            <a:extLst>
-              <a:ext uri="{FF2B5EF4-FFF2-40B4-BE49-F238E27FC236}">
-                <a16:creationId xmlns:a16="http://schemas.microsoft.com/office/drawing/2014/main" id="{1CAFAF0F-D968-4599-81DD-057FB8C78B91}"/>
-              </a:ext>
-            </a:extLst>
-          </p:cNvPr>
-          <p:cNvPicPr>
-            <a:picLocks noChangeAspect="1"/>
-          </p:cNvPicPr>
-          <p:nvPr/>
-        </p:nvPicPr>
-        <p:blipFill>
-          <a:blip r:embed="rId4"/>
-          <a:stretch>
-            <a:fillRect/>
-          </a:stretch>
-        </p:blipFill>
-        <p:spPr>
-          <a:xfrm>
-            <a:off x="6742119" y="4357461"/>
-            <a:ext cx="3385034" cy="2177400"/>
-          </a:xfrm>
-          <a:prstGeom prst="rect">
-            <a:avLst/>
-          </a:prstGeom>
-        </p:spPr>
-      </p:pic>
-    </p:spTree>
-    <p:extLst>
-      <p:ext uri="{BB962C8B-B14F-4D97-AF65-F5344CB8AC3E}">
-        <p14:creationId xmlns:p14="http://schemas.microsoft.com/office/powerpoint/2010/main" val="2565491903"/>
-      </p:ext>
-    </p:extLst>
-  </p:cSld>
-  <p:clrMapOvr>
-    <a:masterClrMapping/>
-  </p:clrMapOvr>
-</p:sld>
-</file>
-
-<file path=ppt/slides/slide13.xml><?xml version="1.0" encoding="utf-8"?>
-<p:sld xmlns:a="http://schemas.openxmlformats.org/drawingml/2006/main" xmlns:r="http://schemas.openxmlformats.org/officeDocument/2006/relationships" xmlns:p="http://schemas.openxmlformats.org/presentationml/2006/main">
-  <p:cSld>
-    <p:spTree>
-      <p:nvGrpSpPr>
-        <p:cNvPr id="1" name=""/>
-        <p:cNvGrpSpPr/>
-        <p:nvPr/>
-      </p:nvGrpSpPr>
-      <p:grpSpPr>
-        <a:xfrm>
-          <a:off x="0" y="0"/>
-          <a:ext cx="0" cy="0"/>
-          <a:chOff x="0" y="0"/>
-          <a:chExt cx="0" cy="0"/>
-        </a:xfrm>
-      </p:grpSpPr>
-      <p:sp>
-        <p:nvSpPr>
-          <p:cNvPr id="2" name="Title 1">
-            <a:extLst>
-              <a:ext uri="{FF2B5EF4-FFF2-40B4-BE49-F238E27FC236}">
-                <a16:creationId xmlns:a16="http://schemas.microsoft.com/office/drawing/2014/main" id="{B1ADD1F1-DA33-4987-A608-616F16BEDEF6}"/>
-              </a:ext>
-            </a:extLst>
-          </p:cNvPr>
-          <p:cNvSpPr>
-            <a:spLocks noGrp="1"/>
-          </p:cNvSpPr>
-          <p:nvPr>
-            <p:ph type="title"/>
-          </p:nvPr>
-        </p:nvSpPr>
-        <p:spPr/>
-        <p:txBody>
-          <a:bodyPr/>
-          <a:lstStyle/>
-          <a:p>
-            <a:r>
-              <a:rPr lang="en-IE" dirty="0"/>
-              <a:t>Design React App</a:t>
-            </a:r>
-          </a:p>
-        </p:txBody>
-      </p:sp>
-      <p:sp>
-        <p:nvSpPr>
-          <p:cNvPr id="3" name="Content Placeholder 2">
-            <a:extLst>
-              <a:ext uri="{FF2B5EF4-FFF2-40B4-BE49-F238E27FC236}">
-                <a16:creationId xmlns:a16="http://schemas.microsoft.com/office/drawing/2014/main" id="{698689C2-E3AE-48CE-A8C0-016EAE535682}"/>
-              </a:ext>
-            </a:extLst>
-          </p:cNvPr>
-          <p:cNvSpPr>
-            <a:spLocks noGrp="1"/>
-          </p:cNvSpPr>
-          <p:nvPr>
-            <p:ph idx="1"/>
-          </p:nvPr>
-        </p:nvSpPr>
-        <p:spPr/>
-        <p:txBody>
-          <a:bodyPr/>
-          <a:lstStyle/>
-          <a:p>
-            <a:r>
-              <a:rPr lang="en-IE" dirty="0"/>
-              <a:t>This can be your Movies App from assignment 1</a:t>
-            </a:r>
-          </a:p>
-          <a:p>
-            <a:r>
-              <a:rPr lang="en-IE" dirty="0"/>
-              <a:t>Use stub API/TMDB up to now</a:t>
-            </a:r>
-          </a:p>
-          <a:p>
-            <a:r>
-              <a:rPr lang="en-IE" dirty="0"/>
-              <a:t>Can update to include authentication(login/register) pages and routes</a:t>
-            </a:r>
-          </a:p>
-        </p:txBody>
-      </p:sp>
-      <p:pic>
-        <p:nvPicPr>
-          <p:cNvPr id="5" name="Picture 4">
-            <a:extLst>
-              <a:ext uri="{FF2B5EF4-FFF2-40B4-BE49-F238E27FC236}">
-                <a16:creationId xmlns:a16="http://schemas.microsoft.com/office/drawing/2014/main" id="{AAFDAA89-11A1-4723-A31C-F2BC8DE98DC6}"/>
-              </a:ext>
-            </a:extLst>
-          </p:cNvPr>
-          <p:cNvPicPr>
-            <a:picLocks noChangeAspect="1"/>
-          </p:cNvPicPr>
-          <p:nvPr/>
-        </p:nvPicPr>
-        <p:blipFill>
-          <a:blip r:embed="rId2"/>
-          <a:stretch>
-            <a:fillRect/>
-          </a:stretch>
-        </p:blipFill>
-        <p:spPr>
-          <a:xfrm>
-            <a:off x="3221337" y="3779898"/>
-            <a:ext cx="6048375" cy="2381250"/>
-          </a:xfrm>
-          <a:prstGeom prst="rect">
-            <a:avLst/>
-          </a:prstGeom>
-        </p:spPr>
-      </p:pic>
-    </p:spTree>
-    <p:extLst>
-      <p:ext uri="{BB962C8B-B14F-4D97-AF65-F5344CB8AC3E}">
-        <p14:creationId xmlns:p14="http://schemas.microsoft.com/office/powerpoint/2010/main" val="1348972553"/>
-      </p:ext>
-    </p:extLst>
-  </p:cSld>
-  <p:clrMapOvr>
-    <a:masterClrMapping/>
-  </p:clrMapOvr>
-</p:sld>
-</file>
-
-<file path=ppt/slides/slide14.xml><?xml version="1.0" encoding="utf-8"?>
-<p:sld xmlns:a="http://schemas.openxmlformats.org/drawingml/2006/main" xmlns:r="http://schemas.openxmlformats.org/officeDocument/2006/relationships" xmlns:p="http://schemas.openxmlformats.org/presentationml/2006/main">
-  <p:cSld>
-    <p:spTree>
-      <p:nvGrpSpPr>
-        <p:cNvPr id="1" name=""/>
-        <p:cNvGrpSpPr/>
-        <p:nvPr/>
-      </p:nvGrpSpPr>
-      <p:grpSpPr>
-        <a:xfrm>
-          <a:off x="0" y="0"/>
-          <a:ext cx="0" cy="0"/>
-          <a:chOff x="0" y="0"/>
-          <a:chExt cx="0" cy="0"/>
-        </a:xfrm>
-      </p:grpSpPr>
-      <p:sp>
-        <p:nvSpPr>
-          <p:cNvPr id="2" name="Title 1">
-            <a:extLst>
-              <a:ext uri="{FF2B5EF4-FFF2-40B4-BE49-F238E27FC236}">
-                <a16:creationId xmlns:a16="http://schemas.microsoft.com/office/drawing/2014/main" id="{99942584-8BF9-4C8E-A0CC-BC0935D0663B}"/>
-              </a:ext>
-            </a:extLst>
-          </p:cNvPr>
-          <p:cNvSpPr>
-            <a:spLocks noGrp="1"/>
-          </p:cNvSpPr>
-          <p:nvPr>
-            <p:ph type="title"/>
-          </p:nvPr>
-        </p:nvSpPr>
-        <p:spPr/>
-        <p:txBody>
-          <a:bodyPr/>
-          <a:lstStyle/>
-          <a:p>
-            <a:r>
-              <a:rPr lang="en-IE" dirty="0"/>
-              <a:t>Write/Update API Module</a:t>
-            </a:r>
-          </a:p>
-        </p:txBody>
-      </p:sp>
-      <p:sp>
-        <p:nvSpPr>
-          <p:cNvPr id="3" name="Content Placeholder 2">
-            <a:extLst>
-              <a:ext uri="{FF2B5EF4-FFF2-40B4-BE49-F238E27FC236}">
-                <a16:creationId xmlns:a16="http://schemas.microsoft.com/office/drawing/2014/main" id="{144F4D29-61EF-415C-8D58-7270ACAF1DF3}"/>
-              </a:ext>
-            </a:extLst>
-          </p:cNvPr>
-          <p:cNvSpPr>
-            <a:spLocks noGrp="1"/>
-          </p:cNvSpPr>
-          <p:nvPr>
-            <p:ph idx="1"/>
-          </p:nvPr>
-        </p:nvSpPr>
-        <p:spPr/>
-        <p:txBody>
-          <a:bodyPr/>
-          <a:lstStyle/>
-          <a:p>
-            <a:r>
-              <a:rPr lang="en-IE" dirty="0"/>
-              <a:t>Abstract API calls to exported functions.</a:t>
-            </a:r>
-          </a:p>
-          <a:p>
-            <a:pPr marL="0" indent="0">
-              <a:buNone/>
-            </a:pPr>
-            <a:r>
-              <a:rPr lang="en-IE" dirty="0"/>
-              <a:t> </a:t>
-            </a:r>
-          </a:p>
-        </p:txBody>
-      </p:sp>
-      <p:pic>
-        <p:nvPicPr>
-          <p:cNvPr id="5" name="Picture 4">
-            <a:extLst>
-              <a:ext uri="{FF2B5EF4-FFF2-40B4-BE49-F238E27FC236}">
-                <a16:creationId xmlns:a16="http://schemas.microsoft.com/office/drawing/2014/main" id="{309718EB-FDCF-4AA1-B28A-800F6EBD98C3}"/>
-              </a:ext>
-            </a:extLst>
-          </p:cNvPr>
-          <p:cNvPicPr>
-            <a:picLocks noChangeAspect="1"/>
-          </p:cNvPicPr>
-          <p:nvPr/>
-        </p:nvPicPr>
-        <p:blipFill>
-          <a:blip r:embed="rId2"/>
-          <a:stretch>
-            <a:fillRect/>
-          </a:stretch>
-        </p:blipFill>
-        <p:spPr>
-          <a:xfrm>
-            <a:off x="2199021" y="2495156"/>
-            <a:ext cx="5685710" cy="3816744"/>
-          </a:xfrm>
-          <a:prstGeom prst="rect">
-            <a:avLst/>
-          </a:prstGeom>
-        </p:spPr>
-      </p:pic>
-    </p:spTree>
-    <p:extLst>
-      <p:ext uri="{BB962C8B-B14F-4D97-AF65-F5344CB8AC3E}">
-        <p14:creationId xmlns:p14="http://schemas.microsoft.com/office/powerpoint/2010/main" val="758656100"/>
-      </p:ext>
-    </p:extLst>
-  </p:cSld>
-  <p:clrMapOvr>
-    <a:masterClrMapping/>
-  </p:clrMapOvr>
-</p:sld>
-</file>
-
-<file path=ppt/slides/slide15.xml><?xml version="1.0" encoding="utf-8"?>
-<p:sld xmlns:a="http://schemas.openxmlformats.org/drawingml/2006/main" xmlns:r="http://schemas.openxmlformats.org/officeDocument/2006/relationships" xmlns:p="http://schemas.openxmlformats.org/presentationml/2006/main">
-  <p:cSld>
-    <p:spTree>
-      <p:nvGrpSpPr>
-        <p:cNvPr id="1" name=""/>
-        <p:cNvGrpSpPr/>
-        <p:nvPr/>
-      </p:nvGrpSpPr>
-      <p:grpSpPr>
-        <a:xfrm>
-          <a:off x="0" y="0"/>
-          <a:ext cx="0" cy="0"/>
-          <a:chOff x="0" y="0"/>
-          <a:chExt cx="0" cy="0"/>
-        </a:xfrm>
-      </p:grpSpPr>
-      <p:sp>
-        <p:nvSpPr>
-          <p:cNvPr id="2" name="Title 1">
-            <a:extLst>
-              <a:ext uri="{FF2B5EF4-FFF2-40B4-BE49-F238E27FC236}">
-                <a16:creationId xmlns:a16="http://schemas.microsoft.com/office/drawing/2014/main" id="{4C628302-DA4A-4ED6-9820-5E77240A2098}"/>
-              </a:ext>
-            </a:extLst>
-          </p:cNvPr>
-          <p:cNvSpPr>
-            <a:spLocks noGrp="1"/>
-          </p:cNvSpPr>
-          <p:nvPr>
-            <p:ph type="title"/>
-          </p:nvPr>
-        </p:nvSpPr>
-        <p:spPr/>
-        <p:txBody>
-          <a:bodyPr/>
-          <a:lstStyle/>
-          <a:p>
-            <a:r>
-              <a:rPr lang="en-IE" dirty="0"/>
-              <a:t>Update pages to use Contexts</a:t>
-            </a:r>
-          </a:p>
-        </p:txBody>
-      </p:sp>
-      <p:sp>
-        <p:nvSpPr>
-          <p:cNvPr id="3" name="Content Placeholder 2">
-            <a:extLst>
-              <a:ext uri="{FF2B5EF4-FFF2-40B4-BE49-F238E27FC236}">
-                <a16:creationId xmlns:a16="http://schemas.microsoft.com/office/drawing/2014/main" id="{B62C73BB-3294-4D06-A1C1-78D2213271B8}"/>
-              </a:ext>
-            </a:extLst>
-          </p:cNvPr>
-          <p:cNvSpPr>
-            <a:spLocks noGrp="1"/>
-          </p:cNvSpPr>
-          <p:nvPr>
-            <p:ph idx="1"/>
-          </p:nvPr>
-        </p:nvSpPr>
-        <p:spPr/>
-        <p:txBody>
-          <a:bodyPr/>
-          <a:lstStyle/>
-          <a:p>
-            <a:r>
-              <a:rPr lang="en-IE" dirty="0"/>
-              <a:t>Login Page:</a:t>
-            </a:r>
-          </a:p>
-        </p:txBody>
-      </p:sp>
-      <p:pic>
-        <p:nvPicPr>
-          <p:cNvPr id="7" name="Picture 6">
-            <a:extLst>
-              <a:ext uri="{FF2B5EF4-FFF2-40B4-BE49-F238E27FC236}">
-                <a16:creationId xmlns:a16="http://schemas.microsoft.com/office/drawing/2014/main" id="{8AFD8F00-BEED-47FF-9F6D-0A0F4A57D4CC}"/>
-              </a:ext>
-            </a:extLst>
-          </p:cNvPr>
-          <p:cNvPicPr>
-            <a:picLocks noChangeAspect="1"/>
-          </p:cNvPicPr>
-          <p:nvPr/>
-        </p:nvPicPr>
-        <p:blipFill>
-          <a:blip r:embed="rId2"/>
-          <a:stretch>
-            <a:fillRect/>
-          </a:stretch>
-        </p:blipFill>
-        <p:spPr>
-          <a:xfrm>
-            <a:off x="1018136" y="2491581"/>
-            <a:ext cx="7387112" cy="3469207"/>
-          </a:xfrm>
-          <a:prstGeom prst="rect">
-            <a:avLst/>
-          </a:prstGeom>
-        </p:spPr>
-      </p:pic>
-    </p:spTree>
-    <p:extLst>
-      <p:ext uri="{BB962C8B-B14F-4D97-AF65-F5344CB8AC3E}">
-        <p14:creationId xmlns:p14="http://schemas.microsoft.com/office/powerpoint/2010/main" val="2284642787"/>
       </p:ext>
     </p:extLst>
   </p:cSld>

--- a/topic11/talk-01/react integration.pptx
+++ b/topic11/talk-01/react integration.pptx
@@ -205,7 +205,7 @@
           <a:p>
             <a:fld id="{5A5064DF-05C4-46F4-BCB8-E175C121AC4F}" type="datetimeFigureOut">
               <a:rPr lang="en-IE" smtClean="0"/>
-              <a:t>01/12/2021</a:t>
+              <a:t>30/11/2022</a:t>
             </a:fld>
             <a:endParaRPr lang="en-IE"/>
           </a:p>
@@ -788,7 +788,7 @@
           <a:p>
             <a:fld id="{6A4B53A7-3209-46A6-9454-F38EAC8F11E7}" type="datetimeFigureOut">
               <a:rPr lang="en-US" smtClean="0"/>
-              <a:t>12/1/2021</a:t>
+              <a:t>11/30/2022</a:t>
             </a:fld>
             <a:endParaRPr lang="en-US"/>
           </a:p>
@@ -1039,7 +1039,7 @@
           <a:p>
             <a:fld id="{6A4B53A7-3209-46A6-9454-F38EAC8F11E7}" type="datetimeFigureOut">
               <a:rPr lang="en-US" smtClean="0"/>
-              <a:t>12/1/2021</a:t>
+              <a:t>11/30/2022</a:t>
             </a:fld>
             <a:endParaRPr lang="en-US"/>
           </a:p>
@@ -1300,7 +1300,7 @@
           <a:p>
             <a:fld id="{6A4B53A7-3209-46A6-9454-F38EAC8F11E7}" type="datetimeFigureOut">
               <a:rPr lang="en-US" smtClean="0"/>
-              <a:t>12/1/2021</a:t>
+              <a:t>11/30/2022</a:t>
             </a:fld>
             <a:endParaRPr lang="en-US"/>
           </a:p>
@@ -1551,7 +1551,7 @@
           <a:p>
             <a:fld id="{6A4B53A7-3209-46A6-9454-F38EAC8F11E7}" type="datetimeFigureOut">
               <a:rPr lang="en-US" smtClean="0"/>
-              <a:t>12/1/2021</a:t>
+              <a:t>11/30/2022</a:t>
             </a:fld>
             <a:endParaRPr lang="en-US"/>
           </a:p>
@@ -1879,7 +1879,7 @@
           <a:p>
             <a:fld id="{6A4B53A7-3209-46A6-9454-F38EAC8F11E7}" type="datetimeFigureOut">
               <a:rPr lang="en-US" smtClean="0"/>
-              <a:t>12/1/2021</a:t>
+              <a:t>11/30/2022</a:t>
             </a:fld>
             <a:endParaRPr lang="en-US"/>
           </a:p>
@@ -2197,7 +2197,7 @@
           <a:p>
             <a:fld id="{6A4B53A7-3209-46A6-9454-F38EAC8F11E7}" type="datetimeFigureOut">
               <a:rPr lang="en-US" smtClean="0"/>
-              <a:t>12/1/2021</a:t>
+              <a:t>11/30/2022</a:t>
             </a:fld>
             <a:endParaRPr lang="en-US"/>
           </a:p>
@@ -2662,7 +2662,7 @@
           <a:p>
             <a:fld id="{6A4B53A7-3209-46A6-9454-F38EAC8F11E7}" type="datetimeFigureOut">
               <a:rPr lang="en-US" smtClean="0"/>
-              <a:t>12/1/2021</a:t>
+              <a:t>11/30/2022</a:t>
             </a:fld>
             <a:endParaRPr lang="en-US"/>
           </a:p>
@@ -2856,7 +2856,7 @@
           <a:p>
             <a:fld id="{6A4B53A7-3209-46A6-9454-F38EAC8F11E7}" type="datetimeFigureOut">
               <a:rPr lang="en-US" smtClean="0"/>
-              <a:t>12/1/2021</a:t>
+              <a:t>11/30/2022</a:t>
             </a:fld>
             <a:endParaRPr lang="en-US"/>
           </a:p>
@@ -3022,7 +3022,7 @@
           <a:p>
             <a:fld id="{6A4B53A7-3209-46A6-9454-F38EAC8F11E7}" type="datetimeFigureOut">
               <a:rPr lang="en-US" smtClean="0"/>
-              <a:t>12/1/2021</a:t>
+              <a:t>11/30/2022</a:t>
             </a:fld>
             <a:endParaRPr lang="en-US"/>
           </a:p>
@@ -3386,7 +3386,7 @@
           <a:p>
             <a:fld id="{6A4B53A7-3209-46A6-9454-F38EAC8F11E7}" type="datetimeFigureOut">
               <a:rPr lang="en-US" smtClean="0"/>
-              <a:t>12/1/2021</a:t>
+              <a:t>11/30/2022</a:t>
             </a:fld>
             <a:endParaRPr lang="en-US"/>
           </a:p>
@@ -3730,7 +3730,7 @@
           <a:p>
             <a:fld id="{6A4B53A7-3209-46A6-9454-F38EAC8F11E7}" type="datetimeFigureOut">
               <a:rPr lang="en-US" smtClean="0"/>
-              <a:t>12/1/2021</a:t>
+              <a:t>11/30/2022</a:t>
             </a:fld>
             <a:endParaRPr lang="en-US"/>
           </a:p>
@@ -4025,7 +4025,7 @@
             <a:fld id="{6A4B53A7-3209-46A6-9454-F38EAC8F11E7}" type="datetimeFigureOut">
               <a:rPr lang="en-US" smtClean="0"/>
               <a:pPr/>
-              <a:t>12/1/2021</a:t>
+              <a:t>11/30/2022</a:t>
             </a:fld>
             <a:endParaRPr lang="en-US" dirty="0"/>
           </a:p>
@@ -7047,7 +7047,13 @@
               <a:rPr lang="en-US" b="1" dirty="0">
                 <a:cs typeface="Calibri"/>
               </a:rPr>
-              <a:t>the React App.</a:t>
+              <a:t>the React App </a:t>
+            </a:r>
+            <a:r>
+              <a:rPr lang="en-US" dirty="0">
+                <a:cs typeface="Calibri"/>
+              </a:rPr>
+              <a:t>(alternatively, use http://127.0.0.1:8080)</a:t>
             </a:r>
           </a:p>
           <a:p>
